--- a/XML_MiniProject3_배준엽_21011627-발표자료.pptx
+++ b/XML_MiniProject3_배준엽_21011627-발표자료.pptx
@@ -4,6 +4,9 @@
   <p:sldMasterIdLst>
     <p:sldMasterId id="2147483648" r:id="rId1"/>
   </p:sldMasterIdLst>
+  <p:notesMasterIdLst>
+    <p:notesMasterId r:id="rId27"/>
+  </p:notesMasterIdLst>
   <p:sldIdLst>
     <p:sldId id="256" r:id="rId2"/>
     <p:sldId id="257" r:id="rId3"/>
@@ -20,38 +23,52 @@
     <p:sldId id="283" r:id="rId14"/>
     <p:sldId id="284" r:id="rId15"/>
     <p:sldId id="285" r:id="rId16"/>
-    <p:sldId id="277" r:id="rId17"/>
+    <p:sldId id="286" r:id="rId17"/>
+    <p:sldId id="288" r:id="rId18"/>
+    <p:sldId id="287" r:id="rId19"/>
+    <p:sldId id="289" r:id="rId20"/>
+    <p:sldId id="290" r:id="rId21"/>
+    <p:sldId id="291" r:id="rId22"/>
+    <p:sldId id="292" r:id="rId23"/>
+    <p:sldId id="293" r:id="rId24"/>
+    <p:sldId id="294" r:id="rId25"/>
+    <p:sldId id="277" r:id="rId26"/>
   </p:sldIdLst>
   <p:sldSz cx="24384000" cy="13716000"/>
   <p:notesSz cx="6858000" cy="9144000"/>
   <p:embeddedFontLst>
     <p:embeddedFont>
+      <p:font typeface="맑은 고딕" panose="020B0503020000020004" pitchFamily="50" charset="-127"/>
+      <p:regular r:id="rId28"/>
+      <p:bold r:id="rId29"/>
+    </p:embeddedFont>
+    <p:embeddedFont>
       <p:font typeface="Anek Bangla Expanded ExtraLight" panose="020B0600000101010101" charset="0"/>
-      <p:regular r:id="rId18"/>
+      <p:regular r:id="rId30"/>
     </p:embeddedFont>
     <p:embeddedFont>
       <p:font typeface="Anek Bangla Expanded Medium" panose="020B0600000101010101" charset="0"/>
-      <p:bold r:id="rId19"/>
+      <p:bold r:id="rId31"/>
     </p:embeddedFont>
     <p:embeddedFont>
       <p:font typeface="에스코어 드림 3 Light" panose="020B0303030302020204" pitchFamily="34" charset="-127"/>
-      <p:regular r:id="rId20"/>
+      <p:regular r:id="rId32"/>
     </p:embeddedFont>
     <p:embeddedFont>
       <p:font typeface="에스코어 드림 3 Light" panose="020B0303030302020204" pitchFamily="34" charset="-127"/>
-      <p:regular r:id="rId20"/>
+      <p:regular r:id="rId32"/>
     </p:embeddedFont>
     <p:embeddedFont>
       <p:font typeface="에스코어 드림 4 Regular" panose="020B0503030302020204" pitchFamily="34" charset="-127"/>
-      <p:regular r:id="rId21"/>
+      <p:regular r:id="rId33"/>
     </p:embeddedFont>
     <p:embeddedFont>
       <p:font typeface="에스코어 드림 4 Regular" panose="020B0503030302020204" pitchFamily="34" charset="-127"/>
-      <p:regular r:id="rId21"/>
+      <p:regular r:id="rId33"/>
     </p:embeddedFont>
     <p:embeddedFont>
       <p:font typeface="에스코어 드림 5 Medium" panose="020B0503030302020204" pitchFamily="34" charset="-127"/>
-      <p:regular r:id="rId22"/>
+      <p:regular r:id="rId34"/>
     </p:embeddedFont>
   </p:embeddedFontLst>
   <p:defaultTextStyle>
@@ -168,6 +185,439 @@
 </p:presentation>
 </file>
 
+<file path=ppt/notesMasters/notesMaster1.xml><?xml version="1.0" encoding="utf-8"?>
+<p:notesMaster xmlns:a="http://schemas.openxmlformats.org/drawingml/2006/main" xmlns:r="http://schemas.openxmlformats.org/officeDocument/2006/relationships" xmlns:p="http://schemas.openxmlformats.org/presentationml/2006/main">
+  <p:cSld>
+    <p:bg>
+      <p:bgRef idx="1001">
+        <a:schemeClr val="bg1"/>
+      </p:bgRef>
+    </p:bg>
+    <p:spTree>
+      <p:nvGrpSpPr>
+        <p:cNvPr id="1" name=""/>
+        <p:cNvGrpSpPr/>
+        <p:nvPr/>
+      </p:nvGrpSpPr>
+      <p:grpSpPr>
+        <a:xfrm>
+          <a:off x="0" y="0"/>
+          <a:ext cx="0" cy="0"/>
+          <a:chOff x="0" y="0"/>
+          <a:chExt cx="0" cy="0"/>
+        </a:xfrm>
+      </p:grpSpPr>
+      <p:sp>
+        <p:nvSpPr>
+          <p:cNvPr id="2" name="머리글 개체 틀 1"/>
+          <p:cNvSpPr>
+            <a:spLocks noGrp="1"/>
+          </p:cNvSpPr>
+          <p:nvPr>
+            <p:ph type="hdr" sz="quarter"/>
+          </p:nvPr>
+        </p:nvSpPr>
+        <p:spPr>
+          <a:xfrm>
+            <a:off x="0" y="0"/>
+            <a:ext cx="2971800" cy="458788"/>
+          </a:xfrm>
+          <a:prstGeom prst="rect">
+            <a:avLst/>
+          </a:prstGeom>
+        </p:spPr>
+        <p:txBody>
+          <a:bodyPr vert="horz" lIns="91440" tIns="45720" rIns="91440" bIns="45720" rtlCol="0"/>
+          <a:lstStyle>
+            <a:lvl1pPr algn="l">
+              <a:defRPr sz="1200"/>
+            </a:lvl1pPr>
+          </a:lstStyle>
+          <a:p>
+            <a:endParaRPr lang="ko-KR" altLang="en-US"/>
+          </a:p>
+        </p:txBody>
+      </p:sp>
+      <p:sp>
+        <p:nvSpPr>
+          <p:cNvPr id="3" name="날짜 개체 틀 2"/>
+          <p:cNvSpPr>
+            <a:spLocks noGrp="1"/>
+          </p:cNvSpPr>
+          <p:nvPr>
+            <p:ph type="dt" idx="1"/>
+          </p:nvPr>
+        </p:nvSpPr>
+        <p:spPr>
+          <a:xfrm>
+            <a:off x="3884613" y="0"/>
+            <a:ext cx="2971800" cy="458788"/>
+          </a:xfrm>
+          <a:prstGeom prst="rect">
+            <a:avLst/>
+          </a:prstGeom>
+        </p:spPr>
+        <p:txBody>
+          <a:bodyPr vert="horz" lIns="91440" tIns="45720" rIns="91440" bIns="45720" rtlCol="0"/>
+          <a:lstStyle>
+            <a:lvl1pPr algn="r">
+              <a:defRPr sz="1200"/>
+            </a:lvl1pPr>
+          </a:lstStyle>
+          <a:p>
+            <a:fld id="{7ADD6C39-2FBD-4CD0-9C02-D31A9DEBFD7E}" type="datetimeFigureOut">
+              <a:rPr lang="ko-KR" altLang="en-US" smtClean="0"/>
+              <a:t>2025-11-10</a:t>
+            </a:fld>
+            <a:endParaRPr lang="ko-KR" altLang="en-US"/>
+          </a:p>
+        </p:txBody>
+      </p:sp>
+      <p:sp>
+        <p:nvSpPr>
+          <p:cNvPr id="4" name="슬라이드 이미지 개체 틀 3"/>
+          <p:cNvSpPr>
+            <a:spLocks noGrp="1" noRot="1" noChangeAspect="1"/>
+          </p:cNvSpPr>
+          <p:nvPr>
+            <p:ph type="sldImg" idx="2"/>
+          </p:nvPr>
+        </p:nvSpPr>
+        <p:spPr>
+          <a:xfrm>
+            <a:off x="685800" y="1143000"/>
+            <a:ext cx="5486400" cy="3086100"/>
+          </a:xfrm>
+          <a:prstGeom prst="rect">
+            <a:avLst/>
+          </a:prstGeom>
+          <a:noFill/>
+          <a:ln w="12700">
+            <a:solidFill>
+              <a:prstClr val="black"/>
+            </a:solidFill>
+          </a:ln>
+        </p:spPr>
+        <p:txBody>
+          <a:bodyPr vert="horz" lIns="91440" tIns="45720" rIns="91440" bIns="45720" rtlCol="0" anchor="ctr"/>
+          <a:lstStyle/>
+          <a:p>
+            <a:endParaRPr lang="ko-KR" altLang="en-US"/>
+          </a:p>
+        </p:txBody>
+      </p:sp>
+      <p:sp>
+        <p:nvSpPr>
+          <p:cNvPr id="5" name="슬라이드 노트 개체 틀 4"/>
+          <p:cNvSpPr>
+            <a:spLocks noGrp="1"/>
+          </p:cNvSpPr>
+          <p:nvPr>
+            <p:ph type="body" sz="quarter" idx="3"/>
+          </p:nvPr>
+        </p:nvSpPr>
+        <p:spPr>
+          <a:xfrm>
+            <a:off x="685800" y="4400550"/>
+            <a:ext cx="5486400" cy="3600450"/>
+          </a:xfrm>
+          <a:prstGeom prst="rect">
+            <a:avLst/>
+          </a:prstGeom>
+        </p:spPr>
+        <p:txBody>
+          <a:bodyPr vert="horz" lIns="91440" tIns="45720" rIns="91440" bIns="45720" rtlCol="0"/>
+          <a:lstStyle/>
+          <a:p>
+            <a:pPr lvl="0"/>
+            <a:r>
+              <a:rPr lang="ko-KR" altLang="en-US"/>
+              <a:t>마스터 텍스트 스타일을 편집하려면 클릭</a:t>
+            </a:r>
+          </a:p>
+          <a:p>
+            <a:pPr lvl="1"/>
+            <a:r>
+              <a:rPr lang="ko-KR" altLang="en-US"/>
+              <a:t>두 번째 수준</a:t>
+            </a:r>
+          </a:p>
+          <a:p>
+            <a:pPr lvl="2"/>
+            <a:r>
+              <a:rPr lang="ko-KR" altLang="en-US"/>
+              <a:t>세 번째 수준</a:t>
+            </a:r>
+          </a:p>
+          <a:p>
+            <a:pPr lvl="3"/>
+            <a:r>
+              <a:rPr lang="ko-KR" altLang="en-US"/>
+              <a:t>네 번째 수준</a:t>
+            </a:r>
+          </a:p>
+          <a:p>
+            <a:pPr lvl="4"/>
+            <a:r>
+              <a:rPr lang="ko-KR" altLang="en-US"/>
+              <a:t>다섯 번째 수준</a:t>
+            </a:r>
+          </a:p>
+        </p:txBody>
+      </p:sp>
+      <p:sp>
+        <p:nvSpPr>
+          <p:cNvPr id="6" name="바닥글 개체 틀 5"/>
+          <p:cNvSpPr>
+            <a:spLocks noGrp="1"/>
+          </p:cNvSpPr>
+          <p:nvPr>
+            <p:ph type="ftr" sz="quarter" idx="4"/>
+          </p:nvPr>
+        </p:nvSpPr>
+        <p:spPr>
+          <a:xfrm>
+            <a:off x="0" y="8685213"/>
+            <a:ext cx="2971800" cy="458787"/>
+          </a:xfrm>
+          <a:prstGeom prst="rect">
+            <a:avLst/>
+          </a:prstGeom>
+        </p:spPr>
+        <p:txBody>
+          <a:bodyPr vert="horz" lIns="91440" tIns="45720" rIns="91440" bIns="45720" rtlCol="0" anchor="b"/>
+          <a:lstStyle>
+            <a:lvl1pPr algn="l">
+              <a:defRPr sz="1200"/>
+            </a:lvl1pPr>
+          </a:lstStyle>
+          <a:p>
+            <a:endParaRPr lang="ko-KR" altLang="en-US"/>
+          </a:p>
+        </p:txBody>
+      </p:sp>
+      <p:sp>
+        <p:nvSpPr>
+          <p:cNvPr id="7" name="슬라이드 번호 개체 틀 6"/>
+          <p:cNvSpPr>
+            <a:spLocks noGrp="1"/>
+          </p:cNvSpPr>
+          <p:nvPr>
+            <p:ph type="sldNum" sz="quarter" idx="5"/>
+          </p:nvPr>
+        </p:nvSpPr>
+        <p:spPr>
+          <a:xfrm>
+            <a:off x="3884613" y="8685213"/>
+            <a:ext cx="2971800" cy="458787"/>
+          </a:xfrm>
+          <a:prstGeom prst="rect">
+            <a:avLst/>
+          </a:prstGeom>
+        </p:spPr>
+        <p:txBody>
+          <a:bodyPr vert="horz" lIns="91440" tIns="45720" rIns="91440" bIns="45720" rtlCol="0" anchor="b"/>
+          <a:lstStyle>
+            <a:lvl1pPr algn="r">
+              <a:defRPr sz="1200"/>
+            </a:lvl1pPr>
+          </a:lstStyle>
+          <a:p>
+            <a:fld id="{BB301010-220A-46F6-91B3-883737BD09BB}" type="slidenum">
+              <a:rPr lang="ko-KR" altLang="en-US" smtClean="0"/>
+              <a:t>‹#›</a:t>
+            </a:fld>
+            <a:endParaRPr lang="ko-KR" altLang="en-US"/>
+          </a:p>
+        </p:txBody>
+      </p:sp>
+    </p:spTree>
+    <p:extLst>
+      <p:ext uri="{BB962C8B-B14F-4D97-AF65-F5344CB8AC3E}">
+        <p14:creationId xmlns:p14="http://schemas.microsoft.com/office/powerpoint/2010/main" val="2407036692"/>
+      </p:ext>
+    </p:extLst>
+  </p:cSld>
+  <p:clrMap bg1="lt1" tx1="dk1" bg2="lt2" tx2="dk2" accent1="accent1" accent2="accent2" accent3="accent3" accent4="accent4" accent5="accent5" accent6="accent6" hlink="hlink" folHlink="folHlink"/>
+  <p:notesStyle>
+    <a:lvl1pPr marL="0" algn="l" defTabSz="914400" rtl="0" eaLnBrk="1" latinLnBrk="1" hangingPunct="1">
+      <a:defRPr sz="1200" kern="1200">
+        <a:solidFill>
+          <a:schemeClr val="tx1"/>
+        </a:solidFill>
+        <a:latin typeface="+mn-lt"/>
+        <a:ea typeface="+mn-ea"/>
+        <a:cs typeface="+mn-cs"/>
+      </a:defRPr>
+    </a:lvl1pPr>
+    <a:lvl2pPr marL="457200" algn="l" defTabSz="914400" rtl="0" eaLnBrk="1" latinLnBrk="1" hangingPunct="1">
+      <a:defRPr sz="1200" kern="1200">
+        <a:solidFill>
+          <a:schemeClr val="tx1"/>
+        </a:solidFill>
+        <a:latin typeface="+mn-lt"/>
+        <a:ea typeface="+mn-ea"/>
+        <a:cs typeface="+mn-cs"/>
+      </a:defRPr>
+    </a:lvl2pPr>
+    <a:lvl3pPr marL="914400" algn="l" defTabSz="914400" rtl="0" eaLnBrk="1" latinLnBrk="1" hangingPunct="1">
+      <a:defRPr sz="1200" kern="1200">
+        <a:solidFill>
+          <a:schemeClr val="tx1"/>
+        </a:solidFill>
+        <a:latin typeface="+mn-lt"/>
+        <a:ea typeface="+mn-ea"/>
+        <a:cs typeface="+mn-cs"/>
+      </a:defRPr>
+    </a:lvl3pPr>
+    <a:lvl4pPr marL="1371600" algn="l" defTabSz="914400" rtl="0" eaLnBrk="1" latinLnBrk="1" hangingPunct="1">
+      <a:defRPr sz="1200" kern="1200">
+        <a:solidFill>
+          <a:schemeClr val="tx1"/>
+        </a:solidFill>
+        <a:latin typeface="+mn-lt"/>
+        <a:ea typeface="+mn-ea"/>
+        <a:cs typeface="+mn-cs"/>
+      </a:defRPr>
+    </a:lvl4pPr>
+    <a:lvl5pPr marL="1828800" algn="l" defTabSz="914400" rtl="0" eaLnBrk="1" latinLnBrk="1" hangingPunct="1">
+      <a:defRPr sz="1200" kern="1200">
+        <a:solidFill>
+          <a:schemeClr val="tx1"/>
+        </a:solidFill>
+        <a:latin typeface="+mn-lt"/>
+        <a:ea typeface="+mn-ea"/>
+        <a:cs typeface="+mn-cs"/>
+      </a:defRPr>
+    </a:lvl5pPr>
+    <a:lvl6pPr marL="2286000" algn="l" defTabSz="914400" rtl="0" eaLnBrk="1" latinLnBrk="1" hangingPunct="1">
+      <a:defRPr sz="1200" kern="1200">
+        <a:solidFill>
+          <a:schemeClr val="tx1"/>
+        </a:solidFill>
+        <a:latin typeface="+mn-lt"/>
+        <a:ea typeface="+mn-ea"/>
+        <a:cs typeface="+mn-cs"/>
+      </a:defRPr>
+    </a:lvl6pPr>
+    <a:lvl7pPr marL="2743200" algn="l" defTabSz="914400" rtl="0" eaLnBrk="1" latinLnBrk="1" hangingPunct="1">
+      <a:defRPr sz="1200" kern="1200">
+        <a:solidFill>
+          <a:schemeClr val="tx1"/>
+        </a:solidFill>
+        <a:latin typeface="+mn-lt"/>
+        <a:ea typeface="+mn-ea"/>
+        <a:cs typeface="+mn-cs"/>
+      </a:defRPr>
+    </a:lvl7pPr>
+    <a:lvl8pPr marL="3200400" algn="l" defTabSz="914400" rtl="0" eaLnBrk="1" latinLnBrk="1" hangingPunct="1">
+      <a:defRPr sz="1200" kern="1200">
+        <a:solidFill>
+          <a:schemeClr val="tx1"/>
+        </a:solidFill>
+        <a:latin typeface="+mn-lt"/>
+        <a:ea typeface="+mn-ea"/>
+        <a:cs typeface="+mn-cs"/>
+      </a:defRPr>
+    </a:lvl8pPr>
+    <a:lvl9pPr marL="3657600" algn="l" defTabSz="914400" rtl="0" eaLnBrk="1" latinLnBrk="1" hangingPunct="1">
+      <a:defRPr sz="1200" kern="1200">
+        <a:solidFill>
+          <a:schemeClr val="tx1"/>
+        </a:solidFill>
+        <a:latin typeface="+mn-lt"/>
+        <a:ea typeface="+mn-ea"/>
+        <a:cs typeface="+mn-cs"/>
+      </a:defRPr>
+    </a:lvl9pPr>
+  </p:notesStyle>
+</p:notesMaster>
+</file>
+
+<file path=ppt/notesSlides/notesSlide1.xml><?xml version="1.0" encoding="utf-8"?>
+<p:notes xmlns:a="http://schemas.openxmlformats.org/drawingml/2006/main" xmlns:r="http://schemas.openxmlformats.org/officeDocument/2006/relationships" xmlns:p="http://schemas.openxmlformats.org/presentationml/2006/main">
+  <p:cSld>
+    <p:spTree>
+      <p:nvGrpSpPr>
+        <p:cNvPr id="1" name=""/>
+        <p:cNvGrpSpPr/>
+        <p:nvPr/>
+      </p:nvGrpSpPr>
+      <p:grpSpPr>
+        <a:xfrm>
+          <a:off x="0" y="0"/>
+          <a:ext cx="0" cy="0"/>
+          <a:chOff x="0" y="0"/>
+          <a:chExt cx="0" cy="0"/>
+        </a:xfrm>
+      </p:grpSpPr>
+      <p:sp>
+        <p:nvSpPr>
+          <p:cNvPr id="2" name="슬라이드 이미지 개체 틀 1"/>
+          <p:cNvSpPr>
+            <a:spLocks noGrp="1" noRot="1" noChangeAspect="1"/>
+          </p:cNvSpPr>
+          <p:nvPr>
+            <p:ph type="sldImg"/>
+          </p:nvPr>
+        </p:nvSpPr>
+        <p:spPr/>
+      </p:sp>
+      <p:sp>
+        <p:nvSpPr>
+          <p:cNvPr id="3" name="슬라이드 노트 개체 틀 2"/>
+          <p:cNvSpPr>
+            <a:spLocks noGrp="1"/>
+          </p:cNvSpPr>
+          <p:nvPr>
+            <p:ph type="body" idx="1"/>
+          </p:nvPr>
+        </p:nvSpPr>
+        <p:spPr/>
+        <p:txBody>
+          <a:bodyPr/>
+          <a:lstStyle/>
+          <a:p>
+            <a:endParaRPr lang="ko-KR" altLang="en-US"/>
+          </a:p>
+        </p:txBody>
+      </p:sp>
+      <p:sp>
+        <p:nvSpPr>
+          <p:cNvPr id="4" name="슬라이드 번호 개체 틀 3"/>
+          <p:cNvSpPr>
+            <a:spLocks noGrp="1"/>
+          </p:cNvSpPr>
+          <p:nvPr>
+            <p:ph type="sldNum" sz="quarter" idx="5"/>
+          </p:nvPr>
+        </p:nvSpPr>
+        <p:spPr/>
+        <p:txBody>
+          <a:bodyPr/>
+          <a:lstStyle/>
+          <a:p>
+            <a:fld id="{BB301010-220A-46F6-91B3-883737BD09BB}" type="slidenum">
+              <a:rPr lang="ko-KR" altLang="en-US" smtClean="0"/>
+              <a:t>23</a:t>
+            </a:fld>
+            <a:endParaRPr lang="ko-KR" altLang="en-US"/>
+          </a:p>
+        </p:txBody>
+      </p:sp>
+    </p:spTree>
+    <p:extLst>
+      <p:ext uri="{BB962C8B-B14F-4D97-AF65-F5344CB8AC3E}">
+        <p14:creationId xmlns:p14="http://schemas.microsoft.com/office/powerpoint/2010/main" val="4020021077"/>
+      </p:ext>
+    </p:extLst>
+  </p:cSld>
+  <p:clrMapOvr>
+    <a:masterClrMapping/>
+  </p:clrMapOvr>
+</p:notes>
+</file>
+
 <file path=ppt/slideLayouts/slideLayout1.xml><?xml version="1.0" encoding="utf-8"?>
 <p:sldLayout xmlns:a="http://schemas.openxmlformats.org/drawingml/2006/main" xmlns:r="http://schemas.openxmlformats.org/officeDocument/2006/relationships" xmlns:p="http://schemas.openxmlformats.org/presentationml/2006/main" type="title" preserve="1">
   <p:cSld name="Title Slide">
@@ -348,7 +798,7 @@
             <a:fld id="{1D8BD707-D9CF-40AE-B4C6-C98DA3205C09}" type="datetimeFigureOut">
               <a:rPr lang="en-US" smtClean="0"/>
               <a:pPr/>
-              <a:t>11/1/2025</a:t>
+              <a:t>11/10/2025</a:t>
             </a:fld>
             <a:endParaRPr lang="en-US"/>
           </a:p>
@@ -513,7 +963,7 @@
             <a:fld id="{1D8BD707-D9CF-40AE-B4C6-C98DA3205C09}" type="datetimeFigureOut">
               <a:rPr lang="en-US" smtClean="0"/>
               <a:pPr/>
-              <a:t>11/1/2025</a:t>
+              <a:t>11/10/2025</a:t>
             </a:fld>
             <a:endParaRPr lang="en-US"/>
           </a:p>
@@ -688,7 +1138,7 @@
             <a:fld id="{1D8BD707-D9CF-40AE-B4C6-C98DA3205C09}" type="datetimeFigureOut">
               <a:rPr lang="en-US" smtClean="0"/>
               <a:pPr/>
-              <a:t>11/1/2025</a:t>
+              <a:t>11/10/2025</a:t>
             </a:fld>
             <a:endParaRPr lang="en-US"/>
           </a:p>
@@ -853,7 +1303,7 @@
             <a:fld id="{1D8BD707-D9CF-40AE-B4C6-C98DA3205C09}" type="datetimeFigureOut">
               <a:rPr lang="en-US" smtClean="0"/>
               <a:pPr/>
-              <a:t>11/1/2025</a:t>
+              <a:t>11/10/2025</a:t>
             </a:fld>
             <a:endParaRPr lang="en-US"/>
           </a:p>
@@ -1095,7 +1545,7 @@
             <a:fld id="{1D8BD707-D9CF-40AE-B4C6-C98DA3205C09}" type="datetimeFigureOut">
               <a:rPr lang="en-US" smtClean="0"/>
               <a:pPr/>
-              <a:t>11/1/2025</a:t>
+              <a:t>11/10/2025</a:t>
             </a:fld>
             <a:endParaRPr lang="en-US"/>
           </a:p>
@@ -1377,7 +1827,7 @@
             <a:fld id="{1D8BD707-D9CF-40AE-B4C6-C98DA3205C09}" type="datetimeFigureOut">
               <a:rPr lang="en-US" smtClean="0"/>
               <a:pPr/>
-              <a:t>11/1/2025</a:t>
+              <a:t>11/10/2025</a:t>
             </a:fld>
             <a:endParaRPr lang="en-US"/>
           </a:p>
@@ -1793,7 +2243,7 @@
             <a:fld id="{1D8BD707-D9CF-40AE-B4C6-C98DA3205C09}" type="datetimeFigureOut">
               <a:rPr lang="en-US" smtClean="0"/>
               <a:pPr/>
-              <a:t>11/1/2025</a:t>
+              <a:t>11/10/2025</a:t>
             </a:fld>
             <a:endParaRPr lang="en-US"/>
           </a:p>
@@ -1907,7 +2357,7 @@
             <a:fld id="{1D8BD707-D9CF-40AE-B4C6-C98DA3205C09}" type="datetimeFigureOut">
               <a:rPr lang="en-US" smtClean="0"/>
               <a:pPr/>
-              <a:t>11/1/2025</a:t>
+              <a:t>11/10/2025</a:t>
             </a:fld>
             <a:endParaRPr lang="en-US"/>
           </a:p>
@@ -1999,7 +2449,7 @@
             <a:fld id="{1D8BD707-D9CF-40AE-B4C6-C98DA3205C09}" type="datetimeFigureOut">
               <a:rPr lang="en-US" smtClean="0"/>
               <a:pPr/>
-              <a:t>11/1/2025</a:t>
+              <a:t>11/10/2025</a:t>
             </a:fld>
             <a:endParaRPr lang="en-US"/>
           </a:p>
@@ -2271,7 +2721,7 @@
             <a:fld id="{1D8BD707-D9CF-40AE-B4C6-C98DA3205C09}" type="datetimeFigureOut">
               <a:rPr lang="en-US" smtClean="0"/>
               <a:pPr/>
-              <a:t>11/1/2025</a:t>
+              <a:t>11/10/2025</a:t>
             </a:fld>
             <a:endParaRPr lang="en-US"/>
           </a:p>
@@ -2520,7 +2970,7 @@
             <a:fld id="{1D8BD707-D9CF-40AE-B4C6-C98DA3205C09}" type="datetimeFigureOut">
               <a:rPr lang="en-US" smtClean="0"/>
               <a:pPr/>
-              <a:t>11/1/2025</a:t>
+              <a:t>11/10/2025</a:t>
             </a:fld>
             <a:endParaRPr lang="en-US"/>
           </a:p>
@@ -2728,7 +3178,7 @@
             <a:fld id="{1D8BD707-D9CF-40AE-B4C6-C98DA3205C09}" type="datetimeFigureOut">
               <a:rPr lang="en-US" smtClean="0"/>
               <a:pPr/>
-              <a:t>11/1/2025</a:t>
+              <a:t>11/10/2025</a:t>
             </a:fld>
             <a:endParaRPr lang="en-US"/>
           </a:p>
@@ -6686,7 +7136,7 @@
         <p:cNvPr id="1" name="">
           <a:extLst>
             <a:ext uri="{FF2B5EF4-FFF2-40B4-BE49-F238E27FC236}">
-              <a16:creationId xmlns:a16="http://schemas.microsoft.com/office/drawing/2014/main" id="{E40F674F-E76F-3A63-589F-F3CB5B3ED542}"/>
+              <a16:creationId xmlns:a16="http://schemas.microsoft.com/office/drawing/2014/main" id="{53094989-361F-9AC4-33D8-64A5FE88F770}"/>
             </a:ext>
           </a:extLst>
         </p:cNvPr>
@@ -6706,7 +7156,7 @@
           <p:cNvPr id="2" name="Picture 2">
             <a:extLst>
               <a:ext uri="{FF2B5EF4-FFF2-40B4-BE49-F238E27FC236}">
-                <a16:creationId xmlns:a16="http://schemas.microsoft.com/office/drawing/2014/main" id="{19923EF6-2974-634B-8E2C-82FE60131F2F}"/>
+                <a16:creationId xmlns:a16="http://schemas.microsoft.com/office/drawing/2014/main" id="{542BE412-FAC1-9552-A4A7-B26E974F69A8}"/>
               </a:ext>
             </a:extLst>
           </p:cNvPr>
@@ -6723,8 +7173,8 @@
         </p:blipFill>
         <p:spPr>
           <a:xfrm>
-            <a:off x="10985500" y="-165100"/>
-            <a:ext cx="13804900" cy="14160500"/>
+            <a:off x="-228600" y="-228600"/>
+            <a:ext cx="6997700" cy="4064000"/>
           </a:xfrm>
           <a:prstGeom prst="rect">
             <a:avLst/>
@@ -6736,7 +7186,7 @@
           <p:cNvPr id="3" name="Picture 3">
             <a:extLst>
               <a:ext uri="{FF2B5EF4-FFF2-40B4-BE49-F238E27FC236}">
-                <a16:creationId xmlns:a16="http://schemas.microsoft.com/office/drawing/2014/main" id="{7FAF13EF-97B5-62E1-6D5E-50B7A2016BD4}"/>
+                <a16:creationId xmlns:a16="http://schemas.microsoft.com/office/drawing/2014/main" id="{D8BC4B3A-E4FD-1B92-71B1-696065C865F4}"/>
               </a:ext>
             </a:extLst>
           </p:cNvPr>
@@ -6753,8 +7203,8 @@
         </p:blipFill>
         <p:spPr>
           <a:xfrm>
-            <a:off x="6883400" y="8585200"/>
-            <a:ext cx="15265400" cy="5537200"/>
+            <a:off x="1333500" y="990600"/>
+            <a:ext cx="21704300" cy="12700"/>
           </a:xfrm>
           <a:prstGeom prst="rect">
             <a:avLst/>
@@ -6763,10 +7213,10 @@
       </p:pic>
       <p:sp>
         <p:nvSpPr>
-          <p:cNvPr id="5" name="TextBox 5">
-            <a:extLst>
-              <a:ext uri="{FF2B5EF4-FFF2-40B4-BE49-F238E27FC236}">
-                <a16:creationId xmlns:a16="http://schemas.microsoft.com/office/drawing/2014/main" id="{6C5CFA17-233B-27B7-9DE8-9799D8B82850}"/>
+          <p:cNvPr id="9" name="TextBox 9">
+            <a:extLst>
+              <a:ext uri="{FF2B5EF4-FFF2-40B4-BE49-F238E27FC236}">
+                <a16:creationId xmlns:a16="http://schemas.microsoft.com/office/drawing/2014/main" id="{DA86BB9D-3A6F-31C9-1E8E-5A5E5927E7FD}"/>
               </a:ext>
             </a:extLst>
           </p:cNvPr>
@@ -6775,33 +7225,43 @@
         </p:nvSpPr>
         <p:spPr>
           <a:xfrm>
-            <a:off x="2800350" y="4140200"/>
-            <a:ext cx="18783300" cy="5435600"/>
+            <a:off x="533400" y="990600"/>
+            <a:ext cx="4267200" cy="977900"/>
           </a:xfrm>
           <a:prstGeom prst="rect">
             <a:avLst/>
           </a:prstGeom>
         </p:spPr>
         <p:txBody>
-          <a:bodyPr lIns="0" tIns="480060" rIns="0" bIns="0" rtlCol="0" anchor="ctr"/>
+          <a:bodyPr lIns="0" tIns="266700" rIns="0" bIns="0" rtlCol="0" anchor="t"/>
           <a:lstStyle/>
           <a:p>
-            <a:pPr lvl="0" algn="ctr">
+            <a:pPr lvl="0" algn="l">
               <a:lnSpc>
-                <a:spcPct val="81339"/>
+                <a:spcPct val="87149"/>
               </a:lnSpc>
             </a:pPr>
             <a:r>
-              <a:rPr lang="ko-KR" altLang="en-US" sz="15000" b="0" i="0" u="none" strike="noStrike" spc="-360">
+              <a:rPr lang="en-US" sz="4800" b="0" i="0" u="none" strike="noStrike" spc="-240">
                 <a:solidFill>
                   <a:srgbClr val="000000"/>
                 </a:solidFill>
                 <a:latin typeface="에스코어 드림 5 Medium" panose="020B0503030302020204" pitchFamily="34" charset="-127"/>
                 <a:ea typeface="에스코어 드림 5 Medium" panose="020B0503030302020204" pitchFamily="34" charset="-127"/>
               </a:rPr>
-              <a:t>감사합니다</a:t>
-            </a:r>
-            <a:endParaRPr lang="en-US" altLang="ko-KR" sz="15000" b="0" i="0" u="none" strike="noStrike" spc="-360">
+              <a:t>8. XSD </a:t>
+            </a:r>
+            <a:r>
+              <a:rPr lang="ko-KR" altLang="en-US" sz="4800" b="0" i="0" u="none" strike="noStrike" spc="-240">
+                <a:solidFill>
+                  <a:srgbClr val="000000"/>
+                </a:solidFill>
+                <a:latin typeface="에스코어 드림 5 Medium" panose="020B0503030302020204" pitchFamily="34" charset="-127"/>
+                <a:ea typeface="에스코어 드림 5 Medium" panose="020B0503030302020204" pitchFamily="34" charset="-127"/>
+              </a:rPr>
+              <a:t>구조도</a:t>
+            </a:r>
+            <a:endParaRPr lang="en" sz="4800" b="0" i="0" u="none" strike="noStrike" spc="-240">
               <a:solidFill>
                 <a:srgbClr val="000000"/>
               </a:solidFill>
@@ -6813,10 +7273,10 @@
       </p:sp>
       <p:sp>
         <p:nvSpPr>
-          <p:cNvPr id="14" name="TextBox 14">
-            <a:extLst>
-              <a:ext uri="{FF2B5EF4-FFF2-40B4-BE49-F238E27FC236}">
-                <a16:creationId xmlns:a16="http://schemas.microsoft.com/office/drawing/2014/main" id="{B72B8D77-6331-DCF1-A160-1D78FFEFA8BA}"/>
+          <p:cNvPr id="23" name="TextBox 23">
+            <a:extLst>
+              <a:ext uri="{FF2B5EF4-FFF2-40B4-BE49-F238E27FC236}">
+                <a16:creationId xmlns:a16="http://schemas.microsoft.com/office/drawing/2014/main" id="{C41204D2-C26C-C412-C924-A6F593748FD0}"/>
               </a:ext>
             </a:extLst>
           </p:cNvPr>
@@ -6825,8 +7285,8 @@
         </p:nvSpPr>
         <p:spPr>
           <a:xfrm>
-            <a:off x="20650200" y="13093700"/>
-            <a:ext cx="4749800" cy="558800"/>
+            <a:off x="1346200" y="622300"/>
+            <a:ext cx="3213100" cy="266700"/>
           </a:xfrm>
           <a:prstGeom prst="rect">
             <a:avLst/>
@@ -6842,26 +7302,48 @@
               </a:lnSpc>
             </a:pPr>
             <a:r>
-              <a:rPr lang="en" sz="3132" b="0" i="0" u="none" strike="noStrike">
+              <a:rPr lang="en" sz="1466" b="0" i="0" u="none" strike="noStrike">
                 <a:solidFill>
-                  <a:srgbClr val="000000"/>
+                  <a:srgbClr val="595959"/>
                 </a:solidFill>
-                <a:latin typeface="에스코어 드림 3 Light" panose="020B0303030302020204" pitchFamily="34" charset="-127"/>
-                <a:ea typeface="에스코어 드림 3 Light" panose="020B0303030302020204" pitchFamily="34" charset="-127"/>
-              </a:rPr>
-              <a:t>21011627 </a:t>
-            </a:r>
-            <a:r>
-              <a:rPr lang="ko-KR" altLang="en-US" sz="3132" b="0" i="0" u="none" strike="noStrike">
-                <a:solidFill>
-                  <a:srgbClr val="000000"/>
-                </a:solidFill>
-                <a:latin typeface="에스코어 드림 3 Light" panose="020B0303030302020204" pitchFamily="34" charset="-127"/>
-                <a:ea typeface="에스코어 드림 3 Light" panose="020B0303030302020204" pitchFamily="34" charset="-127"/>
-              </a:rPr>
-              <a:t>배준엽</a:t>
-            </a:r>
-            <a:endParaRPr lang="en" sz="3132" b="0" i="0" u="none" strike="noStrike">
+                <a:latin typeface="S-Core Dream 3 Light"/>
+              </a:rPr>
+              <a:t>Investor Relations Deck</a:t>
+            </a:r>
+          </a:p>
+        </p:txBody>
+      </p:sp>
+      <p:sp>
+        <p:nvSpPr>
+          <p:cNvPr id="4" name="TextBox 17">
+            <a:extLst>
+              <a:ext uri="{FF2B5EF4-FFF2-40B4-BE49-F238E27FC236}">
+                <a16:creationId xmlns:a16="http://schemas.microsoft.com/office/drawing/2014/main" id="{B729AB1E-412B-F900-078A-0675D4470672}"/>
+              </a:ext>
+            </a:extLst>
+          </p:cNvPr>
+          <p:cNvSpPr txBox="1"/>
+          <p:nvPr/>
+        </p:nvSpPr>
+        <p:spPr>
+          <a:xfrm>
+            <a:off x="3846429" y="1156034"/>
+            <a:ext cx="5041900" cy="552450"/>
+          </a:xfrm>
+          <a:prstGeom prst="rect">
+            <a:avLst/>
+          </a:prstGeom>
+        </p:spPr>
+        <p:txBody>
+          <a:bodyPr lIns="0" tIns="170376" rIns="0" bIns="0" rtlCol="0" anchor="t"/>
+          <a:lstStyle/>
+          <a:p>
+            <a:pPr lvl="0">
+              <a:lnSpc>
+                <a:spcPct val="99600"/>
+              </a:lnSpc>
+            </a:pPr>
+            <a:endParaRPr lang="en" sz="3600" b="0" i="0" u="none" strike="noStrike" spc="-134">
               <a:solidFill>
                 <a:srgbClr val="000000"/>
               </a:solidFill>
@@ -6871,10 +7353,3636 @@
           </a:p>
         </p:txBody>
       </p:sp>
+      <p:pic>
+        <p:nvPicPr>
+          <p:cNvPr id="6" name="그림 5">
+            <a:extLst>
+              <a:ext uri="{FF2B5EF4-FFF2-40B4-BE49-F238E27FC236}">
+                <a16:creationId xmlns:a16="http://schemas.microsoft.com/office/drawing/2014/main" id="{17CA7DFD-F486-F49C-4391-8F86E2795048}"/>
+              </a:ext>
+            </a:extLst>
+          </p:cNvPr>
+          <p:cNvPicPr>
+            <a:picLocks noChangeAspect="1"/>
+          </p:cNvPicPr>
+          <p:nvPr/>
+        </p:nvPicPr>
+        <p:blipFill>
+          <a:blip r:embed="rId4">
+            <a:extLst>
+              <a:ext uri="{28A0092B-C50C-407E-A947-70E740481C1C}">
+                <a14:useLocalDpi xmlns:a14="http://schemas.microsoft.com/office/drawing/2010/main" val="0"/>
+              </a:ext>
+            </a:extLst>
+          </a:blip>
+          <a:srcRect/>
+          <a:stretch/>
+        </p:blipFill>
+        <p:spPr>
+          <a:xfrm>
+            <a:off x="762000" y="2514600"/>
+            <a:ext cx="6629400" cy="9467850"/>
+          </a:xfrm>
+          <a:prstGeom prst="rect">
+            <a:avLst/>
+          </a:prstGeom>
+          <a:ln>
+            <a:noFill/>
+          </a:ln>
+          <a:effectLst>
+            <a:outerShdw blurRad="292100" dist="139700" dir="2700000" algn="tl" rotWithShape="0">
+              <a:srgbClr val="333333">
+                <a:alpha val="65000"/>
+              </a:srgbClr>
+            </a:outerShdw>
+          </a:effectLst>
+        </p:spPr>
+      </p:pic>
+      <p:sp>
+        <p:nvSpPr>
+          <p:cNvPr id="7" name="사각형: 둥근 모서리 6">
+            <a:extLst>
+              <a:ext uri="{FF2B5EF4-FFF2-40B4-BE49-F238E27FC236}">
+                <a16:creationId xmlns:a16="http://schemas.microsoft.com/office/drawing/2014/main" id="{1B49C6D9-EC2E-2CA1-ABF5-6E64CFB425A0}"/>
+              </a:ext>
+            </a:extLst>
+          </p:cNvPr>
+          <p:cNvSpPr/>
+          <p:nvPr/>
+        </p:nvSpPr>
+        <p:spPr>
+          <a:xfrm>
+            <a:off x="10901278" y="2819400"/>
+            <a:ext cx="9291722" cy="749300"/>
+          </a:xfrm>
+          <a:prstGeom prst="roundRect">
+            <a:avLst/>
+          </a:prstGeom>
+        </p:spPr>
+        <p:style>
+          <a:lnRef idx="2">
+            <a:schemeClr val="accent6"/>
+          </a:lnRef>
+          <a:fillRef idx="1">
+            <a:schemeClr val="lt1"/>
+          </a:fillRef>
+          <a:effectRef idx="0">
+            <a:schemeClr val="accent6"/>
+          </a:effectRef>
+          <a:fontRef idx="minor">
+            <a:schemeClr val="dk1"/>
+          </a:fontRef>
+        </p:style>
+        <p:txBody>
+          <a:bodyPr rtlCol="0" anchor="ctr"/>
+          <a:lstStyle/>
+          <a:p>
+            <a:pPr algn="ctr"/>
+            <a:r>
+              <a:rPr lang="en-US" altLang="ko-KR" sz="3200">
+                <a:latin typeface="에스코어 드림 5 Medium" panose="020B0503030302020204" pitchFamily="34" charset="-127"/>
+                <a:ea typeface="에스코어 드림 5 Medium" panose="020B0503030302020204" pitchFamily="34" charset="-127"/>
+              </a:rPr>
+              <a:t>namespace = http://Project.org</a:t>
+            </a:r>
+            <a:endParaRPr lang="ko-KR" altLang="en-US" sz="3200">
+              <a:latin typeface="에스코어 드림 5 Medium" panose="020B0503030302020204" pitchFamily="34" charset="-127"/>
+              <a:ea typeface="에스코어 드림 5 Medium" panose="020B0503030302020204" pitchFamily="34" charset="-127"/>
+            </a:endParaRPr>
+          </a:p>
+        </p:txBody>
+      </p:sp>
+      <p:sp>
+        <p:nvSpPr>
+          <p:cNvPr id="10" name="TextBox 9">
+            <a:extLst>
+              <a:ext uri="{FF2B5EF4-FFF2-40B4-BE49-F238E27FC236}">
+                <a16:creationId xmlns:a16="http://schemas.microsoft.com/office/drawing/2014/main" id="{37142BD0-3910-D463-8FB7-C3A05FDAD991}"/>
+              </a:ext>
+            </a:extLst>
+          </p:cNvPr>
+          <p:cNvSpPr txBox="1"/>
+          <p:nvPr/>
+        </p:nvSpPr>
+        <p:spPr>
+          <a:xfrm>
+            <a:off x="4233779" y="1219534"/>
+            <a:ext cx="4267200" cy="977900"/>
+          </a:xfrm>
+          <a:prstGeom prst="rect">
+            <a:avLst/>
+          </a:prstGeom>
+        </p:spPr>
+        <p:txBody>
+          <a:bodyPr lIns="0" tIns="266700" rIns="0" bIns="0" rtlCol="0" anchor="t"/>
+          <a:lstStyle/>
+          <a:p>
+            <a:pPr lvl="0" algn="l">
+              <a:lnSpc>
+                <a:spcPct val="87149"/>
+              </a:lnSpc>
+            </a:pPr>
+            <a:r>
+              <a:rPr lang="en-US" sz="2800" spc="-240">
+                <a:solidFill>
+                  <a:srgbClr val="000000"/>
+                </a:solidFill>
+                <a:latin typeface="에스코어 드림 5 Medium" panose="020B0503030302020204" pitchFamily="34" charset="-127"/>
+                <a:ea typeface="에스코어 드림 5 Medium" panose="020B0503030302020204" pitchFamily="34" charset="-127"/>
+              </a:rPr>
+              <a:t>namespace</a:t>
+            </a:r>
+            <a:r>
+              <a:rPr lang="ko-KR" altLang="en-US" sz="2800" spc="-240">
+                <a:solidFill>
+                  <a:srgbClr val="000000"/>
+                </a:solidFill>
+                <a:latin typeface="에스코어 드림 5 Medium" panose="020B0503030302020204" pitchFamily="34" charset="-127"/>
+                <a:ea typeface="에스코어 드림 5 Medium" panose="020B0503030302020204" pitchFamily="34" charset="-127"/>
+              </a:rPr>
+              <a:t> 배치</a:t>
+            </a:r>
+            <a:endParaRPr lang="en" sz="2800" b="0" i="0" u="none" strike="noStrike" spc="-240">
+              <a:solidFill>
+                <a:srgbClr val="000000"/>
+              </a:solidFill>
+              <a:latin typeface="에스코어 드림 5 Medium" panose="020B0503030302020204" pitchFamily="34" charset="-127"/>
+              <a:ea typeface="에스코어 드림 5 Medium" panose="020B0503030302020204" pitchFamily="34" charset="-127"/>
+            </a:endParaRPr>
+          </a:p>
+        </p:txBody>
+      </p:sp>
+      <p:cxnSp>
+        <p:nvCxnSpPr>
+          <p:cNvPr id="13" name="직선 화살표 연결선 12">
+            <a:extLst>
+              <a:ext uri="{FF2B5EF4-FFF2-40B4-BE49-F238E27FC236}">
+                <a16:creationId xmlns:a16="http://schemas.microsoft.com/office/drawing/2014/main" id="{6B168A06-A869-E863-C125-A5C19F912F0E}"/>
+              </a:ext>
+            </a:extLst>
+          </p:cNvPr>
+          <p:cNvCxnSpPr>
+            <a:cxnSpLocks/>
+            <a:stCxn id="7" idx="1"/>
+          </p:cNvCxnSpPr>
+          <p:nvPr/>
+        </p:nvCxnSpPr>
+        <p:spPr>
+          <a:xfrm flipH="1" flipV="1">
+            <a:off x="2671678" y="3187700"/>
+            <a:ext cx="8229600" cy="6350"/>
+          </a:xfrm>
+          <a:prstGeom prst="straightConnector1">
+            <a:avLst/>
+          </a:prstGeom>
+          <a:ln w="57150">
+            <a:solidFill>
+              <a:schemeClr val="tx1"/>
+            </a:solidFill>
+            <a:tailEnd type="triangle"/>
+          </a:ln>
+        </p:spPr>
+        <p:style>
+          <a:lnRef idx="1">
+            <a:schemeClr val="accent1"/>
+          </a:lnRef>
+          <a:fillRef idx="0">
+            <a:schemeClr val="accent1"/>
+          </a:fillRef>
+          <a:effectRef idx="0">
+            <a:schemeClr val="accent1"/>
+          </a:effectRef>
+          <a:fontRef idx="minor">
+            <a:schemeClr val="tx1"/>
+          </a:fontRef>
+        </p:style>
+      </p:cxnSp>
+      <p:sp>
+        <p:nvSpPr>
+          <p:cNvPr id="15" name="오른쪽 중괄호 14">
+            <a:extLst>
+              <a:ext uri="{FF2B5EF4-FFF2-40B4-BE49-F238E27FC236}">
+                <a16:creationId xmlns:a16="http://schemas.microsoft.com/office/drawing/2014/main" id="{81417438-E2C7-89E4-0FFB-323FC7B26F8F}"/>
+              </a:ext>
+            </a:extLst>
+          </p:cNvPr>
+          <p:cNvSpPr/>
+          <p:nvPr/>
+        </p:nvSpPr>
+        <p:spPr>
+          <a:xfrm>
+            <a:off x="7207250" y="3835400"/>
+            <a:ext cx="1174750" cy="4229100"/>
+          </a:xfrm>
+          <a:prstGeom prst="rightBrace">
+            <a:avLst/>
+          </a:prstGeom>
+          <a:ln w="57150">
+            <a:solidFill>
+              <a:srgbClr val="FF0000"/>
+            </a:solidFill>
+          </a:ln>
+        </p:spPr>
+        <p:style>
+          <a:lnRef idx="1">
+            <a:schemeClr val="accent1"/>
+          </a:lnRef>
+          <a:fillRef idx="0">
+            <a:schemeClr val="accent1"/>
+          </a:fillRef>
+          <a:effectRef idx="0">
+            <a:schemeClr val="accent1"/>
+          </a:effectRef>
+          <a:fontRef idx="minor">
+            <a:schemeClr val="tx1"/>
+          </a:fontRef>
+        </p:style>
+        <p:txBody>
+          <a:bodyPr rtlCol="0" anchor="ctr"/>
+          <a:lstStyle/>
+          <a:p>
+            <a:pPr algn="ctr"/>
+            <a:endParaRPr lang="ko-KR" altLang="en-US"/>
+          </a:p>
+        </p:txBody>
+      </p:sp>
+      <p:sp>
+        <p:nvSpPr>
+          <p:cNvPr id="16" name="사각형: 둥근 모서리 15">
+            <a:extLst>
+              <a:ext uri="{FF2B5EF4-FFF2-40B4-BE49-F238E27FC236}">
+                <a16:creationId xmlns:a16="http://schemas.microsoft.com/office/drawing/2014/main" id="{6C5F2627-B77A-12B1-947B-A823A28D4C06}"/>
+              </a:ext>
+            </a:extLst>
+          </p:cNvPr>
+          <p:cNvSpPr/>
+          <p:nvPr/>
+        </p:nvSpPr>
+        <p:spPr>
+          <a:xfrm>
+            <a:off x="10901278" y="5575300"/>
+            <a:ext cx="9291722" cy="749300"/>
+          </a:xfrm>
+          <a:prstGeom prst="roundRect">
+            <a:avLst/>
+          </a:prstGeom>
+        </p:spPr>
+        <p:style>
+          <a:lnRef idx="2">
+            <a:schemeClr val="accent6"/>
+          </a:lnRef>
+          <a:fillRef idx="1">
+            <a:schemeClr val="lt1"/>
+          </a:fillRef>
+          <a:effectRef idx="0">
+            <a:schemeClr val="accent6"/>
+          </a:effectRef>
+          <a:fontRef idx="minor">
+            <a:schemeClr val="dk1"/>
+          </a:fontRef>
+        </p:style>
+        <p:txBody>
+          <a:bodyPr rtlCol="0" anchor="ctr"/>
+          <a:lstStyle/>
+          <a:p>
+            <a:pPr algn="ctr"/>
+            <a:r>
+              <a:rPr lang="en-US" altLang="ko-KR" sz="3200">
+                <a:latin typeface="에스코어 드림 5 Medium" panose="020B0503030302020204" pitchFamily="34" charset="-127"/>
+                <a:ea typeface="에스코어 드림 5 Medium" panose="020B0503030302020204" pitchFamily="34" charset="-127"/>
+              </a:rPr>
+              <a:t>namespace = http://ProjectScene.org</a:t>
+            </a:r>
+            <a:endParaRPr lang="ko-KR" altLang="en-US" sz="3200">
+              <a:latin typeface="에스코어 드림 5 Medium" panose="020B0503030302020204" pitchFamily="34" charset="-127"/>
+              <a:ea typeface="에스코어 드림 5 Medium" panose="020B0503030302020204" pitchFamily="34" charset="-127"/>
+            </a:endParaRPr>
+          </a:p>
+        </p:txBody>
+      </p:sp>
+      <p:cxnSp>
+        <p:nvCxnSpPr>
+          <p:cNvPr id="17" name="직선 화살표 연결선 16">
+            <a:extLst>
+              <a:ext uri="{FF2B5EF4-FFF2-40B4-BE49-F238E27FC236}">
+                <a16:creationId xmlns:a16="http://schemas.microsoft.com/office/drawing/2014/main" id="{447CED1C-2E25-D797-5D45-56ABBBA9FDDB}"/>
+              </a:ext>
+            </a:extLst>
+          </p:cNvPr>
+          <p:cNvCxnSpPr>
+            <a:cxnSpLocks/>
+            <a:stCxn id="16" idx="1"/>
+            <a:endCxn id="15" idx="1"/>
+          </p:cNvCxnSpPr>
+          <p:nvPr/>
+        </p:nvCxnSpPr>
+        <p:spPr>
+          <a:xfrm flipH="1">
+            <a:off x="8382000" y="5949950"/>
+            <a:ext cx="2519278" cy="0"/>
+          </a:xfrm>
+          <a:prstGeom prst="straightConnector1">
+            <a:avLst/>
+          </a:prstGeom>
+          <a:ln w="57150">
+            <a:solidFill>
+              <a:schemeClr val="tx1"/>
+            </a:solidFill>
+            <a:tailEnd type="triangle"/>
+          </a:ln>
+        </p:spPr>
+        <p:style>
+          <a:lnRef idx="1">
+            <a:schemeClr val="accent1"/>
+          </a:lnRef>
+          <a:fillRef idx="0">
+            <a:schemeClr val="accent1"/>
+          </a:fillRef>
+          <a:effectRef idx="0">
+            <a:schemeClr val="accent1"/>
+          </a:effectRef>
+          <a:fontRef idx="minor">
+            <a:schemeClr val="tx1"/>
+          </a:fontRef>
+        </p:style>
+      </p:cxnSp>
+      <p:sp>
+        <p:nvSpPr>
+          <p:cNvPr id="21" name="사각형: 둥근 모서리 20">
+            <a:extLst>
+              <a:ext uri="{FF2B5EF4-FFF2-40B4-BE49-F238E27FC236}">
+                <a16:creationId xmlns:a16="http://schemas.microsoft.com/office/drawing/2014/main" id="{0B51B812-AD13-8558-3280-122187E27E99}"/>
+              </a:ext>
+            </a:extLst>
+          </p:cNvPr>
+          <p:cNvSpPr/>
+          <p:nvPr/>
+        </p:nvSpPr>
+        <p:spPr>
+          <a:xfrm>
+            <a:off x="10901278" y="8331200"/>
+            <a:ext cx="9291722" cy="749300"/>
+          </a:xfrm>
+          <a:prstGeom prst="roundRect">
+            <a:avLst/>
+          </a:prstGeom>
+        </p:spPr>
+        <p:style>
+          <a:lnRef idx="2">
+            <a:schemeClr val="accent6"/>
+          </a:lnRef>
+          <a:fillRef idx="1">
+            <a:schemeClr val="lt1"/>
+          </a:fillRef>
+          <a:effectRef idx="0">
+            <a:schemeClr val="accent6"/>
+          </a:effectRef>
+          <a:fontRef idx="minor">
+            <a:schemeClr val="dk1"/>
+          </a:fontRef>
+        </p:style>
+        <p:txBody>
+          <a:bodyPr rtlCol="0" anchor="ctr"/>
+          <a:lstStyle/>
+          <a:p>
+            <a:pPr algn="ctr"/>
+            <a:r>
+              <a:rPr lang="en-US" altLang="ko-KR" sz="3200">
+                <a:latin typeface="에스코어 드림 5 Medium" panose="020B0503030302020204" pitchFamily="34" charset="-127"/>
+                <a:ea typeface="에스코어 드림 5 Medium" panose="020B0503030302020204" pitchFamily="34" charset="-127"/>
+              </a:rPr>
+              <a:t>namespace = http://component.org</a:t>
+            </a:r>
+            <a:endParaRPr lang="ko-KR" altLang="en-US" sz="3200">
+              <a:latin typeface="에스코어 드림 5 Medium" panose="020B0503030302020204" pitchFamily="34" charset="-127"/>
+              <a:ea typeface="에스코어 드림 5 Medium" panose="020B0503030302020204" pitchFamily="34" charset="-127"/>
+            </a:endParaRPr>
+          </a:p>
+        </p:txBody>
+      </p:sp>
+      <p:cxnSp>
+        <p:nvCxnSpPr>
+          <p:cNvPr id="22" name="직선 화살표 연결선 21">
+            <a:extLst>
+              <a:ext uri="{FF2B5EF4-FFF2-40B4-BE49-F238E27FC236}">
+                <a16:creationId xmlns:a16="http://schemas.microsoft.com/office/drawing/2014/main" id="{D151B388-A0A3-E21E-1EC4-04047622CAC5}"/>
+              </a:ext>
+            </a:extLst>
+          </p:cNvPr>
+          <p:cNvCxnSpPr>
+            <a:cxnSpLocks/>
+            <a:stCxn id="21" idx="1"/>
+          </p:cNvCxnSpPr>
+          <p:nvPr/>
+        </p:nvCxnSpPr>
+        <p:spPr>
+          <a:xfrm flipH="1" flipV="1">
+            <a:off x="6786478" y="8604250"/>
+            <a:ext cx="4114800" cy="101600"/>
+          </a:xfrm>
+          <a:prstGeom prst="straightConnector1">
+            <a:avLst/>
+          </a:prstGeom>
+          <a:ln w="57150">
+            <a:solidFill>
+              <a:schemeClr val="tx1"/>
+            </a:solidFill>
+            <a:tailEnd type="triangle"/>
+          </a:ln>
+        </p:spPr>
+        <p:style>
+          <a:lnRef idx="1">
+            <a:schemeClr val="accent1"/>
+          </a:lnRef>
+          <a:fillRef idx="0">
+            <a:schemeClr val="accent1"/>
+          </a:fillRef>
+          <a:effectRef idx="0">
+            <a:schemeClr val="accent1"/>
+          </a:effectRef>
+          <a:fontRef idx="minor">
+            <a:schemeClr val="tx1"/>
+          </a:fontRef>
+        </p:style>
+      </p:cxnSp>
+      <p:cxnSp>
+        <p:nvCxnSpPr>
+          <p:cNvPr id="26" name="직선 화살표 연결선 25">
+            <a:extLst>
+              <a:ext uri="{FF2B5EF4-FFF2-40B4-BE49-F238E27FC236}">
+                <a16:creationId xmlns:a16="http://schemas.microsoft.com/office/drawing/2014/main" id="{6263B5A5-F8B6-886C-93B1-24B3083BF0D6}"/>
+              </a:ext>
+            </a:extLst>
+          </p:cNvPr>
+          <p:cNvCxnSpPr>
+            <a:cxnSpLocks/>
+            <a:stCxn id="21" idx="1"/>
+          </p:cNvCxnSpPr>
+          <p:nvPr/>
+        </p:nvCxnSpPr>
+        <p:spPr>
+          <a:xfrm flipH="1">
+            <a:off x="6938878" y="8705850"/>
+            <a:ext cx="3962400" cy="476250"/>
+          </a:xfrm>
+          <a:prstGeom prst="straightConnector1">
+            <a:avLst/>
+          </a:prstGeom>
+          <a:ln w="57150">
+            <a:solidFill>
+              <a:schemeClr val="tx1"/>
+            </a:solidFill>
+            <a:tailEnd type="triangle"/>
+          </a:ln>
+        </p:spPr>
+        <p:style>
+          <a:lnRef idx="1">
+            <a:schemeClr val="accent1"/>
+          </a:lnRef>
+          <a:fillRef idx="0">
+            <a:schemeClr val="accent1"/>
+          </a:fillRef>
+          <a:effectRef idx="0">
+            <a:schemeClr val="accent1"/>
+          </a:effectRef>
+          <a:fontRef idx="minor">
+            <a:schemeClr val="tx1"/>
+          </a:fontRef>
+        </p:style>
+      </p:cxnSp>
     </p:spTree>
     <p:extLst>
       <p:ext uri="{BB962C8B-B14F-4D97-AF65-F5344CB8AC3E}">
-        <p14:creationId xmlns:p14="http://schemas.microsoft.com/office/powerpoint/2010/main" val="4207984793"/>
+        <p14:creationId xmlns:p14="http://schemas.microsoft.com/office/powerpoint/2010/main" val="3660410175"/>
+      </p:ext>
+    </p:extLst>
+  </p:cSld>
+  <p:clrMapOvr>
+    <a:masterClrMapping/>
+  </p:clrMapOvr>
+</p:sld>
+</file>
+
+<file path=ppt/slides/slide17.xml><?xml version="1.0" encoding="utf-8"?>
+<p:sld xmlns:a="http://schemas.openxmlformats.org/drawingml/2006/main" xmlns:r="http://schemas.openxmlformats.org/officeDocument/2006/relationships" xmlns:p="http://schemas.openxmlformats.org/presentationml/2006/main">
+  <p:cSld>
+    <p:bg>
+      <p:bgPr>
+        <a:solidFill>
+          <a:srgbClr val="FFFFFF"/>
+        </a:solidFill>
+        <a:effectLst/>
+      </p:bgPr>
+    </p:bg>
+    <p:spTree>
+      <p:nvGrpSpPr>
+        <p:cNvPr id="1" name="">
+          <a:extLst>
+            <a:ext uri="{FF2B5EF4-FFF2-40B4-BE49-F238E27FC236}">
+              <a16:creationId xmlns:a16="http://schemas.microsoft.com/office/drawing/2014/main" id="{09D209E6-E23B-140F-38A3-5A03C2C1A539}"/>
+            </a:ext>
+          </a:extLst>
+        </p:cNvPr>
+        <p:cNvGrpSpPr/>
+        <p:nvPr/>
+      </p:nvGrpSpPr>
+      <p:grpSpPr>
+        <a:xfrm>
+          <a:off x="0" y="0"/>
+          <a:ext cx="0" cy="0"/>
+          <a:chOff x="0" y="0"/>
+          <a:chExt cx="0" cy="0"/>
+        </a:xfrm>
+      </p:grpSpPr>
+      <p:pic>
+        <p:nvPicPr>
+          <p:cNvPr id="2" name="Picture 2">
+            <a:extLst>
+              <a:ext uri="{FF2B5EF4-FFF2-40B4-BE49-F238E27FC236}">
+                <a16:creationId xmlns:a16="http://schemas.microsoft.com/office/drawing/2014/main" id="{298C8DF3-D368-3329-D600-4239FBAFEAD6}"/>
+              </a:ext>
+            </a:extLst>
+          </p:cNvPr>
+          <p:cNvPicPr>
+            <a:picLocks noChangeAspect="1"/>
+          </p:cNvPicPr>
+          <p:nvPr/>
+        </p:nvPicPr>
+        <p:blipFill>
+          <a:blip r:embed="rId2"/>
+          <a:stretch>
+            <a:fillRect/>
+          </a:stretch>
+        </p:blipFill>
+        <p:spPr>
+          <a:xfrm>
+            <a:off x="-228600" y="-228600"/>
+            <a:ext cx="6997700" cy="4064000"/>
+          </a:xfrm>
+          <a:prstGeom prst="rect">
+            <a:avLst/>
+          </a:prstGeom>
+        </p:spPr>
+      </p:pic>
+      <p:pic>
+        <p:nvPicPr>
+          <p:cNvPr id="3" name="Picture 3">
+            <a:extLst>
+              <a:ext uri="{FF2B5EF4-FFF2-40B4-BE49-F238E27FC236}">
+                <a16:creationId xmlns:a16="http://schemas.microsoft.com/office/drawing/2014/main" id="{1DB4C824-8145-2A8F-FFE5-0EB830F96F6D}"/>
+              </a:ext>
+            </a:extLst>
+          </p:cNvPr>
+          <p:cNvPicPr>
+            <a:picLocks noChangeAspect="1"/>
+          </p:cNvPicPr>
+          <p:nvPr/>
+        </p:nvPicPr>
+        <p:blipFill>
+          <a:blip r:embed="rId3"/>
+          <a:stretch>
+            <a:fillRect/>
+          </a:stretch>
+        </p:blipFill>
+        <p:spPr>
+          <a:xfrm>
+            <a:off x="1333500" y="990600"/>
+            <a:ext cx="21704300" cy="12700"/>
+          </a:xfrm>
+          <a:prstGeom prst="rect">
+            <a:avLst/>
+          </a:prstGeom>
+        </p:spPr>
+      </p:pic>
+      <p:sp>
+        <p:nvSpPr>
+          <p:cNvPr id="9" name="TextBox 9">
+            <a:extLst>
+              <a:ext uri="{FF2B5EF4-FFF2-40B4-BE49-F238E27FC236}">
+                <a16:creationId xmlns:a16="http://schemas.microsoft.com/office/drawing/2014/main" id="{D41802D9-BBE3-1D14-EBA8-1B2D7E1BA0E9}"/>
+              </a:ext>
+            </a:extLst>
+          </p:cNvPr>
+          <p:cNvSpPr txBox="1"/>
+          <p:nvPr/>
+        </p:nvSpPr>
+        <p:spPr>
+          <a:xfrm>
+            <a:off x="533400" y="990600"/>
+            <a:ext cx="13208000" cy="977900"/>
+          </a:xfrm>
+          <a:prstGeom prst="rect">
+            <a:avLst/>
+          </a:prstGeom>
+        </p:spPr>
+        <p:txBody>
+          <a:bodyPr lIns="0" tIns="266700" rIns="0" bIns="0" rtlCol="0" anchor="t"/>
+          <a:lstStyle/>
+          <a:p>
+            <a:pPr lvl="0" algn="l">
+              <a:lnSpc>
+                <a:spcPct val="87149"/>
+              </a:lnSpc>
+            </a:pPr>
+            <a:r>
+              <a:rPr lang="en-US" sz="4800" b="0" i="0" u="none" strike="noStrike" spc="-240">
+                <a:solidFill>
+                  <a:srgbClr val="000000"/>
+                </a:solidFill>
+                <a:latin typeface="에스코어 드림 5 Medium" panose="020B0503030302020204" pitchFamily="34" charset="-127"/>
+                <a:ea typeface="에스코어 드림 5 Medium" panose="020B0503030302020204" pitchFamily="34" charset="-127"/>
+              </a:rPr>
+              <a:t>8. XSD </a:t>
+            </a:r>
+            <a:r>
+              <a:rPr lang="ko-KR" altLang="en-US" sz="4800" b="0" i="0" u="none" strike="noStrike" spc="-240">
+                <a:solidFill>
+                  <a:srgbClr val="000000"/>
+                </a:solidFill>
+                <a:latin typeface="에스코어 드림 5 Medium" panose="020B0503030302020204" pitchFamily="34" charset="-127"/>
+                <a:ea typeface="에스코어 드림 5 Medium" panose="020B0503030302020204" pitchFamily="34" charset="-127"/>
+              </a:rPr>
+              <a:t>구조도</a:t>
+            </a:r>
+            <a:endParaRPr lang="en" sz="4800" b="0" i="0" u="none" strike="noStrike" spc="-240">
+              <a:solidFill>
+                <a:srgbClr val="000000"/>
+              </a:solidFill>
+              <a:latin typeface="에스코어 드림 5 Medium" panose="020B0503030302020204" pitchFamily="34" charset="-127"/>
+              <a:ea typeface="에스코어 드림 5 Medium" panose="020B0503030302020204" pitchFamily="34" charset="-127"/>
+            </a:endParaRPr>
+          </a:p>
+        </p:txBody>
+      </p:sp>
+      <p:sp>
+        <p:nvSpPr>
+          <p:cNvPr id="23" name="TextBox 23">
+            <a:extLst>
+              <a:ext uri="{FF2B5EF4-FFF2-40B4-BE49-F238E27FC236}">
+                <a16:creationId xmlns:a16="http://schemas.microsoft.com/office/drawing/2014/main" id="{80AF89E7-D475-7A5D-9C3B-3E7B576BEB05}"/>
+              </a:ext>
+            </a:extLst>
+          </p:cNvPr>
+          <p:cNvSpPr txBox="1"/>
+          <p:nvPr/>
+        </p:nvSpPr>
+        <p:spPr>
+          <a:xfrm>
+            <a:off x="1346200" y="622300"/>
+            <a:ext cx="3213100" cy="266700"/>
+          </a:xfrm>
+          <a:prstGeom prst="rect">
+            <a:avLst/>
+          </a:prstGeom>
+        </p:spPr>
+        <p:txBody>
+          <a:bodyPr rtlCol="0" anchor="ctr"/>
+          <a:lstStyle/>
+          <a:p>
+            <a:pPr lvl="0" algn="l">
+              <a:lnSpc>
+                <a:spcPct val="124499"/>
+              </a:lnSpc>
+            </a:pPr>
+            <a:r>
+              <a:rPr lang="en" sz="1466" b="0" i="0" u="none" strike="noStrike">
+                <a:solidFill>
+                  <a:srgbClr val="595959"/>
+                </a:solidFill>
+                <a:latin typeface="S-Core Dream 3 Light"/>
+              </a:rPr>
+              <a:t>Investor Relations Deck</a:t>
+            </a:r>
+          </a:p>
+        </p:txBody>
+      </p:sp>
+      <p:sp>
+        <p:nvSpPr>
+          <p:cNvPr id="4" name="TextBox 17">
+            <a:extLst>
+              <a:ext uri="{FF2B5EF4-FFF2-40B4-BE49-F238E27FC236}">
+                <a16:creationId xmlns:a16="http://schemas.microsoft.com/office/drawing/2014/main" id="{C59CD314-DB35-D93D-0849-E4464B3D30B7}"/>
+              </a:ext>
+            </a:extLst>
+          </p:cNvPr>
+          <p:cNvSpPr txBox="1"/>
+          <p:nvPr/>
+        </p:nvSpPr>
+        <p:spPr>
+          <a:xfrm>
+            <a:off x="3846429" y="1156034"/>
+            <a:ext cx="5041900" cy="552450"/>
+          </a:xfrm>
+          <a:prstGeom prst="rect">
+            <a:avLst/>
+          </a:prstGeom>
+        </p:spPr>
+        <p:txBody>
+          <a:bodyPr lIns="0" tIns="170376" rIns="0" bIns="0" rtlCol="0" anchor="t"/>
+          <a:lstStyle/>
+          <a:p>
+            <a:pPr lvl="0">
+              <a:lnSpc>
+                <a:spcPct val="99600"/>
+              </a:lnSpc>
+            </a:pPr>
+            <a:endParaRPr lang="en" sz="3600" b="0" i="0" u="none" strike="noStrike" spc="-134">
+              <a:solidFill>
+                <a:srgbClr val="000000"/>
+              </a:solidFill>
+              <a:latin typeface="에스코어 드림 3 Light" panose="020B0303030302020204" pitchFamily="34" charset="-127"/>
+              <a:ea typeface="에스코어 드림 3 Light" panose="020B0303030302020204" pitchFamily="34" charset="-127"/>
+            </a:endParaRPr>
+          </a:p>
+        </p:txBody>
+      </p:sp>
+      <p:sp>
+        <p:nvSpPr>
+          <p:cNvPr id="6" name="사각형: 둥근 모서리 5">
+            <a:extLst>
+              <a:ext uri="{FF2B5EF4-FFF2-40B4-BE49-F238E27FC236}">
+                <a16:creationId xmlns:a16="http://schemas.microsoft.com/office/drawing/2014/main" id="{06CB9344-2A7B-09FB-6D8E-F8B80780D022}"/>
+              </a:ext>
+            </a:extLst>
+          </p:cNvPr>
+          <p:cNvSpPr/>
+          <p:nvPr/>
+        </p:nvSpPr>
+        <p:spPr>
+          <a:xfrm>
+            <a:off x="704850" y="2146300"/>
+            <a:ext cx="4495800" cy="749300"/>
+          </a:xfrm>
+          <a:prstGeom prst="roundRect">
+            <a:avLst/>
+          </a:prstGeom>
+        </p:spPr>
+        <p:style>
+          <a:lnRef idx="2">
+            <a:schemeClr val="accent6"/>
+          </a:lnRef>
+          <a:fillRef idx="1">
+            <a:schemeClr val="lt1"/>
+          </a:fillRef>
+          <a:effectRef idx="0">
+            <a:schemeClr val="accent6"/>
+          </a:effectRef>
+          <a:fontRef idx="minor">
+            <a:schemeClr val="dk1"/>
+          </a:fontRef>
+        </p:style>
+        <p:txBody>
+          <a:bodyPr rtlCol="0" anchor="ctr"/>
+          <a:lstStyle/>
+          <a:p>
+            <a:pPr algn="ctr"/>
+            <a:r>
+              <a:rPr lang="en-US" altLang="ko-KR" sz="3200">
+                <a:latin typeface="에스코어 드림 5 Medium" panose="020B0503030302020204" pitchFamily="34" charset="-127"/>
+                <a:ea typeface="에스코어 드림 5 Medium" panose="020B0503030302020204" pitchFamily="34" charset="-127"/>
+              </a:rPr>
+              <a:t>project (scene+)</a:t>
+            </a:r>
+            <a:endParaRPr lang="ko-KR" altLang="en-US" sz="3200">
+              <a:latin typeface="에스코어 드림 5 Medium" panose="020B0503030302020204" pitchFamily="34" charset="-127"/>
+              <a:ea typeface="에스코어 드림 5 Medium" panose="020B0503030302020204" pitchFamily="34" charset="-127"/>
+            </a:endParaRPr>
+          </a:p>
+        </p:txBody>
+      </p:sp>
+      <p:sp>
+        <p:nvSpPr>
+          <p:cNvPr id="7" name="사각형: 둥근 모서리 6">
+            <a:extLst>
+              <a:ext uri="{FF2B5EF4-FFF2-40B4-BE49-F238E27FC236}">
+                <a16:creationId xmlns:a16="http://schemas.microsoft.com/office/drawing/2014/main" id="{097F74B6-CA94-ADE9-815A-A9009642EB3B}"/>
+              </a:ext>
+            </a:extLst>
+          </p:cNvPr>
+          <p:cNvSpPr/>
+          <p:nvPr/>
+        </p:nvSpPr>
+        <p:spPr>
+          <a:xfrm>
+            <a:off x="1358232" y="3136900"/>
+            <a:ext cx="4495800" cy="749300"/>
+          </a:xfrm>
+          <a:prstGeom prst="roundRect">
+            <a:avLst/>
+          </a:prstGeom>
+        </p:spPr>
+        <p:style>
+          <a:lnRef idx="2">
+            <a:schemeClr val="accent6"/>
+          </a:lnRef>
+          <a:fillRef idx="1">
+            <a:schemeClr val="lt1"/>
+          </a:fillRef>
+          <a:effectRef idx="0">
+            <a:schemeClr val="accent6"/>
+          </a:effectRef>
+          <a:fontRef idx="minor">
+            <a:schemeClr val="dk1"/>
+          </a:fontRef>
+        </p:style>
+        <p:txBody>
+          <a:bodyPr rtlCol="0" anchor="ctr"/>
+          <a:lstStyle/>
+          <a:p>
+            <a:pPr algn="ctr"/>
+            <a:r>
+              <a:rPr lang="en-US" altLang="ko-KR" sz="3200">
+                <a:latin typeface="에스코어 드림 5 Medium" panose="020B0503030302020204" pitchFamily="34" charset="-127"/>
+                <a:ea typeface="에스코어 드림 5 Medium" panose="020B0503030302020204" pitchFamily="34" charset="-127"/>
+              </a:rPr>
+              <a:t>scene (object*)</a:t>
+            </a:r>
+            <a:endParaRPr lang="ko-KR" altLang="en-US" sz="3200">
+              <a:latin typeface="에스코어 드림 5 Medium" panose="020B0503030302020204" pitchFamily="34" charset="-127"/>
+              <a:ea typeface="에스코어 드림 5 Medium" panose="020B0503030302020204" pitchFamily="34" charset="-127"/>
+            </a:endParaRPr>
+          </a:p>
+        </p:txBody>
+      </p:sp>
+      <p:sp>
+        <p:nvSpPr>
+          <p:cNvPr id="10" name="사각형: 둥근 모서리 9">
+            <a:extLst>
+              <a:ext uri="{FF2B5EF4-FFF2-40B4-BE49-F238E27FC236}">
+                <a16:creationId xmlns:a16="http://schemas.microsoft.com/office/drawing/2014/main" id="{EDEE877D-F3AA-9B18-B2EA-097BDBAA660D}"/>
+              </a:ext>
+            </a:extLst>
+          </p:cNvPr>
+          <p:cNvSpPr/>
+          <p:nvPr/>
+        </p:nvSpPr>
+        <p:spPr>
+          <a:xfrm>
+            <a:off x="2147971" y="4203032"/>
+            <a:ext cx="7412121" cy="749300"/>
+          </a:xfrm>
+          <a:prstGeom prst="roundRect">
+            <a:avLst/>
+          </a:prstGeom>
+        </p:spPr>
+        <p:style>
+          <a:lnRef idx="2">
+            <a:schemeClr val="accent6"/>
+          </a:lnRef>
+          <a:fillRef idx="1">
+            <a:schemeClr val="lt1"/>
+          </a:fillRef>
+          <a:effectRef idx="0">
+            <a:schemeClr val="accent6"/>
+          </a:effectRef>
+          <a:fontRef idx="minor">
+            <a:schemeClr val="dk1"/>
+          </a:fontRef>
+        </p:style>
+        <p:txBody>
+          <a:bodyPr rtlCol="0" anchor="ctr"/>
+          <a:lstStyle/>
+          <a:p>
+            <a:pPr algn="ctr"/>
+            <a:r>
+              <a:rPr lang="en-US" altLang="ko-KR" sz="3200">
+                <a:latin typeface="에스코어 드림 5 Medium" panose="020B0503030302020204" pitchFamily="34" charset="-127"/>
+                <a:ea typeface="에스코어 드림 5 Medium" panose="020B0503030302020204" pitchFamily="34" charset="-127"/>
+              </a:rPr>
+              <a:t>object( transform, components)</a:t>
+            </a:r>
+            <a:endParaRPr lang="ko-KR" altLang="en-US" sz="3200">
+              <a:latin typeface="에스코어 드림 5 Medium" panose="020B0503030302020204" pitchFamily="34" charset="-127"/>
+              <a:ea typeface="에스코어 드림 5 Medium" panose="020B0503030302020204" pitchFamily="34" charset="-127"/>
+            </a:endParaRPr>
+          </a:p>
+        </p:txBody>
+      </p:sp>
+      <p:sp>
+        <p:nvSpPr>
+          <p:cNvPr id="13" name="사각형: 둥근 모서리 12">
+            <a:extLst>
+              <a:ext uri="{FF2B5EF4-FFF2-40B4-BE49-F238E27FC236}">
+                <a16:creationId xmlns:a16="http://schemas.microsoft.com/office/drawing/2014/main" id="{BBA644B7-C768-B502-2E26-7AA3B2DE52E5}"/>
+              </a:ext>
+            </a:extLst>
+          </p:cNvPr>
+          <p:cNvSpPr/>
+          <p:nvPr/>
+        </p:nvSpPr>
+        <p:spPr>
+          <a:xfrm>
+            <a:off x="2952749" y="5371432"/>
+            <a:ext cx="7412121" cy="749300"/>
+          </a:xfrm>
+          <a:prstGeom prst="roundRect">
+            <a:avLst/>
+          </a:prstGeom>
+        </p:spPr>
+        <p:style>
+          <a:lnRef idx="2">
+            <a:schemeClr val="accent6"/>
+          </a:lnRef>
+          <a:fillRef idx="1">
+            <a:schemeClr val="lt1"/>
+          </a:fillRef>
+          <a:effectRef idx="0">
+            <a:schemeClr val="accent6"/>
+          </a:effectRef>
+          <a:fontRef idx="minor">
+            <a:schemeClr val="dk1"/>
+          </a:fontRef>
+        </p:style>
+        <p:txBody>
+          <a:bodyPr rtlCol="0" anchor="ctr"/>
+          <a:lstStyle/>
+          <a:p>
+            <a:pPr algn="ctr"/>
+            <a:r>
+              <a:rPr lang="en-US" altLang="ko-KR" sz="3200">
+                <a:latin typeface="에스코어 드림 5 Medium" panose="020B0503030302020204" pitchFamily="34" charset="-127"/>
+                <a:ea typeface="에스코어 드림 5 Medium" panose="020B0503030302020204" pitchFamily="34" charset="-127"/>
+              </a:rPr>
+              <a:t>transform (position, rotation, scale)</a:t>
+            </a:r>
+            <a:endParaRPr lang="ko-KR" altLang="en-US" sz="3200">
+              <a:latin typeface="에스코어 드림 5 Medium" panose="020B0503030302020204" pitchFamily="34" charset="-127"/>
+              <a:ea typeface="에스코어 드림 5 Medium" panose="020B0503030302020204" pitchFamily="34" charset="-127"/>
+            </a:endParaRPr>
+          </a:p>
+        </p:txBody>
+      </p:sp>
+      <p:sp>
+        <p:nvSpPr>
+          <p:cNvPr id="14" name="사각형: 둥근 모서리 13">
+            <a:extLst>
+              <a:ext uri="{FF2B5EF4-FFF2-40B4-BE49-F238E27FC236}">
+                <a16:creationId xmlns:a16="http://schemas.microsoft.com/office/drawing/2014/main" id="{65B57C05-69A9-433D-A815-1F27B603D1B7}"/>
+              </a:ext>
+            </a:extLst>
+          </p:cNvPr>
+          <p:cNvSpPr/>
+          <p:nvPr/>
+        </p:nvSpPr>
+        <p:spPr>
+          <a:xfrm>
+            <a:off x="3846429" y="6437564"/>
+            <a:ext cx="4495800" cy="749300"/>
+          </a:xfrm>
+          <a:prstGeom prst="roundRect">
+            <a:avLst/>
+          </a:prstGeom>
+        </p:spPr>
+        <p:style>
+          <a:lnRef idx="2">
+            <a:schemeClr val="accent6"/>
+          </a:lnRef>
+          <a:fillRef idx="1">
+            <a:schemeClr val="lt1"/>
+          </a:fillRef>
+          <a:effectRef idx="0">
+            <a:schemeClr val="accent6"/>
+          </a:effectRef>
+          <a:fontRef idx="minor">
+            <a:schemeClr val="dk1"/>
+          </a:fontRef>
+        </p:style>
+        <p:txBody>
+          <a:bodyPr rtlCol="0" anchor="ctr"/>
+          <a:lstStyle/>
+          <a:p>
+            <a:pPr algn="ctr"/>
+            <a:r>
+              <a:rPr lang="en-US" altLang="ko-KR" sz="3200">
+                <a:latin typeface="에스코어 드림 5 Medium" panose="020B0503030302020204" pitchFamily="34" charset="-127"/>
+                <a:ea typeface="에스코어 드림 5 Medium" panose="020B0503030302020204" pitchFamily="34" charset="-127"/>
+              </a:rPr>
+              <a:t>position EMPTY</a:t>
+            </a:r>
+            <a:endParaRPr lang="ko-KR" altLang="en-US" sz="3200">
+              <a:latin typeface="에스코어 드림 5 Medium" panose="020B0503030302020204" pitchFamily="34" charset="-127"/>
+              <a:ea typeface="에스코어 드림 5 Medium" panose="020B0503030302020204" pitchFamily="34" charset="-127"/>
+            </a:endParaRPr>
+          </a:p>
+        </p:txBody>
+      </p:sp>
+      <p:sp>
+        <p:nvSpPr>
+          <p:cNvPr id="15" name="사각형: 둥근 모서리 14">
+            <a:extLst>
+              <a:ext uri="{FF2B5EF4-FFF2-40B4-BE49-F238E27FC236}">
+                <a16:creationId xmlns:a16="http://schemas.microsoft.com/office/drawing/2014/main" id="{5B87FE7B-5773-79BD-0864-E887E9EFF62D}"/>
+              </a:ext>
+            </a:extLst>
+          </p:cNvPr>
+          <p:cNvSpPr/>
+          <p:nvPr/>
+        </p:nvSpPr>
+        <p:spPr>
+          <a:xfrm>
+            <a:off x="3846429" y="7431507"/>
+            <a:ext cx="4495800" cy="749300"/>
+          </a:xfrm>
+          <a:prstGeom prst="roundRect">
+            <a:avLst/>
+          </a:prstGeom>
+        </p:spPr>
+        <p:style>
+          <a:lnRef idx="2">
+            <a:schemeClr val="accent6"/>
+          </a:lnRef>
+          <a:fillRef idx="1">
+            <a:schemeClr val="lt1"/>
+          </a:fillRef>
+          <a:effectRef idx="0">
+            <a:schemeClr val="accent6"/>
+          </a:effectRef>
+          <a:fontRef idx="minor">
+            <a:schemeClr val="dk1"/>
+          </a:fontRef>
+        </p:style>
+        <p:txBody>
+          <a:bodyPr rtlCol="0" anchor="ctr"/>
+          <a:lstStyle/>
+          <a:p>
+            <a:pPr algn="ctr"/>
+            <a:r>
+              <a:rPr lang="en-US" altLang="ko-KR" sz="3200">
+                <a:latin typeface="에스코어 드림 5 Medium" panose="020B0503030302020204" pitchFamily="34" charset="-127"/>
+                <a:ea typeface="에스코어 드림 5 Medium" panose="020B0503030302020204" pitchFamily="34" charset="-127"/>
+              </a:rPr>
+              <a:t>rotation EMPTY</a:t>
+            </a:r>
+            <a:endParaRPr lang="ko-KR" altLang="en-US" sz="3200">
+              <a:latin typeface="에스코어 드림 5 Medium" panose="020B0503030302020204" pitchFamily="34" charset="-127"/>
+              <a:ea typeface="에스코어 드림 5 Medium" panose="020B0503030302020204" pitchFamily="34" charset="-127"/>
+            </a:endParaRPr>
+          </a:p>
+        </p:txBody>
+      </p:sp>
+      <p:sp>
+        <p:nvSpPr>
+          <p:cNvPr id="16" name="사각형: 둥근 모서리 15">
+            <a:extLst>
+              <a:ext uri="{FF2B5EF4-FFF2-40B4-BE49-F238E27FC236}">
+                <a16:creationId xmlns:a16="http://schemas.microsoft.com/office/drawing/2014/main" id="{F77EFECC-257E-3FFF-4409-9DC5E1BAD849}"/>
+              </a:ext>
+            </a:extLst>
+          </p:cNvPr>
+          <p:cNvSpPr/>
+          <p:nvPr/>
+        </p:nvSpPr>
+        <p:spPr>
+          <a:xfrm>
+            <a:off x="3846429" y="8355264"/>
+            <a:ext cx="4495800" cy="749300"/>
+          </a:xfrm>
+          <a:prstGeom prst="roundRect">
+            <a:avLst/>
+          </a:prstGeom>
+        </p:spPr>
+        <p:style>
+          <a:lnRef idx="2">
+            <a:schemeClr val="accent6"/>
+          </a:lnRef>
+          <a:fillRef idx="1">
+            <a:schemeClr val="lt1"/>
+          </a:fillRef>
+          <a:effectRef idx="0">
+            <a:schemeClr val="accent6"/>
+          </a:effectRef>
+          <a:fontRef idx="minor">
+            <a:schemeClr val="dk1"/>
+          </a:fontRef>
+        </p:style>
+        <p:txBody>
+          <a:bodyPr rtlCol="0" anchor="ctr"/>
+          <a:lstStyle/>
+          <a:p>
+            <a:pPr algn="ctr"/>
+            <a:r>
+              <a:rPr lang="en-US" altLang="ko-KR" sz="3200">
+                <a:latin typeface="에스코어 드림 5 Medium" panose="020B0503030302020204" pitchFamily="34" charset="-127"/>
+                <a:ea typeface="에스코어 드림 5 Medium" panose="020B0503030302020204" pitchFamily="34" charset="-127"/>
+              </a:rPr>
+              <a:t>scale EMPTY</a:t>
+            </a:r>
+            <a:endParaRPr lang="ko-KR" altLang="en-US" sz="3200">
+              <a:latin typeface="에스코어 드림 5 Medium" panose="020B0503030302020204" pitchFamily="34" charset="-127"/>
+              <a:ea typeface="에스코어 드림 5 Medium" panose="020B0503030302020204" pitchFamily="34" charset="-127"/>
+            </a:endParaRPr>
+          </a:p>
+        </p:txBody>
+      </p:sp>
+      <p:sp>
+        <p:nvSpPr>
+          <p:cNvPr id="17" name="사각형: 둥근 모서리 16">
+            <a:extLst>
+              <a:ext uri="{FF2B5EF4-FFF2-40B4-BE49-F238E27FC236}">
+                <a16:creationId xmlns:a16="http://schemas.microsoft.com/office/drawing/2014/main" id="{647ADFD0-E780-DE69-F92A-681610F6EDE3}"/>
+              </a:ext>
+            </a:extLst>
+          </p:cNvPr>
+          <p:cNvSpPr/>
+          <p:nvPr/>
+        </p:nvSpPr>
+        <p:spPr>
+          <a:xfrm>
+            <a:off x="2952749" y="9523664"/>
+            <a:ext cx="6115051" cy="749300"/>
+          </a:xfrm>
+          <a:prstGeom prst="roundRect">
+            <a:avLst/>
+          </a:prstGeom>
+        </p:spPr>
+        <p:style>
+          <a:lnRef idx="2">
+            <a:schemeClr val="accent6"/>
+          </a:lnRef>
+          <a:fillRef idx="1">
+            <a:schemeClr val="lt1"/>
+          </a:fillRef>
+          <a:effectRef idx="0">
+            <a:schemeClr val="accent6"/>
+          </a:effectRef>
+          <a:fontRef idx="minor">
+            <a:schemeClr val="dk1"/>
+          </a:fontRef>
+        </p:style>
+        <p:txBody>
+          <a:bodyPr rtlCol="0" anchor="ctr"/>
+          <a:lstStyle/>
+          <a:p>
+            <a:pPr algn="ctr"/>
+            <a:r>
+              <a:rPr lang="en-US" altLang="ko-KR" sz="3200">
+                <a:latin typeface="에스코어 드림 5 Medium" panose="020B0503030302020204" pitchFamily="34" charset="-127"/>
+                <a:ea typeface="에스코어 드림 5 Medium" panose="020B0503030302020204" pitchFamily="34" charset="-127"/>
+              </a:rPr>
+              <a:t>components (component*)</a:t>
+            </a:r>
+            <a:endParaRPr lang="ko-KR" altLang="en-US" sz="3200">
+              <a:latin typeface="에스코어 드림 5 Medium" panose="020B0503030302020204" pitchFamily="34" charset="-127"/>
+              <a:ea typeface="에스코어 드림 5 Medium" panose="020B0503030302020204" pitchFamily="34" charset="-127"/>
+            </a:endParaRPr>
+          </a:p>
+        </p:txBody>
+      </p:sp>
+      <p:sp>
+        <p:nvSpPr>
+          <p:cNvPr id="21" name="사각형: 둥근 모서리 20">
+            <a:extLst>
+              <a:ext uri="{FF2B5EF4-FFF2-40B4-BE49-F238E27FC236}">
+                <a16:creationId xmlns:a16="http://schemas.microsoft.com/office/drawing/2014/main" id="{EE50735A-44E3-6B15-06A7-E8CFAB3B960C}"/>
+              </a:ext>
+            </a:extLst>
+          </p:cNvPr>
+          <p:cNvSpPr/>
+          <p:nvPr/>
+        </p:nvSpPr>
+        <p:spPr>
+          <a:xfrm>
+            <a:off x="3846429" y="10507280"/>
+            <a:ext cx="5221372" cy="749300"/>
+          </a:xfrm>
+          <a:prstGeom prst="roundRect">
+            <a:avLst/>
+          </a:prstGeom>
+        </p:spPr>
+        <p:style>
+          <a:lnRef idx="2">
+            <a:schemeClr val="accent6"/>
+          </a:lnRef>
+          <a:fillRef idx="1">
+            <a:schemeClr val="lt1"/>
+          </a:fillRef>
+          <a:effectRef idx="0">
+            <a:schemeClr val="accent6"/>
+          </a:effectRef>
+          <a:fontRef idx="minor">
+            <a:schemeClr val="dk1"/>
+          </a:fontRef>
+        </p:style>
+        <p:txBody>
+          <a:bodyPr rtlCol="0" anchor="ctr"/>
+          <a:lstStyle/>
+          <a:p>
+            <a:pPr algn="ctr"/>
+            <a:r>
+              <a:rPr lang="en-US" altLang="ko-KR" sz="3600">
+                <a:latin typeface="에스코어 드림 5 Medium" panose="020B0503030302020204" pitchFamily="34" charset="-127"/>
+                <a:ea typeface="에스코어 드림 5 Medium" panose="020B0503030302020204" pitchFamily="34" charset="-127"/>
+              </a:rPr>
+              <a:t>component</a:t>
+            </a:r>
+            <a:endParaRPr lang="ko-KR" altLang="en-US" sz="3600">
+              <a:latin typeface="에스코어 드림 5 Medium" panose="020B0503030302020204" pitchFamily="34" charset="-127"/>
+              <a:ea typeface="에스코어 드림 5 Medium" panose="020B0503030302020204" pitchFamily="34" charset="-127"/>
+            </a:endParaRPr>
+          </a:p>
+        </p:txBody>
+      </p:sp>
+      <p:sp>
+        <p:nvSpPr>
+          <p:cNvPr id="24" name="사각형: 둥근 모서리 23">
+            <a:extLst>
+              <a:ext uri="{FF2B5EF4-FFF2-40B4-BE49-F238E27FC236}">
+                <a16:creationId xmlns:a16="http://schemas.microsoft.com/office/drawing/2014/main" id="{73F8C4EB-7842-7EE8-1958-E894428873CC}"/>
+              </a:ext>
+            </a:extLst>
+          </p:cNvPr>
+          <p:cNvSpPr/>
+          <p:nvPr/>
+        </p:nvSpPr>
+        <p:spPr>
+          <a:xfrm>
+            <a:off x="4544928" y="11495707"/>
+            <a:ext cx="6199271" cy="749300"/>
+          </a:xfrm>
+          <a:prstGeom prst="roundRect">
+            <a:avLst/>
+          </a:prstGeom>
+        </p:spPr>
+        <p:style>
+          <a:lnRef idx="2">
+            <a:schemeClr val="accent6"/>
+          </a:lnRef>
+          <a:fillRef idx="1">
+            <a:schemeClr val="lt1"/>
+          </a:fillRef>
+          <a:effectRef idx="0">
+            <a:schemeClr val="accent6"/>
+          </a:effectRef>
+          <a:fontRef idx="minor">
+            <a:schemeClr val="dk1"/>
+          </a:fontRef>
+        </p:style>
+        <p:txBody>
+          <a:bodyPr rtlCol="0" anchor="ctr"/>
+          <a:lstStyle/>
+          <a:p>
+            <a:pPr algn="ctr"/>
+            <a:r>
+              <a:rPr lang="en-US" altLang="ko-KR" sz="3200">
+                <a:latin typeface="에스코어 드림 5 Medium" panose="020B0503030302020204" pitchFamily="34" charset="-127"/>
+                <a:ea typeface="에스코어 드림 5 Medium" panose="020B0503030302020204" pitchFamily="34" charset="-127"/>
+              </a:rPr>
+              <a:t>component_child1 PCDATA</a:t>
+            </a:r>
+            <a:endParaRPr lang="ko-KR" altLang="en-US" sz="3200">
+              <a:latin typeface="에스코어 드림 5 Medium" panose="020B0503030302020204" pitchFamily="34" charset="-127"/>
+              <a:ea typeface="에스코어 드림 5 Medium" panose="020B0503030302020204" pitchFamily="34" charset="-127"/>
+            </a:endParaRPr>
+          </a:p>
+        </p:txBody>
+      </p:sp>
+      <p:sp>
+        <p:nvSpPr>
+          <p:cNvPr id="25" name="사각형: 둥근 모서리 24">
+            <a:extLst>
+              <a:ext uri="{FF2B5EF4-FFF2-40B4-BE49-F238E27FC236}">
+                <a16:creationId xmlns:a16="http://schemas.microsoft.com/office/drawing/2014/main" id="{C45A91C6-6129-6DDD-E672-8151B4B6ADFD}"/>
+              </a:ext>
+            </a:extLst>
+          </p:cNvPr>
+          <p:cNvSpPr/>
+          <p:nvPr/>
+        </p:nvSpPr>
+        <p:spPr>
+          <a:xfrm>
+            <a:off x="4544929" y="12522234"/>
+            <a:ext cx="6199271" cy="749300"/>
+          </a:xfrm>
+          <a:prstGeom prst="roundRect">
+            <a:avLst/>
+          </a:prstGeom>
+        </p:spPr>
+        <p:style>
+          <a:lnRef idx="2">
+            <a:schemeClr val="accent6"/>
+          </a:lnRef>
+          <a:fillRef idx="1">
+            <a:schemeClr val="lt1"/>
+          </a:fillRef>
+          <a:effectRef idx="0">
+            <a:schemeClr val="accent6"/>
+          </a:effectRef>
+          <a:fontRef idx="minor">
+            <a:schemeClr val="dk1"/>
+          </a:fontRef>
+        </p:style>
+        <p:txBody>
+          <a:bodyPr rtlCol="0" anchor="ctr"/>
+          <a:lstStyle/>
+          <a:p>
+            <a:pPr algn="ctr"/>
+            <a:r>
+              <a:rPr lang="en-US" altLang="ko-KR" sz="3200">
+                <a:latin typeface="에스코어 드림 5 Medium" panose="020B0503030302020204" pitchFamily="34" charset="-127"/>
+                <a:ea typeface="에스코어 드림 5 Medium" panose="020B0503030302020204" pitchFamily="34" charset="-127"/>
+              </a:rPr>
+              <a:t>component_child2 PCDATA</a:t>
+            </a:r>
+            <a:endParaRPr lang="ko-KR" altLang="en-US" sz="3200">
+              <a:latin typeface="에스코어 드림 5 Medium" panose="020B0503030302020204" pitchFamily="34" charset="-127"/>
+              <a:ea typeface="에스코어 드림 5 Medium" panose="020B0503030302020204" pitchFamily="34" charset="-127"/>
+            </a:endParaRPr>
+          </a:p>
+        </p:txBody>
+      </p:sp>
+      <p:cxnSp>
+        <p:nvCxnSpPr>
+          <p:cNvPr id="27" name="연결선: 꺾임 26">
+            <a:extLst>
+              <a:ext uri="{FF2B5EF4-FFF2-40B4-BE49-F238E27FC236}">
+                <a16:creationId xmlns:a16="http://schemas.microsoft.com/office/drawing/2014/main" id="{F3B2E936-EB9C-F652-FFCB-18955F322B08}"/>
+              </a:ext>
+            </a:extLst>
+          </p:cNvPr>
+          <p:cNvCxnSpPr>
+            <a:endCxn id="7" idx="1"/>
+          </p:cNvCxnSpPr>
+          <p:nvPr/>
+        </p:nvCxnSpPr>
+        <p:spPr>
+          <a:xfrm rot="16200000" flipH="1">
+            <a:off x="866441" y="3019759"/>
+            <a:ext cx="615950" cy="367632"/>
+          </a:xfrm>
+          <a:prstGeom prst="bentConnector2">
+            <a:avLst/>
+          </a:prstGeom>
+          <a:ln>
+            <a:solidFill>
+              <a:srgbClr val="002060"/>
+            </a:solidFill>
+            <a:tailEnd type="triangle"/>
+          </a:ln>
+        </p:spPr>
+        <p:style>
+          <a:lnRef idx="3">
+            <a:schemeClr val="accent5"/>
+          </a:lnRef>
+          <a:fillRef idx="0">
+            <a:schemeClr val="accent5"/>
+          </a:fillRef>
+          <a:effectRef idx="2">
+            <a:schemeClr val="accent5"/>
+          </a:effectRef>
+          <a:fontRef idx="minor">
+            <a:schemeClr val="tx1"/>
+          </a:fontRef>
+        </p:style>
+      </p:cxnSp>
+      <p:cxnSp>
+        <p:nvCxnSpPr>
+          <p:cNvPr id="28" name="연결선: 꺾임 27">
+            <a:extLst>
+              <a:ext uri="{FF2B5EF4-FFF2-40B4-BE49-F238E27FC236}">
+                <a16:creationId xmlns:a16="http://schemas.microsoft.com/office/drawing/2014/main" id="{A07E9975-800A-94E3-86C3-FF0314C254A3}"/>
+              </a:ext>
+            </a:extLst>
+          </p:cNvPr>
+          <p:cNvCxnSpPr/>
+          <p:nvPr/>
+        </p:nvCxnSpPr>
+        <p:spPr>
+          <a:xfrm rot="16200000" flipH="1">
+            <a:off x="1656180" y="4092909"/>
+            <a:ext cx="615950" cy="367632"/>
+          </a:xfrm>
+          <a:prstGeom prst="bentConnector2">
+            <a:avLst/>
+          </a:prstGeom>
+          <a:ln>
+            <a:solidFill>
+              <a:srgbClr val="002060"/>
+            </a:solidFill>
+            <a:tailEnd type="triangle"/>
+          </a:ln>
+        </p:spPr>
+        <p:style>
+          <a:lnRef idx="3">
+            <a:schemeClr val="accent5"/>
+          </a:lnRef>
+          <a:fillRef idx="0">
+            <a:schemeClr val="accent5"/>
+          </a:fillRef>
+          <a:effectRef idx="2">
+            <a:schemeClr val="accent5"/>
+          </a:effectRef>
+          <a:fontRef idx="minor">
+            <a:schemeClr val="tx1"/>
+          </a:fontRef>
+        </p:style>
+      </p:cxnSp>
+      <p:cxnSp>
+        <p:nvCxnSpPr>
+          <p:cNvPr id="29" name="연결선: 꺾임 28">
+            <a:extLst>
+              <a:ext uri="{FF2B5EF4-FFF2-40B4-BE49-F238E27FC236}">
+                <a16:creationId xmlns:a16="http://schemas.microsoft.com/office/drawing/2014/main" id="{73D72335-8F6E-4C32-368A-95E26A4935AD}"/>
+              </a:ext>
+            </a:extLst>
+          </p:cNvPr>
+          <p:cNvCxnSpPr/>
+          <p:nvPr/>
+        </p:nvCxnSpPr>
+        <p:spPr>
+          <a:xfrm rot="16200000" flipH="1">
+            <a:off x="2460958" y="5166059"/>
+            <a:ext cx="615950" cy="367632"/>
+          </a:xfrm>
+          <a:prstGeom prst="bentConnector2">
+            <a:avLst/>
+          </a:prstGeom>
+          <a:ln>
+            <a:solidFill>
+              <a:srgbClr val="002060"/>
+            </a:solidFill>
+            <a:tailEnd type="triangle"/>
+          </a:ln>
+        </p:spPr>
+        <p:style>
+          <a:lnRef idx="3">
+            <a:schemeClr val="accent5"/>
+          </a:lnRef>
+          <a:fillRef idx="0">
+            <a:schemeClr val="accent5"/>
+          </a:fillRef>
+          <a:effectRef idx="2">
+            <a:schemeClr val="accent5"/>
+          </a:effectRef>
+          <a:fontRef idx="minor">
+            <a:schemeClr val="tx1"/>
+          </a:fontRef>
+        </p:style>
+      </p:cxnSp>
+      <p:cxnSp>
+        <p:nvCxnSpPr>
+          <p:cNvPr id="30" name="연결선: 꺾임 29">
+            <a:extLst>
+              <a:ext uri="{FF2B5EF4-FFF2-40B4-BE49-F238E27FC236}">
+                <a16:creationId xmlns:a16="http://schemas.microsoft.com/office/drawing/2014/main" id="{ABD98652-2308-91F9-A99E-05200585F0CD}"/>
+              </a:ext>
+            </a:extLst>
+          </p:cNvPr>
+          <p:cNvCxnSpPr>
+            <a:cxnSpLocks/>
+            <a:endCxn id="17" idx="1"/>
+          </p:cNvCxnSpPr>
+          <p:nvPr/>
+        </p:nvCxnSpPr>
+        <p:spPr>
+          <a:xfrm rot="16200000" flipH="1">
+            <a:off x="329446" y="7275011"/>
+            <a:ext cx="4878974" cy="367632"/>
+          </a:xfrm>
+          <a:prstGeom prst="bentConnector2">
+            <a:avLst/>
+          </a:prstGeom>
+          <a:ln>
+            <a:solidFill>
+              <a:srgbClr val="002060"/>
+            </a:solidFill>
+            <a:tailEnd type="triangle"/>
+          </a:ln>
+        </p:spPr>
+        <p:style>
+          <a:lnRef idx="3">
+            <a:schemeClr val="accent5"/>
+          </a:lnRef>
+          <a:fillRef idx="0">
+            <a:schemeClr val="accent5"/>
+          </a:fillRef>
+          <a:effectRef idx="2">
+            <a:schemeClr val="accent5"/>
+          </a:effectRef>
+          <a:fontRef idx="minor">
+            <a:schemeClr val="tx1"/>
+          </a:fontRef>
+        </p:style>
+      </p:cxnSp>
+      <p:cxnSp>
+        <p:nvCxnSpPr>
+          <p:cNvPr id="32" name="연결선: 꺾임 31">
+            <a:extLst>
+              <a:ext uri="{FF2B5EF4-FFF2-40B4-BE49-F238E27FC236}">
+                <a16:creationId xmlns:a16="http://schemas.microsoft.com/office/drawing/2014/main" id="{A8032BC1-D171-B3F0-868A-2B12EB95C607}"/>
+              </a:ext>
+            </a:extLst>
+          </p:cNvPr>
+          <p:cNvCxnSpPr/>
+          <p:nvPr/>
+        </p:nvCxnSpPr>
+        <p:spPr>
+          <a:xfrm rot="16200000" flipH="1">
+            <a:off x="3354638" y="6279148"/>
+            <a:ext cx="615950" cy="367632"/>
+          </a:xfrm>
+          <a:prstGeom prst="bentConnector2">
+            <a:avLst/>
+          </a:prstGeom>
+          <a:ln>
+            <a:solidFill>
+              <a:srgbClr val="002060"/>
+            </a:solidFill>
+            <a:tailEnd type="triangle"/>
+          </a:ln>
+        </p:spPr>
+        <p:style>
+          <a:lnRef idx="3">
+            <a:schemeClr val="accent5"/>
+          </a:lnRef>
+          <a:fillRef idx="0">
+            <a:schemeClr val="accent5"/>
+          </a:fillRef>
+          <a:effectRef idx="2">
+            <a:schemeClr val="accent5"/>
+          </a:effectRef>
+          <a:fontRef idx="minor">
+            <a:schemeClr val="tx1"/>
+          </a:fontRef>
+        </p:style>
+      </p:cxnSp>
+      <p:cxnSp>
+        <p:nvCxnSpPr>
+          <p:cNvPr id="33" name="연결선: 꺾임 32">
+            <a:extLst>
+              <a:ext uri="{FF2B5EF4-FFF2-40B4-BE49-F238E27FC236}">
+                <a16:creationId xmlns:a16="http://schemas.microsoft.com/office/drawing/2014/main" id="{3AC19EC8-12E6-2AFE-A0D6-55B55056E935}"/>
+              </a:ext>
+            </a:extLst>
+          </p:cNvPr>
+          <p:cNvCxnSpPr>
+            <a:cxnSpLocks/>
+            <a:endCxn id="15" idx="1"/>
+          </p:cNvCxnSpPr>
+          <p:nvPr/>
+        </p:nvCxnSpPr>
+        <p:spPr>
+          <a:xfrm rot="16200000" flipH="1">
+            <a:off x="2837029" y="6796757"/>
+            <a:ext cx="1651168" cy="367632"/>
+          </a:xfrm>
+          <a:prstGeom prst="bentConnector2">
+            <a:avLst/>
+          </a:prstGeom>
+          <a:ln>
+            <a:solidFill>
+              <a:srgbClr val="002060"/>
+            </a:solidFill>
+            <a:tailEnd type="triangle"/>
+          </a:ln>
+        </p:spPr>
+        <p:style>
+          <a:lnRef idx="3">
+            <a:schemeClr val="accent5"/>
+          </a:lnRef>
+          <a:fillRef idx="0">
+            <a:schemeClr val="accent5"/>
+          </a:fillRef>
+          <a:effectRef idx="2">
+            <a:schemeClr val="accent5"/>
+          </a:effectRef>
+          <a:fontRef idx="minor">
+            <a:schemeClr val="tx1"/>
+          </a:fontRef>
+        </p:style>
+      </p:cxnSp>
+      <p:cxnSp>
+        <p:nvCxnSpPr>
+          <p:cNvPr id="37" name="연결선: 꺾임 36">
+            <a:extLst>
+              <a:ext uri="{FF2B5EF4-FFF2-40B4-BE49-F238E27FC236}">
+                <a16:creationId xmlns:a16="http://schemas.microsoft.com/office/drawing/2014/main" id="{73B7878E-1146-C516-7571-E8813F15A88B}"/>
+              </a:ext>
+            </a:extLst>
+          </p:cNvPr>
+          <p:cNvCxnSpPr>
+            <a:cxnSpLocks/>
+          </p:cNvCxnSpPr>
+          <p:nvPr/>
+        </p:nvCxnSpPr>
+        <p:spPr>
+          <a:xfrm rot="16200000" flipH="1">
+            <a:off x="2343566" y="7307430"/>
+            <a:ext cx="2614030" cy="343570"/>
+          </a:xfrm>
+          <a:prstGeom prst="bentConnector2">
+            <a:avLst/>
+          </a:prstGeom>
+          <a:ln>
+            <a:solidFill>
+              <a:srgbClr val="002060"/>
+            </a:solidFill>
+            <a:tailEnd type="triangle"/>
+          </a:ln>
+        </p:spPr>
+        <p:style>
+          <a:lnRef idx="3">
+            <a:schemeClr val="accent5"/>
+          </a:lnRef>
+          <a:fillRef idx="0">
+            <a:schemeClr val="accent5"/>
+          </a:fillRef>
+          <a:effectRef idx="2">
+            <a:schemeClr val="accent5"/>
+          </a:effectRef>
+          <a:fontRef idx="minor">
+            <a:schemeClr val="tx1"/>
+          </a:fontRef>
+        </p:style>
+      </p:cxnSp>
+      <p:cxnSp>
+        <p:nvCxnSpPr>
+          <p:cNvPr id="39" name="연결선: 꺾임 38">
+            <a:extLst>
+              <a:ext uri="{FF2B5EF4-FFF2-40B4-BE49-F238E27FC236}">
+                <a16:creationId xmlns:a16="http://schemas.microsoft.com/office/drawing/2014/main" id="{20102360-5066-8695-07E7-659B11890770}"/>
+              </a:ext>
+            </a:extLst>
+          </p:cNvPr>
+          <p:cNvCxnSpPr>
+            <a:cxnSpLocks/>
+            <a:endCxn id="21" idx="1"/>
+          </p:cNvCxnSpPr>
+          <p:nvPr/>
+        </p:nvCxnSpPr>
+        <p:spPr>
+          <a:xfrm rot="16200000" flipH="1">
+            <a:off x="3355722" y="10391223"/>
+            <a:ext cx="613778" cy="367636"/>
+          </a:xfrm>
+          <a:prstGeom prst="bentConnector2">
+            <a:avLst/>
+          </a:prstGeom>
+          <a:ln>
+            <a:solidFill>
+              <a:srgbClr val="002060"/>
+            </a:solidFill>
+            <a:tailEnd type="triangle"/>
+          </a:ln>
+        </p:spPr>
+        <p:style>
+          <a:lnRef idx="3">
+            <a:schemeClr val="accent5"/>
+          </a:lnRef>
+          <a:fillRef idx="0">
+            <a:schemeClr val="accent5"/>
+          </a:fillRef>
+          <a:effectRef idx="2">
+            <a:schemeClr val="accent5"/>
+          </a:effectRef>
+          <a:fontRef idx="minor">
+            <a:schemeClr val="tx1"/>
+          </a:fontRef>
+        </p:style>
+      </p:cxnSp>
+      <p:cxnSp>
+        <p:nvCxnSpPr>
+          <p:cNvPr id="43" name="연결선: 꺾임 42">
+            <a:extLst>
+              <a:ext uri="{FF2B5EF4-FFF2-40B4-BE49-F238E27FC236}">
+                <a16:creationId xmlns:a16="http://schemas.microsoft.com/office/drawing/2014/main" id="{764FABA7-979F-4386-7D13-6C4B7C72B7EC}"/>
+              </a:ext>
+            </a:extLst>
+          </p:cNvPr>
+          <p:cNvCxnSpPr>
+            <a:cxnSpLocks/>
+          </p:cNvCxnSpPr>
+          <p:nvPr/>
+        </p:nvCxnSpPr>
+        <p:spPr>
+          <a:xfrm rot="16200000" flipH="1">
+            <a:off x="4059905" y="11398702"/>
+            <a:ext cx="613777" cy="367633"/>
+          </a:xfrm>
+          <a:prstGeom prst="bentConnector2">
+            <a:avLst/>
+          </a:prstGeom>
+          <a:ln>
+            <a:solidFill>
+              <a:srgbClr val="002060"/>
+            </a:solidFill>
+            <a:tailEnd type="triangle"/>
+          </a:ln>
+        </p:spPr>
+        <p:style>
+          <a:lnRef idx="3">
+            <a:schemeClr val="accent5"/>
+          </a:lnRef>
+          <a:fillRef idx="0">
+            <a:schemeClr val="accent5"/>
+          </a:fillRef>
+          <a:effectRef idx="2">
+            <a:schemeClr val="accent5"/>
+          </a:effectRef>
+          <a:fontRef idx="minor">
+            <a:schemeClr val="tx1"/>
+          </a:fontRef>
+        </p:style>
+      </p:cxnSp>
+      <p:cxnSp>
+        <p:nvCxnSpPr>
+          <p:cNvPr id="44" name="연결선: 꺾임 43">
+            <a:extLst>
+              <a:ext uri="{FF2B5EF4-FFF2-40B4-BE49-F238E27FC236}">
+                <a16:creationId xmlns:a16="http://schemas.microsoft.com/office/drawing/2014/main" id="{48BE6ABC-00AE-89EC-5F66-3F6E81328B81}"/>
+              </a:ext>
+            </a:extLst>
+          </p:cNvPr>
+          <p:cNvCxnSpPr>
+            <a:cxnSpLocks/>
+            <a:endCxn id="25" idx="1"/>
+          </p:cNvCxnSpPr>
+          <p:nvPr/>
+        </p:nvCxnSpPr>
+        <p:spPr>
+          <a:xfrm rot="16200000" flipH="1">
+            <a:off x="3550484" y="11902439"/>
+            <a:ext cx="1621254" cy="367636"/>
+          </a:xfrm>
+          <a:prstGeom prst="bentConnector2">
+            <a:avLst/>
+          </a:prstGeom>
+          <a:ln>
+            <a:solidFill>
+              <a:srgbClr val="002060"/>
+            </a:solidFill>
+            <a:tailEnd type="triangle"/>
+          </a:ln>
+        </p:spPr>
+        <p:style>
+          <a:lnRef idx="3">
+            <a:schemeClr val="accent5"/>
+          </a:lnRef>
+          <a:fillRef idx="0">
+            <a:schemeClr val="accent5"/>
+          </a:fillRef>
+          <a:effectRef idx="2">
+            <a:schemeClr val="accent5"/>
+          </a:effectRef>
+          <a:fontRef idx="minor">
+            <a:schemeClr val="tx1"/>
+          </a:fontRef>
+        </p:style>
+      </p:cxnSp>
+      <p:sp>
+        <p:nvSpPr>
+          <p:cNvPr id="5" name="순서도: 문서 4">
+            <a:extLst>
+              <a:ext uri="{FF2B5EF4-FFF2-40B4-BE49-F238E27FC236}">
+                <a16:creationId xmlns:a16="http://schemas.microsoft.com/office/drawing/2014/main" id="{F3A7A02D-1276-7ECC-3C87-60F0B5A1A1C9}"/>
+              </a:ext>
+            </a:extLst>
+          </p:cNvPr>
+          <p:cNvSpPr/>
+          <p:nvPr/>
+        </p:nvSpPr>
+        <p:spPr>
+          <a:xfrm>
+            <a:off x="15215602" y="533400"/>
+            <a:ext cx="5739398" cy="1727200"/>
+          </a:xfrm>
+          <a:prstGeom prst="flowChartDocument">
+            <a:avLst/>
+          </a:prstGeom>
+        </p:spPr>
+        <p:style>
+          <a:lnRef idx="2">
+            <a:schemeClr val="accent6"/>
+          </a:lnRef>
+          <a:fillRef idx="1">
+            <a:schemeClr val="lt1"/>
+          </a:fillRef>
+          <a:effectRef idx="0">
+            <a:schemeClr val="accent6"/>
+          </a:effectRef>
+          <a:fontRef idx="minor">
+            <a:schemeClr val="dk1"/>
+          </a:fontRef>
+        </p:style>
+        <p:txBody>
+          <a:bodyPr rtlCol="0" anchor="t"/>
+          <a:lstStyle/>
+          <a:p>
+            <a:pPr algn="ctr"/>
+            <a:r>
+              <a:rPr lang="en-US" altLang="ko-KR" sz="4000">
+                <a:latin typeface="에스코어 드림 4 Regular" panose="020B0503030302020204" pitchFamily="34" charset="-127"/>
+                <a:ea typeface="에스코어 드림 4 Regular" panose="020B0503030302020204" pitchFamily="34" charset="-127"/>
+              </a:rPr>
+              <a:t>main.xsd</a:t>
+            </a:r>
+          </a:p>
+          <a:p>
+            <a:pPr algn="ctr"/>
+            <a:r>
+              <a:rPr lang="en-US" altLang="ko-KR" sz="4000"/>
+              <a:t>http://Project.org</a:t>
+            </a:r>
+          </a:p>
+          <a:p>
+            <a:pPr algn="ctr"/>
+            <a:endParaRPr lang="ko-KR" altLang="en-US" sz="4000">
+              <a:latin typeface="에스코어 드림 4 Regular" panose="020B0503030302020204" pitchFamily="34" charset="-127"/>
+              <a:ea typeface="에스코어 드림 4 Regular" panose="020B0503030302020204" pitchFamily="34" charset="-127"/>
+            </a:endParaRPr>
+          </a:p>
+        </p:txBody>
+      </p:sp>
+      <p:sp>
+        <p:nvSpPr>
+          <p:cNvPr id="8" name="순서도: 문서 7">
+            <a:extLst>
+              <a:ext uri="{FF2B5EF4-FFF2-40B4-BE49-F238E27FC236}">
+                <a16:creationId xmlns:a16="http://schemas.microsoft.com/office/drawing/2014/main" id="{FC0E30E2-4EEF-704B-89FA-D434B391C48C}"/>
+              </a:ext>
+            </a:extLst>
+          </p:cNvPr>
+          <p:cNvSpPr/>
+          <p:nvPr/>
+        </p:nvSpPr>
+        <p:spPr>
+          <a:xfrm>
+            <a:off x="15215602" y="3286124"/>
+            <a:ext cx="5739398" cy="1727200"/>
+          </a:xfrm>
+          <a:prstGeom prst="flowChartDocument">
+            <a:avLst/>
+          </a:prstGeom>
+        </p:spPr>
+        <p:style>
+          <a:lnRef idx="2">
+            <a:schemeClr val="accent6"/>
+          </a:lnRef>
+          <a:fillRef idx="1">
+            <a:schemeClr val="lt1"/>
+          </a:fillRef>
+          <a:effectRef idx="0">
+            <a:schemeClr val="accent6"/>
+          </a:effectRef>
+          <a:fontRef idx="minor">
+            <a:schemeClr val="dk1"/>
+          </a:fontRef>
+        </p:style>
+        <p:txBody>
+          <a:bodyPr rtlCol="0" anchor="t"/>
+          <a:lstStyle/>
+          <a:p>
+            <a:pPr algn="ctr"/>
+            <a:r>
+              <a:rPr lang="en-US" altLang="ko-KR" sz="4000">
+                <a:latin typeface="에스코어 드림 4 Regular" panose="020B0503030302020204" pitchFamily="34" charset="-127"/>
+                <a:ea typeface="에스코어 드림 4 Regular" panose="020B0503030302020204" pitchFamily="34" charset="-127"/>
+              </a:rPr>
+              <a:t>import1.xsd</a:t>
+            </a:r>
+          </a:p>
+          <a:p>
+            <a:pPr algn="ctr"/>
+            <a:r>
+              <a:rPr lang="en-US" altLang="ko-KR" sz="4000"/>
+              <a:t>http://ProjectScene.org</a:t>
+            </a:r>
+          </a:p>
+        </p:txBody>
+      </p:sp>
+      <p:cxnSp>
+        <p:nvCxnSpPr>
+          <p:cNvPr id="11" name="직선 화살표 연결선 10">
+            <a:extLst>
+              <a:ext uri="{FF2B5EF4-FFF2-40B4-BE49-F238E27FC236}">
+                <a16:creationId xmlns:a16="http://schemas.microsoft.com/office/drawing/2014/main" id="{56AE52F4-1DE0-0D77-6B6C-996C66EDDE86}"/>
+              </a:ext>
+            </a:extLst>
+          </p:cNvPr>
+          <p:cNvCxnSpPr>
+            <a:cxnSpLocks/>
+            <a:stCxn id="6" idx="3"/>
+            <a:endCxn id="5" idx="1"/>
+          </p:cNvCxnSpPr>
+          <p:nvPr/>
+        </p:nvCxnSpPr>
+        <p:spPr>
+          <a:xfrm flipV="1">
+            <a:off x="5200650" y="1397000"/>
+            <a:ext cx="10014952" cy="1123950"/>
+          </a:xfrm>
+          <a:prstGeom prst="straightConnector1">
+            <a:avLst/>
+          </a:prstGeom>
+          <a:ln w="57150">
+            <a:solidFill>
+              <a:schemeClr val="tx1"/>
+            </a:solidFill>
+            <a:tailEnd type="triangle"/>
+          </a:ln>
+        </p:spPr>
+        <p:style>
+          <a:lnRef idx="1">
+            <a:schemeClr val="accent1"/>
+          </a:lnRef>
+          <a:fillRef idx="0">
+            <a:schemeClr val="accent1"/>
+          </a:fillRef>
+          <a:effectRef idx="0">
+            <a:schemeClr val="accent1"/>
+          </a:effectRef>
+          <a:fontRef idx="minor">
+            <a:schemeClr val="tx1"/>
+          </a:fontRef>
+        </p:style>
+      </p:cxnSp>
+      <p:cxnSp>
+        <p:nvCxnSpPr>
+          <p:cNvPr id="19" name="직선 화살표 연결선 18">
+            <a:extLst>
+              <a:ext uri="{FF2B5EF4-FFF2-40B4-BE49-F238E27FC236}">
+                <a16:creationId xmlns:a16="http://schemas.microsoft.com/office/drawing/2014/main" id="{3F37E82B-6285-B382-C68D-B823B0702F1E}"/>
+              </a:ext>
+            </a:extLst>
+          </p:cNvPr>
+          <p:cNvCxnSpPr>
+            <a:cxnSpLocks/>
+            <a:stCxn id="7" idx="3"/>
+            <a:endCxn id="8" idx="1"/>
+          </p:cNvCxnSpPr>
+          <p:nvPr/>
+        </p:nvCxnSpPr>
+        <p:spPr>
+          <a:xfrm>
+            <a:off x="5854032" y="3511550"/>
+            <a:ext cx="9361570" cy="638174"/>
+          </a:xfrm>
+          <a:prstGeom prst="straightConnector1">
+            <a:avLst/>
+          </a:prstGeom>
+          <a:ln w="57150">
+            <a:solidFill>
+              <a:schemeClr val="tx1"/>
+            </a:solidFill>
+            <a:tailEnd type="triangle"/>
+          </a:ln>
+        </p:spPr>
+        <p:style>
+          <a:lnRef idx="1">
+            <a:schemeClr val="accent1"/>
+          </a:lnRef>
+          <a:fillRef idx="0">
+            <a:schemeClr val="accent1"/>
+          </a:fillRef>
+          <a:effectRef idx="0">
+            <a:schemeClr val="accent1"/>
+          </a:effectRef>
+          <a:fontRef idx="minor">
+            <a:schemeClr val="tx1"/>
+          </a:fontRef>
+        </p:style>
+      </p:cxnSp>
+      <p:cxnSp>
+        <p:nvCxnSpPr>
+          <p:cNvPr id="26" name="직선 화살표 연결선 25">
+            <a:extLst>
+              <a:ext uri="{FF2B5EF4-FFF2-40B4-BE49-F238E27FC236}">
+                <a16:creationId xmlns:a16="http://schemas.microsoft.com/office/drawing/2014/main" id="{6A5572DA-96FB-6E16-3CE0-0B0303F35C3C}"/>
+              </a:ext>
+            </a:extLst>
+          </p:cNvPr>
+          <p:cNvCxnSpPr>
+            <a:cxnSpLocks/>
+            <a:stCxn id="5" idx="2"/>
+            <a:endCxn id="8" idx="0"/>
+          </p:cNvCxnSpPr>
+          <p:nvPr/>
+        </p:nvCxnSpPr>
+        <p:spPr>
+          <a:xfrm>
+            <a:off x="18085301" y="2146413"/>
+            <a:ext cx="0" cy="1139711"/>
+          </a:xfrm>
+          <a:prstGeom prst="straightConnector1">
+            <a:avLst/>
+          </a:prstGeom>
+          <a:ln w="57150">
+            <a:solidFill>
+              <a:schemeClr val="tx1"/>
+            </a:solidFill>
+            <a:tailEnd type="triangle"/>
+          </a:ln>
+        </p:spPr>
+        <p:style>
+          <a:lnRef idx="1">
+            <a:schemeClr val="accent1"/>
+          </a:lnRef>
+          <a:fillRef idx="0">
+            <a:schemeClr val="accent1"/>
+          </a:fillRef>
+          <a:effectRef idx="0">
+            <a:schemeClr val="accent1"/>
+          </a:effectRef>
+          <a:fontRef idx="minor">
+            <a:schemeClr val="tx1"/>
+          </a:fontRef>
+        </p:style>
+      </p:cxnSp>
+      <p:sp>
+        <p:nvSpPr>
+          <p:cNvPr id="36" name="TextBox 35">
+            <a:extLst>
+              <a:ext uri="{FF2B5EF4-FFF2-40B4-BE49-F238E27FC236}">
+                <a16:creationId xmlns:a16="http://schemas.microsoft.com/office/drawing/2014/main" id="{EA564C30-3CC9-E570-E52D-2725281986B5}"/>
+              </a:ext>
+            </a:extLst>
+          </p:cNvPr>
+          <p:cNvSpPr txBox="1"/>
+          <p:nvPr/>
+        </p:nvSpPr>
+        <p:spPr>
+          <a:xfrm>
+            <a:off x="18085301" y="2376269"/>
+            <a:ext cx="2473495" cy="646331"/>
+          </a:xfrm>
+          <a:prstGeom prst="rect">
+            <a:avLst/>
+          </a:prstGeom>
+          <a:noFill/>
+        </p:spPr>
+        <p:txBody>
+          <a:bodyPr wrap="square" rtlCol="0">
+            <a:spAutoFit/>
+          </a:bodyPr>
+          <a:lstStyle/>
+          <a:p>
+            <a:r>
+              <a:rPr lang="en-US" altLang="ko-KR" sz="3600">
+                <a:latin typeface="에스코어 드림 4 Regular" panose="020B0503030302020204" pitchFamily="34" charset="-127"/>
+                <a:ea typeface="에스코어 드림 4 Regular" panose="020B0503030302020204" pitchFamily="34" charset="-127"/>
+              </a:rPr>
+              <a:t>import</a:t>
+            </a:r>
+            <a:endParaRPr lang="ko-KR" altLang="en-US" sz="3600">
+              <a:latin typeface="에스코어 드림 4 Regular" panose="020B0503030302020204" pitchFamily="34" charset="-127"/>
+              <a:ea typeface="에스코어 드림 4 Regular" panose="020B0503030302020204" pitchFamily="34" charset="-127"/>
+            </a:endParaRPr>
+          </a:p>
+        </p:txBody>
+      </p:sp>
+      <p:sp>
+        <p:nvSpPr>
+          <p:cNvPr id="42" name="순서도: 문서 41">
+            <a:extLst>
+              <a:ext uri="{FF2B5EF4-FFF2-40B4-BE49-F238E27FC236}">
+                <a16:creationId xmlns:a16="http://schemas.microsoft.com/office/drawing/2014/main" id="{B8FA9666-2B12-B576-4E68-FD4DC8A805BD}"/>
+              </a:ext>
+            </a:extLst>
+          </p:cNvPr>
+          <p:cNvSpPr/>
+          <p:nvPr/>
+        </p:nvSpPr>
+        <p:spPr>
+          <a:xfrm>
+            <a:off x="15215602" y="6040891"/>
+            <a:ext cx="5739398" cy="1727200"/>
+          </a:xfrm>
+          <a:prstGeom prst="flowChartDocument">
+            <a:avLst/>
+          </a:prstGeom>
+        </p:spPr>
+        <p:style>
+          <a:lnRef idx="2">
+            <a:schemeClr val="accent6"/>
+          </a:lnRef>
+          <a:fillRef idx="1">
+            <a:schemeClr val="lt1"/>
+          </a:fillRef>
+          <a:effectRef idx="0">
+            <a:schemeClr val="accent6"/>
+          </a:effectRef>
+          <a:fontRef idx="minor">
+            <a:schemeClr val="dk1"/>
+          </a:fontRef>
+        </p:style>
+        <p:txBody>
+          <a:bodyPr rtlCol="0" anchor="t"/>
+          <a:lstStyle/>
+          <a:p>
+            <a:pPr algn="ctr"/>
+            <a:r>
+              <a:rPr lang="en-US" altLang="ko-KR" sz="4000">
+                <a:latin typeface="에스코어 드림 4 Regular" panose="020B0503030302020204" pitchFamily="34" charset="-127"/>
+                <a:ea typeface="에스코어 드림 4 Regular" panose="020B0503030302020204" pitchFamily="34" charset="-127"/>
+              </a:rPr>
+              <a:t>include1.xsd</a:t>
+            </a:r>
+          </a:p>
+          <a:p>
+            <a:pPr algn="ctr"/>
+            <a:r>
+              <a:rPr lang="en-US" altLang="ko-KR" sz="4000"/>
+              <a:t>http://ProjectScene.org</a:t>
+            </a:r>
+          </a:p>
+        </p:txBody>
+      </p:sp>
+      <p:cxnSp>
+        <p:nvCxnSpPr>
+          <p:cNvPr id="45" name="직선 화살표 연결선 44">
+            <a:extLst>
+              <a:ext uri="{FF2B5EF4-FFF2-40B4-BE49-F238E27FC236}">
+                <a16:creationId xmlns:a16="http://schemas.microsoft.com/office/drawing/2014/main" id="{DF732BD9-8006-E4AD-5760-74A8CC359A40}"/>
+              </a:ext>
+            </a:extLst>
+          </p:cNvPr>
+          <p:cNvCxnSpPr>
+            <a:cxnSpLocks/>
+          </p:cNvCxnSpPr>
+          <p:nvPr/>
+        </p:nvCxnSpPr>
+        <p:spPr>
+          <a:xfrm>
+            <a:off x="18038676" y="4930388"/>
+            <a:ext cx="0" cy="1139711"/>
+          </a:xfrm>
+          <a:prstGeom prst="straightConnector1">
+            <a:avLst/>
+          </a:prstGeom>
+          <a:ln w="57150">
+            <a:solidFill>
+              <a:schemeClr val="tx1"/>
+            </a:solidFill>
+            <a:tailEnd type="triangle"/>
+          </a:ln>
+        </p:spPr>
+        <p:style>
+          <a:lnRef idx="1">
+            <a:schemeClr val="accent1"/>
+          </a:lnRef>
+          <a:fillRef idx="0">
+            <a:schemeClr val="accent1"/>
+          </a:fillRef>
+          <a:effectRef idx="0">
+            <a:schemeClr val="accent1"/>
+          </a:effectRef>
+          <a:fontRef idx="minor">
+            <a:schemeClr val="tx1"/>
+          </a:fontRef>
+        </p:style>
+      </p:cxnSp>
+      <p:sp>
+        <p:nvSpPr>
+          <p:cNvPr id="46" name="TextBox 45">
+            <a:extLst>
+              <a:ext uri="{FF2B5EF4-FFF2-40B4-BE49-F238E27FC236}">
+                <a16:creationId xmlns:a16="http://schemas.microsoft.com/office/drawing/2014/main" id="{0039F028-8F4F-0488-A2CF-DF5840004359}"/>
+              </a:ext>
+            </a:extLst>
+          </p:cNvPr>
+          <p:cNvSpPr txBox="1"/>
+          <p:nvPr/>
+        </p:nvSpPr>
+        <p:spPr>
+          <a:xfrm>
+            <a:off x="18038676" y="5160244"/>
+            <a:ext cx="2473495" cy="646331"/>
+          </a:xfrm>
+          <a:prstGeom prst="rect">
+            <a:avLst/>
+          </a:prstGeom>
+          <a:noFill/>
+        </p:spPr>
+        <p:txBody>
+          <a:bodyPr wrap="square" rtlCol="0">
+            <a:spAutoFit/>
+          </a:bodyPr>
+          <a:lstStyle/>
+          <a:p>
+            <a:r>
+              <a:rPr lang="en-US" altLang="ko-KR" sz="3600">
+                <a:latin typeface="에스코어 드림 4 Regular" panose="020B0503030302020204" pitchFamily="34" charset="-127"/>
+                <a:ea typeface="에스코어 드림 4 Regular" panose="020B0503030302020204" pitchFamily="34" charset="-127"/>
+              </a:rPr>
+              <a:t>include</a:t>
+            </a:r>
+            <a:endParaRPr lang="ko-KR" altLang="en-US" sz="3600">
+              <a:latin typeface="에스코어 드림 4 Regular" panose="020B0503030302020204" pitchFamily="34" charset="-127"/>
+              <a:ea typeface="에스코어 드림 4 Regular" panose="020B0503030302020204" pitchFamily="34" charset="-127"/>
+            </a:endParaRPr>
+          </a:p>
+        </p:txBody>
+      </p:sp>
+      <p:cxnSp>
+        <p:nvCxnSpPr>
+          <p:cNvPr id="47" name="직선 화살표 연결선 46">
+            <a:extLst>
+              <a:ext uri="{FF2B5EF4-FFF2-40B4-BE49-F238E27FC236}">
+                <a16:creationId xmlns:a16="http://schemas.microsoft.com/office/drawing/2014/main" id="{2A5B74CA-4C58-E887-C9F5-5AE1B30C869B}"/>
+              </a:ext>
+            </a:extLst>
+          </p:cNvPr>
+          <p:cNvCxnSpPr>
+            <a:cxnSpLocks/>
+            <a:stCxn id="10" idx="3"/>
+            <a:endCxn id="42" idx="1"/>
+          </p:cNvCxnSpPr>
+          <p:nvPr/>
+        </p:nvCxnSpPr>
+        <p:spPr>
+          <a:xfrm>
+            <a:off x="9560092" y="4577682"/>
+            <a:ext cx="5655510" cy="2326809"/>
+          </a:xfrm>
+          <a:prstGeom prst="straightConnector1">
+            <a:avLst/>
+          </a:prstGeom>
+          <a:ln w="57150">
+            <a:solidFill>
+              <a:schemeClr val="tx1"/>
+            </a:solidFill>
+            <a:tailEnd type="triangle"/>
+          </a:ln>
+        </p:spPr>
+        <p:style>
+          <a:lnRef idx="1">
+            <a:schemeClr val="accent1"/>
+          </a:lnRef>
+          <a:fillRef idx="0">
+            <a:schemeClr val="accent1"/>
+          </a:fillRef>
+          <a:effectRef idx="0">
+            <a:schemeClr val="accent1"/>
+          </a:effectRef>
+          <a:fontRef idx="minor">
+            <a:schemeClr val="tx1"/>
+          </a:fontRef>
+        </p:style>
+      </p:cxnSp>
+      <p:sp>
+        <p:nvSpPr>
+          <p:cNvPr id="52" name="순서도: 문서 51">
+            <a:extLst>
+              <a:ext uri="{FF2B5EF4-FFF2-40B4-BE49-F238E27FC236}">
+                <a16:creationId xmlns:a16="http://schemas.microsoft.com/office/drawing/2014/main" id="{54189B2A-540D-92BE-FB5D-431B793351FB}"/>
+              </a:ext>
+            </a:extLst>
+          </p:cNvPr>
+          <p:cNvSpPr/>
+          <p:nvPr/>
+        </p:nvSpPr>
+        <p:spPr>
+          <a:xfrm>
+            <a:off x="15165806" y="8795658"/>
+            <a:ext cx="5739398" cy="1727200"/>
+          </a:xfrm>
+          <a:prstGeom prst="flowChartDocument">
+            <a:avLst/>
+          </a:prstGeom>
+        </p:spPr>
+        <p:style>
+          <a:lnRef idx="2">
+            <a:schemeClr val="accent6"/>
+          </a:lnRef>
+          <a:fillRef idx="1">
+            <a:schemeClr val="lt1"/>
+          </a:fillRef>
+          <a:effectRef idx="0">
+            <a:schemeClr val="accent6"/>
+          </a:effectRef>
+          <a:fontRef idx="minor">
+            <a:schemeClr val="dk1"/>
+          </a:fontRef>
+        </p:style>
+        <p:txBody>
+          <a:bodyPr rtlCol="0" anchor="t"/>
+          <a:lstStyle/>
+          <a:p>
+            <a:pPr algn="ctr"/>
+            <a:r>
+              <a:rPr lang="en-US" altLang="ko-KR" sz="4000">
+                <a:latin typeface="에스코어 드림 4 Regular" panose="020B0503030302020204" pitchFamily="34" charset="-127"/>
+                <a:ea typeface="에스코어 드림 4 Regular" panose="020B0503030302020204" pitchFamily="34" charset="-127"/>
+              </a:rPr>
+              <a:t>include2.xsd</a:t>
+            </a:r>
+          </a:p>
+          <a:p>
+            <a:pPr algn="ctr"/>
+            <a:r>
+              <a:rPr lang="en-US" altLang="ko-KR" sz="4000"/>
+              <a:t>http://ProjectScene.org</a:t>
+            </a:r>
+          </a:p>
+        </p:txBody>
+      </p:sp>
+      <p:cxnSp>
+        <p:nvCxnSpPr>
+          <p:cNvPr id="53" name="직선 화살표 연결선 52">
+            <a:extLst>
+              <a:ext uri="{FF2B5EF4-FFF2-40B4-BE49-F238E27FC236}">
+                <a16:creationId xmlns:a16="http://schemas.microsoft.com/office/drawing/2014/main" id="{E40BA529-09E8-C0A0-E0FC-F672661B6D03}"/>
+              </a:ext>
+            </a:extLst>
+          </p:cNvPr>
+          <p:cNvCxnSpPr>
+            <a:cxnSpLocks/>
+          </p:cNvCxnSpPr>
+          <p:nvPr/>
+        </p:nvCxnSpPr>
+        <p:spPr>
+          <a:xfrm>
+            <a:off x="17988880" y="7685155"/>
+            <a:ext cx="0" cy="1139711"/>
+          </a:xfrm>
+          <a:prstGeom prst="straightConnector1">
+            <a:avLst/>
+          </a:prstGeom>
+          <a:ln w="57150">
+            <a:solidFill>
+              <a:schemeClr val="tx1"/>
+            </a:solidFill>
+            <a:tailEnd type="triangle"/>
+          </a:ln>
+        </p:spPr>
+        <p:style>
+          <a:lnRef idx="1">
+            <a:schemeClr val="accent1"/>
+          </a:lnRef>
+          <a:fillRef idx="0">
+            <a:schemeClr val="accent1"/>
+          </a:fillRef>
+          <a:effectRef idx="0">
+            <a:schemeClr val="accent1"/>
+          </a:effectRef>
+          <a:fontRef idx="minor">
+            <a:schemeClr val="tx1"/>
+          </a:fontRef>
+        </p:style>
+      </p:cxnSp>
+      <p:sp>
+        <p:nvSpPr>
+          <p:cNvPr id="54" name="TextBox 53">
+            <a:extLst>
+              <a:ext uri="{FF2B5EF4-FFF2-40B4-BE49-F238E27FC236}">
+                <a16:creationId xmlns:a16="http://schemas.microsoft.com/office/drawing/2014/main" id="{DE23889D-86FA-9D4B-05F4-500755D03A9F}"/>
+              </a:ext>
+            </a:extLst>
+          </p:cNvPr>
+          <p:cNvSpPr txBox="1"/>
+          <p:nvPr/>
+        </p:nvSpPr>
+        <p:spPr>
+          <a:xfrm>
+            <a:off x="17988880" y="7915011"/>
+            <a:ext cx="2473495" cy="646331"/>
+          </a:xfrm>
+          <a:prstGeom prst="rect">
+            <a:avLst/>
+          </a:prstGeom>
+          <a:noFill/>
+        </p:spPr>
+        <p:txBody>
+          <a:bodyPr wrap="square" rtlCol="0">
+            <a:spAutoFit/>
+          </a:bodyPr>
+          <a:lstStyle/>
+          <a:p>
+            <a:r>
+              <a:rPr lang="en-US" altLang="ko-KR" sz="3600">
+                <a:latin typeface="에스코어 드림 4 Regular" panose="020B0503030302020204" pitchFamily="34" charset="-127"/>
+                <a:ea typeface="에스코어 드림 4 Regular" panose="020B0503030302020204" pitchFamily="34" charset="-127"/>
+              </a:rPr>
+              <a:t>include</a:t>
+            </a:r>
+            <a:endParaRPr lang="ko-KR" altLang="en-US" sz="3600">
+              <a:latin typeface="에스코어 드림 4 Regular" panose="020B0503030302020204" pitchFamily="34" charset="-127"/>
+              <a:ea typeface="에스코어 드림 4 Regular" panose="020B0503030302020204" pitchFamily="34" charset="-127"/>
+            </a:endParaRPr>
+          </a:p>
+        </p:txBody>
+      </p:sp>
+      <p:sp>
+        <p:nvSpPr>
+          <p:cNvPr id="55" name="순서도: 문서 54">
+            <a:extLst>
+              <a:ext uri="{FF2B5EF4-FFF2-40B4-BE49-F238E27FC236}">
+                <a16:creationId xmlns:a16="http://schemas.microsoft.com/office/drawing/2014/main" id="{9E07AAC3-8B21-E045-BE33-183AFAF8DF4E}"/>
+              </a:ext>
+            </a:extLst>
+          </p:cNvPr>
+          <p:cNvSpPr/>
+          <p:nvPr/>
+        </p:nvSpPr>
+        <p:spPr>
+          <a:xfrm>
+            <a:off x="15215602" y="11544334"/>
+            <a:ext cx="5739398" cy="1727200"/>
+          </a:xfrm>
+          <a:prstGeom prst="flowChartDocument">
+            <a:avLst/>
+          </a:prstGeom>
+        </p:spPr>
+        <p:style>
+          <a:lnRef idx="2">
+            <a:schemeClr val="accent6"/>
+          </a:lnRef>
+          <a:fillRef idx="1">
+            <a:schemeClr val="lt1"/>
+          </a:fillRef>
+          <a:effectRef idx="0">
+            <a:schemeClr val="accent6"/>
+          </a:effectRef>
+          <a:fontRef idx="minor">
+            <a:schemeClr val="dk1"/>
+          </a:fontRef>
+        </p:style>
+        <p:txBody>
+          <a:bodyPr rtlCol="0" anchor="t"/>
+          <a:lstStyle/>
+          <a:p>
+            <a:pPr algn="ctr"/>
+            <a:r>
+              <a:rPr lang="en-US" altLang="ko-KR" sz="4000">
+                <a:latin typeface="에스코어 드림 4 Regular" panose="020B0503030302020204" pitchFamily="34" charset="-127"/>
+                <a:ea typeface="에스코어 드림 4 Regular" panose="020B0503030302020204" pitchFamily="34" charset="-127"/>
+              </a:rPr>
+              <a:t>import2.xsd</a:t>
+            </a:r>
+          </a:p>
+          <a:p>
+            <a:pPr algn="ctr"/>
+            <a:r>
+              <a:rPr lang="en-US" altLang="ko-KR" sz="4000"/>
+              <a:t>http://component.org</a:t>
+            </a:r>
+          </a:p>
+        </p:txBody>
+      </p:sp>
+      <p:cxnSp>
+        <p:nvCxnSpPr>
+          <p:cNvPr id="56" name="직선 화살표 연결선 55">
+            <a:extLst>
+              <a:ext uri="{FF2B5EF4-FFF2-40B4-BE49-F238E27FC236}">
+                <a16:creationId xmlns:a16="http://schemas.microsoft.com/office/drawing/2014/main" id="{86A77C07-AF97-1E2B-70A6-E36A6468714D}"/>
+              </a:ext>
+            </a:extLst>
+          </p:cNvPr>
+          <p:cNvCxnSpPr>
+            <a:cxnSpLocks/>
+          </p:cNvCxnSpPr>
+          <p:nvPr/>
+        </p:nvCxnSpPr>
+        <p:spPr>
+          <a:xfrm>
+            <a:off x="18038676" y="10433831"/>
+            <a:ext cx="0" cy="1139711"/>
+          </a:xfrm>
+          <a:prstGeom prst="straightConnector1">
+            <a:avLst/>
+          </a:prstGeom>
+          <a:ln w="57150">
+            <a:solidFill>
+              <a:schemeClr val="tx1"/>
+            </a:solidFill>
+            <a:tailEnd type="triangle"/>
+          </a:ln>
+        </p:spPr>
+        <p:style>
+          <a:lnRef idx="1">
+            <a:schemeClr val="accent1"/>
+          </a:lnRef>
+          <a:fillRef idx="0">
+            <a:schemeClr val="accent1"/>
+          </a:fillRef>
+          <a:effectRef idx="0">
+            <a:schemeClr val="accent1"/>
+          </a:effectRef>
+          <a:fontRef idx="minor">
+            <a:schemeClr val="tx1"/>
+          </a:fontRef>
+        </p:style>
+      </p:cxnSp>
+      <p:sp>
+        <p:nvSpPr>
+          <p:cNvPr id="57" name="TextBox 56">
+            <a:extLst>
+              <a:ext uri="{FF2B5EF4-FFF2-40B4-BE49-F238E27FC236}">
+                <a16:creationId xmlns:a16="http://schemas.microsoft.com/office/drawing/2014/main" id="{9824C2DF-1F20-4B63-6BB6-2E3CCF20F84C}"/>
+              </a:ext>
+            </a:extLst>
+          </p:cNvPr>
+          <p:cNvSpPr txBox="1"/>
+          <p:nvPr/>
+        </p:nvSpPr>
+        <p:spPr>
+          <a:xfrm>
+            <a:off x="18038676" y="10663687"/>
+            <a:ext cx="2473495" cy="646331"/>
+          </a:xfrm>
+          <a:prstGeom prst="rect">
+            <a:avLst/>
+          </a:prstGeom>
+          <a:noFill/>
+        </p:spPr>
+        <p:txBody>
+          <a:bodyPr wrap="square" rtlCol="0">
+            <a:spAutoFit/>
+          </a:bodyPr>
+          <a:lstStyle/>
+          <a:p>
+            <a:r>
+              <a:rPr lang="en-US" altLang="ko-KR" sz="3600">
+                <a:latin typeface="에스코어 드림 4 Regular" panose="020B0503030302020204" pitchFamily="34" charset="-127"/>
+                <a:ea typeface="에스코어 드림 4 Regular" panose="020B0503030302020204" pitchFamily="34" charset="-127"/>
+              </a:rPr>
+              <a:t>import</a:t>
+            </a:r>
+            <a:endParaRPr lang="ko-KR" altLang="en-US" sz="3600">
+              <a:latin typeface="에스코어 드림 4 Regular" panose="020B0503030302020204" pitchFamily="34" charset="-127"/>
+              <a:ea typeface="에스코어 드림 4 Regular" panose="020B0503030302020204" pitchFamily="34" charset="-127"/>
+            </a:endParaRPr>
+          </a:p>
+        </p:txBody>
+      </p:sp>
+      <p:cxnSp>
+        <p:nvCxnSpPr>
+          <p:cNvPr id="58" name="직선 화살표 연결선 57">
+            <a:extLst>
+              <a:ext uri="{FF2B5EF4-FFF2-40B4-BE49-F238E27FC236}">
+                <a16:creationId xmlns:a16="http://schemas.microsoft.com/office/drawing/2014/main" id="{94B7AA80-9A94-67E7-3A6B-0F7C9015109E}"/>
+              </a:ext>
+            </a:extLst>
+          </p:cNvPr>
+          <p:cNvCxnSpPr>
+            <a:cxnSpLocks/>
+            <a:stCxn id="13" idx="3"/>
+            <a:endCxn id="52" idx="1"/>
+          </p:cNvCxnSpPr>
+          <p:nvPr/>
+        </p:nvCxnSpPr>
+        <p:spPr>
+          <a:xfrm>
+            <a:off x="10364870" y="5746082"/>
+            <a:ext cx="4800936" cy="3913176"/>
+          </a:xfrm>
+          <a:prstGeom prst="straightConnector1">
+            <a:avLst/>
+          </a:prstGeom>
+          <a:ln w="57150">
+            <a:solidFill>
+              <a:schemeClr val="tx1"/>
+            </a:solidFill>
+            <a:tailEnd type="triangle"/>
+          </a:ln>
+        </p:spPr>
+        <p:style>
+          <a:lnRef idx="1">
+            <a:schemeClr val="accent1"/>
+          </a:lnRef>
+          <a:fillRef idx="0">
+            <a:schemeClr val="accent1"/>
+          </a:fillRef>
+          <a:effectRef idx="0">
+            <a:schemeClr val="accent1"/>
+          </a:effectRef>
+          <a:fontRef idx="minor">
+            <a:schemeClr val="tx1"/>
+          </a:fontRef>
+        </p:style>
+      </p:cxnSp>
+      <p:cxnSp>
+        <p:nvCxnSpPr>
+          <p:cNvPr id="63" name="직선 화살표 연결선 62">
+            <a:extLst>
+              <a:ext uri="{FF2B5EF4-FFF2-40B4-BE49-F238E27FC236}">
+                <a16:creationId xmlns:a16="http://schemas.microsoft.com/office/drawing/2014/main" id="{4A29D479-2910-524F-937E-5CC13149DFE8}"/>
+              </a:ext>
+            </a:extLst>
+          </p:cNvPr>
+          <p:cNvCxnSpPr>
+            <a:cxnSpLocks/>
+            <a:stCxn id="17" idx="3"/>
+            <a:endCxn id="52" idx="1"/>
+          </p:cNvCxnSpPr>
+          <p:nvPr/>
+        </p:nvCxnSpPr>
+        <p:spPr>
+          <a:xfrm flipV="1">
+            <a:off x="9067800" y="9659258"/>
+            <a:ext cx="6098006" cy="239056"/>
+          </a:xfrm>
+          <a:prstGeom prst="straightConnector1">
+            <a:avLst/>
+          </a:prstGeom>
+          <a:ln w="57150">
+            <a:solidFill>
+              <a:schemeClr val="tx1"/>
+            </a:solidFill>
+            <a:tailEnd type="triangle"/>
+          </a:ln>
+        </p:spPr>
+        <p:style>
+          <a:lnRef idx="1">
+            <a:schemeClr val="accent1"/>
+          </a:lnRef>
+          <a:fillRef idx="0">
+            <a:schemeClr val="accent1"/>
+          </a:fillRef>
+          <a:effectRef idx="0">
+            <a:schemeClr val="accent1"/>
+          </a:effectRef>
+          <a:fontRef idx="minor">
+            <a:schemeClr val="tx1"/>
+          </a:fontRef>
+        </p:style>
+      </p:cxnSp>
+      <p:cxnSp>
+        <p:nvCxnSpPr>
+          <p:cNvPr id="69" name="직선 화살표 연결선 68">
+            <a:extLst>
+              <a:ext uri="{FF2B5EF4-FFF2-40B4-BE49-F238E27FC236}">
+                <a16:creationId xmlns:a16="http://schemas.microsoft.com/office/drawing/2014/main" id="{4533C37B-EB0B-37E9-0784-847A5931CE66}"/>
+              </a:ext>
+            </a:extLst>
+          </p:cNvPr>
+          <p:cNvCxnSpPr>
+            <a:cxnSpLocks/>
+            <a:stCxn id="21" idx="3"/>
+            <a:endCxn id="55" idx="1"/>
+          </p:cNvCxnSpPr>
+          <p:nvPr/>
+        </p:nvCxnSpPr>
+        <p:spPr>
+          <a:xfrm>
+            <a:off x="9067801" y="10881930"/>
+            <a:ext cx="6147801" cy="1526004"/>
+          </a:xfrm>
+          <a:prstGeom prst="straightConnector1">
+            <a:avLst/>
+          </a:prstGeom>
+          <a:ln w="57150">
+            <a:solidFill>
+              <a:schemeClr val="tx1"/>
+            </a:solidFill>
+            <a:tailEnd type="triangle"/>
+          </a:ln>
+        </p:spPr>
+        <p:style>
+          <a:lnRef idx="1">
+            <a:schemeClr val="accent1"/>
+          </a:lnRef>
+          <a:fillRef idx="0">
+            <a:schemeClr val="accent1"/>
+          </a:fillRef>
+          <a:effectRef idx="0">
+            <a:schemeClr val="accent1"/>
+          </a:effectRef>
+          <a:fontRef idx="minor">
+            <a:schemeClr val="tx1"/>
+          </a:fontRef>
+        </p:style>
+      </p:cxnSp>
+    </p:spTree>
+    <p:extLst>
+      <p:ext uri="{BB962C8B-B14F-4D97-AF65-F5344CB8AC3E}">
+        <p14:creationId xmlns:p14="http://schemas.microsoft.com/office/powerpoint/2010/main" val="2180621316"/>
+      </p:ext>
+    </p:extLst>
+  </p:cSld>
+  <p:clrMapOvr>
+    <a:masterClrMapping/>
+  </p:clrMapOvr>
+</p:sld>
+</file>
+
+<file path=ppt/slides/slide18.xml><?xml version="1.0" encoding="utf-8"?>
+<p:sld xmlns:a="http://schemas.openxmlformats.org/drawingml/2006/main" xmlns:r="http://schemas.openxmlformats.org/officeDocument/2006/relationships" xmlns:p="http://schemas.openxmlformats.org/presentationml/2006/main">
+  <p:cSld>
+    <p:bg>
+      <p:bgPr>
+        <a:solidFill>
+          <a:srgbClr val="FFFFFF"/>
+        </a:solidFill>
+        <a:effectLst/>
+      </p:bgPr>
+    </p:bg>
+    <p:spTree>
+      <p:nvGrpSpPr>
+        <p:cNvPr id="1" name="">
+          <a:extLst>
+            <a:ext uri="{FF2B5EF4-FFF2-40B4-BE49-F238E27FC236}">
+              <a16:creationId xmlns:a16="http://schemas.microsoft.com/office/drawing/2014/main" id="{7ED5B233-CADD-253D-6E38-BE7AC40B8F3B}"/>
+            </a:ext>
+          </a:extLst>
+        </p:cNvPr>
+        <p:cNvGrpSpPr/>
+        <p:nvPr/>
+      </p:nvGrpSpPr>
+      <p:grpSpPr>
+        <a:xfrm>
+          <a:off x="0" y="0"/>
+          <a:ext cx="0" cy="0"/>
+          <a:chOff x="0" y="0"/>
+          <a:chExt cx="0" cy="0"/>
+        </a:xfrm>
+      </p:grpSpPr>
+      <p:pic>
+        <p:nvPicPr>
+          <p:cNvPr id="2" name="Picture 2">
+            <a:extLst>
+              <a:ext uri="{FF2B5EF4-FFF2-40B4-BE49-F238E27FC236}">
+                <a16:creationId xmlns:a16="http://schemas.microsoft.com/office/drawing/2014/main" id="{880CF00B-4276-E847-2C7F-FB9107E95029}"/>
+              </a:ext>
+            </a:extLst>
+          </p:cNvPr>
+          <p:cNvPicPr>
+            <a:picLocks noChangeAspect="1"/>
+          </p:cNvPicPr>
+          <p:nvPr/>
+        </p:nvPicPr>
+        <p:blipFill>
+          <a:blip r:embed="rId2"/>
+          <a:stretch>
+            <a:fillRect/>
+          </a:stretch>
+        </p:blipFill>
+        <p:spPr>
+          <a:xfrm>
+            <a:off x="-228600" y="-228600"/>
+            <a:ext cx="6997700" cy="4064000"/>
+          </a:xfrm>
+          <a:prstGeom prst="rect">
+            <a:avLst/>
+          </a:prstGeom>
+        </p:spPr>
+      </p:pic>
+      <p:pic>
+        <p:nvPicPr>
+          <p:cNvPr id="3" name="Picture 3">
+            <a:extLst>
+              <a:ext uri="{FF2B5EF4-FFF2-40B4-BE49-F238E27FC236}">
+                <a16:creationId xmlns:a16="http://schemas.microsoft.com/office/drawing/2014/main" id="{50FDD85F-5979-D84B-53EE-CBCC6460A725}"/>
+              </a:ext>
+            </a:extLst>
+          </p:cNvPr>
+          <p:cNvPicPr>
+            <a:picLocks noChangeAspect="1"/>
+          </p:cNvPicPr>
+          <p:nvPr/>
+        </p:nvPicPr>
+        <p:blipFill>
+          <a:blip r:embed="rId3"/>
+          <a:stretch>
+            <a:fillRect/>
+          </a:stretch>
+        </p:blipFill>
+        <p:spPr>
+          <a:xfrm>
+            <a:off x="1333500" y="990600"/>
+            <a:ext cx="21704300" cy="12700"/>
+          </a:xfrm>
+          <a:prstGeom prst="rect">
+            <a:avLst/>
+          </a:prstGeom>
+        </p:spPr>
+      </p:pic>
+      <p:sp>
+        <p:nvSpPr>
+          <p:cNvPr id="9" name="TextBox 9">
+            <a:extLst>
+              <a:ext uri="{FF2B5EF4-FFF2-40B4-BE49-F238E27FC236}">
+                <a16:creationId xmlns:a16="http://schemas.microsoft.com/office/drawing/2014/main" id="{63B70B94-CD1D-E80B-56A8-CBAAE5C0941B}"/>
+              </a:ext>
+            </a:extLst>
+          </p:cNvPr>
+          <p:cNvSpPr txBox="1"/>
+          <p:nvPr/>
+        </p:nvSpPr>
+        <p:spPr>
+          <a:xfrm>
+            <a:off x="533400" y="990600"/>
+            <a:ext cx="4267200" cy="977900"/>
+          </a:xfrm>
+          <a:prstGeom prst="rect">
+            <a:avLst/>
+          </a:prstGeom>
+        </p:spPr>
+        <p:txBody>
+          <a:bodyPr lIns="0" tIns="266700" rIns="0" bIns="0" rtlCol="0" anchor="t"/>
+          <a:lstStyle/>
+          <a:p>
+            <a:pPr lvl="0" algn="l">
+              <a:lnSpc>
+                <a:spcPct val="87149"/>
+              </a:lnSpc>
+            </a:pPr>
+            <a:r>
+              <a:rPr lang="en-US" sz="4800" b="0" i="0" u="none" strike="noStrike" spc="-240">
+                <a:solidFill>
+                  <a:srgbClr val="000000"/>
+                </a:solidFill>
+                <a:latin typeface="에스코어 드림 5 Medium" panose="020B0503030302020204" pitchFamily="34" charset="-127"/>
+                <a:ea typeface="에스코어 드림 5 Medium" panose="020B0503030302020204" pitchFamily="34" charset="-127"/>
+              </a:rPr>
+              <a:t>8. XSD </a:t>
+            </a:r>
+            <a:r>
+              <a:rPr lang="ko-KR" altLang="en-US" sz="4800" b="0" i="0" u="none" strike="noStrike" spc="-240">
+                <a:solidFill>
+                  <a:srgbClr val="000000"/>
+                </a:solidFill>
+                <a:latin typeface="에스코어 드림 5 Medium" panose="020B0503030302020204" pitchFamily="34" charset="-127"/>
+                <a:ea typeface="에스코어 드림 5 Medium" panose="020B0503030302020204" pitchFamily="34" charset="-127"/>
+              </a:rPr>
+              <a:t>구조도</a:t>
+            </a:r>
+            <a:endParaRPr lang="en" sz="4800" b="0" i="0" u="none" strike="noStrike" spc="-240">
+              <a:solidFill>
+                <a:srgbClr val="000000"/>
+              </a:solidFill>
+              <a:latin typeface="에스코어 드림 5 Medium" panose="020B0503030302020204" pitchFamily="34" charset="-127"/>
+              <a:ea typeface="에스코어 드림 5 Medium" panose="020B0503030302020204" pitchFamily="34" charset="-127"/>
+            </a:endParaRPr>
+          </a:p>
+        </p:txBody>
+      </p:sp>
+      <p:sp>
+        <p:nvSpPr>
+          <p:cNvPr id="23" name="TextBox 23">
+            <a:extLst>
+              <a:ext uri="{FF2B5EF4-FFF2-40B4-BE49-F238E27FC236}">
+                <a16:creationId xmlns:a16="http://schemas.microsoft.com/office/drawing/2014/main" id="{B6D471A8-B05F-0A78-7008-8FFCA9E703AB}"/>
+              </a:ext>
+            </a:extLst>
+          </p:cNvPr>
+          <p:cNvSpPr txBox="1"/>
+          <p:nvPr/>
+        </p:nvSpPr>
+        <p:spPr>
+          <a:xfrm>
+            <a:off x="1346200" y="622300"/>
+            <a:ext cx="3213100" cy="266700"/>
+          </a:xfrm>
+          <a:prstGeom prst="rect">
+            <a:avLst/>
+          </a:prstGeom>
+        </p:spPr>
+        <p:txBody>
+          <a:bodyPr rtlCol="0" anchor="ctr"/>
+          <a:lstStyle/>
+          <a:p>
+            <a:pPr lvl="0" algn="l">
+              <a:lnSpc>
+                <a:spcPct val="124499"/>
+              </a:lnSpc>
+            </a:pPr>
+            <a:r>
+              <a:rPr lang="en" sz="1466" b="0" i="0" u="none" strike="noStrike">
+                <a:solidFill>
+                  <a:srgbClr val="595959"/>
+                </a:solidFill>
+                <a:latin typeface="S-Core Dream 3 Light"/>
+              </a:rPr>
+              <a:t>Investor Relations Deck</a:t>
+            </a:r>
+          </a:p>
+        </p:txBody>
+      </p:sp>
+      <p:sp>
+        <p:nvSpPr>
+          <p:cNvPr id="4" name="TextBox 17">
+            <a:extLst>
+              <a:ext uri="{FF2B5EF4-FFF2-40B4-BE49-F238E27FC236}">
+                <a16:creationId xmlns:a16="http://schemas.microsoft.com/office/drawing/2014/main" id="{7686FF05-036F-BD9C-7EF6-EA2AB567043D}"/>
+              </a:ext>
+            </a:extLst>
+          </p:cNvPr>
+          <p:cNvSpPr txBox="1"/>
+          <p:nvPr/>
+        </p:nvSpPr>
+        <p:spPr>
+          <a:xfrm>
+            <a:off x="3846429" y="1156034"/>
+            <a:ext cx="5041900" cy="552450"/>
+          </a:xfrm>
+          <a:prstGeom prst="rect">
+            <a:avLst/>
+          </a:prstGeom>
+        </p:spPr>
+        <p:txBody>
+          <a:bodyPr lIns="0" tIns="170376" rIns="0" bIns="0" rtlCol="0" anchor="t"/>
+          <a:lstStyle/>
+          <a:p>
+            <a:pPr lvl="0">
+              <a:lnSpc>
+                <a:spcPct val="99600"/>
+              </a:lnSpc>
+            </a:pPr>
+            <a:endParaRPr lang="en" sz="3600" b="0" i="0" u="none" strike="noStrike" spc="-134">
+              <a:solidFill>
+                <a:srgbClr val="000000"/>
+              </a:solidFill>
+              <a:latin typeface="에스코어 드림 3 Light" panose="020B0303030302020204" pitchFamily="34" charset="-127"/>
+              <a:ea typeface="에스코어 드림 3 Light" panose="020B0303030302020204" pitchFamily="34" charset="-127"/>
+            </a:endParaRPr>
+          </a:p>
+        </p:txBody>
+      </p:sp>
+      <p:sp>
+        <p:nvSpPr>
+          <p:cNvPr id="10" name="TextBox 9">
+            <a:extLst>
+              <a:ext uri="{FF2B5EF4-FFF2-40B4-BE49-F238E27FC236}">
+                <a16:creationId xmlns:a16="http://schemas.microsoft.com/office/drawing/2014/main" id="{C05FC203-BC11-5E67-BA34-ADCB5F0061F7}"/>
+              </a:ext>
+            </a:extLst>
+          </p:cNvPr>
+          <p:cNvSpPr txBox="1"/>
+          <p:nvPr/>
+        </p:nvSpPr>
+        <p:spPr>
+          <a:xfrm>
+            <a:off x="4233779" y="1219534"/>
+            <a:ext cx="4267200" cy="977900"/>
+          </a:xfrm>
+          <a:prstGeom prst="rect">
+            <a:avLst/>
+          </a:prstGeom>
+        </p:spPr>
+        <p:txBody>
+          <a:bodyPr lIns="0" tIns="266700" rIns="0" bIns="0" rtlCol="0" anchor="t"/>
+          <a:lstStyle/>
+          <a:p>
+            <a:pPr lvl="0" algn="l">
+              <a:lnSpc>
+                <a:spcPct val="87149"/>
+              </a:lnSpc>
+            </a:pPr>
+            <a:r>
+              <a:rPr lang="en" sz="2800" b="0" i="0" u="none" strike="noStrike" spc="-240">
+                <a:solidFill>
+                  <a:srgbClr val="000000"/>
+                </a:solidFill>
+                <a:latin typeface="에스코어 드림 5 Medium" panose="020B0503030302020204" pitchFamily="34" charset="-127"/>
+                <a:ea typeface="에스코어 드림 5 Medium" panose="020B0503030302020204" pitchFamily="34" charset="-127"/>
+              </a:rPr>
+              <a:t>XML </a:t>
+            </a:r>
+            <a:r>
+              <a:rPr lang="ko-KR" altLang="en-US" sz="2800" b="0" i="0" u="none" strike="noStrike" spc="-240">
+                <a:solidFill>
+                  <a:srgbClr val="000000"/>
+                </a:solidFill>
+                <a:latin typeface="에스코어 드림 5 Medium" panose="020B0503030302020204" pitchFamily="34" charset="-127"/>
+                <a:ea typeface="에스코어 드림 5 Medium" panose="020B0503030302020204" pitchFamily="34" charset="-127"/>
+              </a:rPr>
+              <a:t>문서</a:t>
+            </a:r>
+            <a:endParaRPr lang="en" sz="2800" b="0" i="0" u="none" strike="noStrike" spc="-240">
+              <a:solidFill>
+                <a:srgbClr val="000000"/>
+              </a:solidFill>
+              <a:latin typeface="에스코어 드림 5 Medium" panose="020B0503030302020204" pitchFamily="34" charset="-127"/>
+              <a:ea typeface="에스코어 드림 5 Medium" panose="020B0503030302020204" pitchFamily="34" charset="-127"/>
+            </a:endParaRPr>
+          </a:p>
+        </p:txBody>
+      </p:sp>
+      <p:pic>
+        <p:nvPicPr>
+          <p:cNvPr id="8" name="그림 7">
+            <a:extLst>
+              <a:ext uri="{FF2B5EF4-FFF2-40B4-BE49-F238E27FC236}">
+                <a16:creationId xmlns:a16="http://schemas.microsoft.com/office/drawing/2014/main" id="{9960D153-A638-AE59-6F15-C1F8B8953D25}"/>
+              </a:ext>
+            </a:extLst>
+          </p:cNvPr>
+          <p:cNvPicPr>
+            <a:picLocks noChangeAspect="1"/>
+          </p:cNvPicPr>
+          <p:nvPr/>
+        </p:nvPicPr>
+        <p:blipFill>
+          <a:blip r:embed="rId4"/>
+          <a:stretch>
+            <a:fillRect/>
+          </a:stretch>
+        </p:blipFill>
+        <p:spPr>
+          <a:xfrm>
+            <a:off x="2627465" y="3207753"/>
+            <a:ext cx="19116370" cy="4383191"/>
+          </a:xfrm>
+          <a:prstGeom prst="rect">
+            <a:avLst/>
+          </a:prstGeom>
+        </p:spPr>
+      </p:pic>
+      <p:sp>
+        <p:nvSpPr>
+          <p:cNvPr id="11" name="TextBox 10">
+            <a:extLst>
+              <a:ext uri="{FF2B5EF4-FFF2-40B4-BE49-F238E27FC236}">
+                <a16:creationId xmlns:a16="http://schemas.microsoft.com/office/drawing/2014/main" id="{02EE98FA-666E-BB68-794D-CF8DD51C6B9D}"/>
+              </a:ext>
+            </a:extLst>
+          </p:cNvPr>
+          <p:cNvSpPr txBox="1"/>
+          <p:nvPr/>
+        </p:nvSpPr>
+        <p:spPr>
+          <a:xfrm>
+            <a:off x="2687053" y="9307918"/>
+            <a:ext cx="19116370" cy="1200329"/>
+          </a:xfrm>
+          <a:prstGeom prst="rect">
+            <a:avLst/>
+          </a:prstGeom>
+          <a:noFill/>
+        </p:spPr>
+        <p:txBody>
+          <a:bodyPr wrap="square" rtlCol="0">
+            <a:spAutoFit/>
+          </a:bodyPr>
+          <a:lstStyle/>
+          <a:p>
+            <a:r>
+              <a:rPr lang="en-US" altLang="ko-KR" sz="3600">
+                <a:latin typeface="에스코어 드림 4 Regular" panose="020B0503030302020204" pitchFamily="34" charset="-127"/>
+                <a:ea typeface="에스코어 드림 4 Regular" panose="020B0503030302020204" pitchFamily="34" charset="-127"/>
+              </a:rPr>
+              <a:t>namespae</a:t>
+            </a:r>
+            <a:r>
+              <a:rPr lang="ko-KR" altLang="en-US" sz="3600">
+                <a:latin typeface="에스코어 드림 4 Regular" panose="020B0503030302020204" pitchFamily="34" charset="-127"/>
+                <a:ea typeface="에스코어 드림 4 Regular" panose="020B0503030302020204" pitchFamily="34" charset="-127"/>
+              </a:rPr>
+              <a:t> 정의</a:t>
+            </a:r>
+            <a:endParaRPr lang="en-US" altLang="ko-KR" sz="3600">
+              <a:latin typeface="에스코어 드림 4 Regular" panose="020B0503030302020204" pitchFamily="34" charset="-127"/>
+              <a:ea typeface="에스코어 드림 4 Regular" panose="020B0503030302020204" pitchFamily="34" charset="-127"/>
+            </a:endParaRPr>
+          </a:p>
+          <a:p>
+            <a:pPr marL="571500" indent="-571500">
+              <a:buFontTx/>
+              <a:buChar char="-"/>
+            </a:pPr>
+            <a:r>
+              <a:rPr lang="en-US" altLang="ko-KR" sz="3600">
+                <a:latin typeface="에스코어 드림 4 Regular" panose="020B0503030302020204" pitchFamily="34" charset="-127"/>
+                <a:ea typeface="에스코어 드림 4 Regular" panose="020B0503030302020204" pitchFamily="34" charset="-127"/>
+              </a:rPr>
+              <a:t>default Namespace: “http://ProjectScene.org”</a:t>
+            </a:r>
+          </a:p>
+        </p:txBody>
+      </p:sp>
+    </p:spTree>
+    <p:extLst>
+      <p:ext uri="{BB962C8B-B14F-4D97-AF65-F5344CB8AC3E}">
+        <p14:creationId xmlns:p14="http://schemas.microsoft.com/office/powerpoint/2010/main" val="2574603845"/>
+      </p:ext>
+    </p:extLst>
+  </p:cSld>
+  <p:clrMapOvr>
+    <a:masterClrMapping/>
+  </p:clrMapOvr>
+</p:sld>
+</file>
+
+<file path=ppt/slides/slide19.xml><?xml version="1.0" encoding="utf-8"?>
+<p:sld xmlns:a="http://schemas.openxmlformats.org/drawingml/2006/main" xmlns:r="http://schemas.openxmlformats.org/officeDocument/2006/relationships" xmlns:p="http://schemas.openxmlformats.org/presentationml/2006/main">
+  <p:cSld>
+    <p:bg>
+      <p:bgPr>
+        <a:solidFill>
+          <a:srgbClr val="FFFFFF"/>
+        </a:solidFill>
+        <a:effectLst/>
+      </p:bgPr>
+    </p:bg>
+    <p:spTree>
+      <p:nvGrpSpPr>
+        <p:cNvPr id="1" name="">
+          <a:extLst>
+            <a:ext uri="{FF2B5EF4-FFF2-40B4-BE49-F238E27FC236}">
+              <a16:creationId xmlns:a16="http://schemas.microsoft.com/office/drawing/2014/main" id="{C3A57F30-D0BC-65B1-69C7-81D43D8134E5}"/>
+            </a:ext>
+          </a:extLst>
+        </p:cNvPr>
+        <p:cNvGrpSpPr/>
+        <p:nvPr/>
+      </p:nvGrpSpPr>
+      <p:grpSpPr>
+        <a:xfrm>
+          <a:off x="0" y="0"/>
+          <a:ext cx="0" cy="0"/>
+          <a:chOff x="0" y="0"/>
+          <a:chExt cx="0" cy="0"/>
+        </a:xfrm>
+      </p:grpSpPr>
+      <p:pic>
+        <p:nvPicPr>
+          <p:cNvPr id="2" name="Picture 2">
+            <a:extLst>
+              <a:ext uri="{FF2B5EF4-FFF2-40B4-BE49-F238E27FC236}">
+                <a16:creationId xmlns:a16="http://schemas.microsoft.com/office/drawing/2014/main" id="{D523E072-78D7-3920-6520-D58D8A0BC535}"/>
+              </a:ext>
+            </a:extLst>
+          </p:cNvPr>
+          <p:cNvPicPr>
+            <a:picLocks noChangeAspect="1"/>
+          </p:cNvPicPr>
+          <p:nvPr/>
+        </p:nvPicPr>
+        <p:blipFill>
+          <a:blip r:embed="rId2"/>
+          <a:stretch>
+            <a:fillRect/>
+          </a:stretch>
+        </p:blipFill>
+        <p:spPr>
+          <a:xfrm>
+            <a:off x="-228600" y="-228600"/>
+            <a:ext cx="6997700" cy="4064000"/>
+          </a:xfrm>
+          <a:prstGeom prst="rect">
+            <a:avLst/>
+          </a:prstGeom>
+        </p:spPr>
+      </p:pic>
+      <p:pic>
+        <p:nvPicPr>
+          <p:cNvPr id="3" name="Picture 3">
+            <a:extLst>
+              <a:ext uri="{FF2B5EF4-FFF2-40B4-BE49-F238E27FC236}">
+                <a16:creationId xmlns:a16="http://schemas.microsoft.com/office/drawing/2014/main" id="{A0092C27-E888-D48D-DF6B-33472B90BBE5}"/>
+              </a:ext>
+            </a:extLst>
+          </p:cNvPr>
+          <p:cNvPicPr>
+            <a:picLocks noChangeAspect="1"/>
+          </p:cNvPicPr>
+          <p:nvPr/>
+        </p:nvPicPr>
+        <p:blipFill>
+          <a:blip r:embed="rId3"/>
+          <a:stretch>
+            <a:fillRect/>
+          </a:stretch>
+        </p:blipFill>
+        <p:spPr>
+          <a:xfrm>
+            <a:off x="1333500" y="990600"/>
+            <a:ext cx="21704300" cy="12700"/>
+          </a:xfrm>
+          <a:prstGeom prst="rect">
+            <a:avLst/>
+          </a:prstGeom>
+        </p:spPr>
+      </p:pic>
+      <p:sp>
+        <p:nvSpPr>
+          <p:cNvPr id="9" name="TextBox 9">
+            <a:extLst>
+              <a:ext uri="{FF2B5EF4-FFF2-40B4-BE49-F238E27FC236}">
+                <a16:creationId xmlns:a16="http://schemas.microsoft.com/office/drawing/2014/main" id="{E709A4D7-F14C-D6B6-BE28-9AD238E2473E}"/>
+              </a:ext>
+            </a:extLst>
+          </p:cNvPr>
+          <p:cNvSpPr txBox="1"/>
+          <p:nvPr/>
+        </p:nvSpPr>
+        <p:spPr>
+          <a:xfrm>
+            <a:off x="533400" y="990600"/>
+            <a:ext cx="4267200" cy="977900"/>
+          </a:xfrm>
+          <a:prstGeom prst="rect">
+            <a:avLst/>
+          </a:prstGeom>
+        </p:spPr>
+        <p:txBody>
+          <a:bodyPr lIns="0" tIns="266700" rIns="0" bIns="0" rtlCol="0" anchor="t"/>
+          <a:lstStyle/>
+          <a:p>
+            <a:pPr lvl="0" algn="l">
+              <a:lnSpc>
+                <a:spcPct val="87149"/>
+              </a:lnSpc>
+            </a:pPr>
+            <a:r>
+              <a:rPr lang="en-US" sz="4800" b="0" i="0" u="none" strike="noStrike" spc="-240">
+                <a:solidFill>
+                  <a:srgbClr val="000000"/>
+                </a:solidFill>
+                <a:latin typeface="에스코어 드림 5 Medium" panose="020B0503030302020204" pitchFamily="34" charset="-127"/>
+                <a:ea typeface="에스코어 드림 5 Medium" panose="020B0503030302020204" pitchFamily="34" charset="-127"/>
+              </a:rPr>
+              <a:t>8. XSD </a:t>
+            </a:r>
+            <a:r>
+              <a:rPr lang="ko-KR" altLang="en-US" sz="4800" b="0" i="0" u="none" strike="noStrike" spc="-240">
+                <a:solidFill>
+                  <a:srgbClr val="000000"/>
+                </a:solidFill>
+                <a:latin typeface="에스코어 드림 5 Medium" panose="020B0503030302020204" pitchFamily="34" charset="-127"/>
+                <a:ea typeface="에스코어 드림 5 Medium" panose="020B0503030302020204" pitchFamily="34" charset="-127"/>
+              </a:rPr>
+              <a:t>구조도</a:t>
+            </a:r>
+            <a:endParaRPr lang="en" sz="4800" b="0" i="0" u="none" strike="noStrike" spc="-240">
+              <a:solidFill>
+                <a:srgbClr val="000000"/>
+              </a:solidFill>
+              <a:latin typeface="에스코어 드림 5 Medium" panose="020B0503030302020204" pitchFamily="34" charset="-127"/>
+              <a:ea typeface="에스코어 드림 5 Medium" panose="020B0503030302020204" pitchFamily="34" charset="-127"/>
+            </a:endParaRPr>
+          </a:p>
+        </p:txBody>
+      </p:sp>
+      <p:sp>
+        <p:nvSpPr>
+          <p:cNvPr id="23" name="TextBox 23">
+            <a:extLst>
+              <a:ext uri="{FF2B5EF4-FFF2-40B4-BE49-F238E27FC236}">
+                <a16:creationId xmlns:a16="http://schemas.microsoft.com/office/drawing/2014/main" id="{C3936D47-6EC8-C730-CE6A-B6E6B1400489}"/>
+              </a:ext>
+            </a:extLst>
+          </p:cNvPr>
+          <p:cNvSpPr txBox="1"/>
+          <p:nvPr/>
+        </p:nvSpPr>
+        <p:spPr>
+          <a:xfrm>
+            <a:off x="1346200" y="622300"/>
+            <a:ext cx="3213100" cy="266700"/>
+          </a:xfrm>
+          <a:prstGeom prst="rect">
+            <a:avLst/>
+          </a:prstGeom>
+        </p:spPr>
+        <p:txBody>
+          <a:bodyPr rtlCol="0" anchor="ctr"/>
+          <a:lstStyle/>
+          <a:p>
+            <a:pPr lvl="0" algn="l">
+              <a:lnSpc>
+                <a:spcPct val="124499"/>
+              </a:lnSpc>
+            </a:pPr>
+            <a:r>
+              <a:rPr lang="en" sz="1466" b="0" i="0" u="none" strike="noStrike">
+                <a:solidFill>
+                  <a:srgbClr val="595959"/>
+                </a:solidFill>
+                <a:latin typeface="S-Core Dream 3 Light"/>
+              </a:rPr>
+              <a:t>Investor Relations Deck</a:t>
+            </a:r>
+          </a:p>
+        </p:txBody>
+      </p:sp>
+      <p:sp>
+        <p:nvSpPr>
+          <p:cNvPr id="4" name="TextBox 17">
+            <a:extLst>
+              <a:ext uri="{FF2B5EF4-FFF2-40B4-BE49-F238E27FC236}">
+                <a16:creationId xmlns:a16="http://schemas.microsoft.com/office/drawing/2014/main" id="{B4115082-A962-DDA5-883B-5DA493275342}"/>
+              </a:ext>
+            </a:extLst>
+          </p:cNvPr>
+          <p:cNvSpPr txBox="1"/>
+          <p:nvPr/>
+        </p:nvSpPr>
+        <p:spPr>
+          <a:xfrm>
+            <a:off x="3846429" y="1156034"/>
+            <a:ext cx="5041900" cy="552450"/>
+          </a:xfrm>
+          <a:prstGeom prst="rect">
+            <a:avLst/>
+          </a:prstGeom>
+        </p:spPr>
+        <p:txBody>
+          <a:bodyPr lIns="0" tIns="170376" rIns="0" bIns="0" rtlCol="0" anchor="t"/>
+          <a:lstStyle/>
+          <a:p>
+            <a:pPr lvl="0">
+              <a:lnSpc>
+                <a:spcPct val="99600"/>
+              </a:lnSpc>
+            </a:pPr>
+            <a:endParaRPr lang="en" sz="3600" b="0" i="0" u="none" strike="noStrike" spc="-134">
+              <a:solidFill>
+                <a:srgbClr val="000000"/>
+              </a:solidFill>
+              <a:latin typeface="에스코어 드림 3 Light" panose="020B0303030302020204" pitchFamily="34" charset="-127"/>
+              <a:ea typeface="에스코어 드림 3 Light" panose="020B0303030302020204" pitchFamily="34" charset="-127"/>
+            </a:endParaRPr>
+          </a:p>
+        </p:txBody>
+      </p:sp>
+      <p:sp>
+        <p:nvSpPr>
+          <p:cNvPr id="10" name="TextBox 9">
+            <a:extLst>
+              <a:ext uri="{FF2B5EF4-FFF2-40B4-BE49-F238E27FC236}">
+                <a16:creationId xmlns:a16="http://schemas.microsoft.com/office/drawing/2014/main" id="{E4A0C660-C5C5-35B2-90D7-A9A06DC62A44}"/>
+              </a:ext>
+            </a:extLst>
+          </p:cNvPr>
+          <p:cNvSpPr txBox="1"/>
+          <p:nvPr/>
+        </p:nvSpPr>
+        <p:spPr>
+          <a:xfrm>
+            <a:off x="4233779" y="1219534"/>
+            <a:ext cx="4267200" cy="977900"/>
+          </a:xfrm>
+          <a:prstGeom prst="rect">
+            <a:avLst/>
+          </a:prstGeom>
+        </p:spPr>
+        <p:txBody>
+          <a:bodyPr lIns="0" tIns="266700" rIns="0" bIns="0" rtlCol="0" anchor="t"/>
+          <a:lstStyle/>
+          <a:p>
+            <a:pPr lvl="0" algn="l">
+              <a:lnSpc>
+                <a:spcPct val="87149"/>
+              </a:lnSpc>
+            </a:pPr>
+            <a:r>
+              <a:rPr lang="en-US" sz="2800" b="0" i="0" u="none" strike="noStrike" spc="-240">
+                <a:solidFill>
+                  <a:srgbClr val="000000"/>
+                </a:solidFill>
+                <a:latin typeface="에스코어 드림 5 Medium" panose="020B0503030302020204" pitchFamily="34" charset="-127"/>
+                <a:ea typeface="에스코어 드림 5 Medium" panose="020B0503030302020204" pitchFamily="34" charset="-127"/>
+              </a:rPr>
+              <a:t>import1.xsd</a:t>
+            </a:r>
+            <a:endParaRPr lang="en" sz="2800" b="0" i="0" u="none" strike="noStrike" spc="-240">
+              <a:solidFill>
+                <a:srgbClr val="000000"/>
+              </a:solidFill>
+              <a:latin typeface="에스코어 드림 5 Medium" panose="020B0503030302020204" pitchFamily="34" charset="-127"/>
+              <a:ea typeface="에스코어 드림 5 Medium" panose="020B0503030302020204" pitchFamily="34" charset="-127"/>
+            </a:endParaRPr>
+          </a:p>
+        </p:txBody>
+      </p:sp>
+      <p:sp>
+        <p:nvSpPr>
+          <p:cNvPr id="11" name="TextBox 10">
+            <a:extLst>
+              <a:ext uri="{FF2B5EF4-FFF2-40B4-BE49-F238E27FC236}">
+                <a16:creationId xmlns:a16="http://schemas.microsoft.com/office/drawing/2014/main" id="{9094FBE7-9904-756E-EAF1-13222FAFD4DD}"/>
+              </a:ext>
+            </a:extLst>
+          </p:cNvPr>
+          <p:cNvSpPr txBox="1"/>
+          <p:nvPr/>
+        </p:nvSpPr>
+        <p:spPr>
+          <a:xfrm>
+            <a:off x="2209800" y="9067800"/>
+            <a:ext cx="19116370" cy="5078313"/>
+          </a:xfrm>
+          <a:prstGeom prst="rect">
+            <a:avLst/>
+          </a:prstGeom>
+          <a:noFill/>
+        </p:spPr>
+        <p:txBody>
+          <a:bodyPr wrap="square" rtlCol="0">
+            <a:spAutoFit/>
+          </a:bodyPr>
+          <a:lstStyle/>
+          <a:p>
+            <a:r>
+              <a:rPr lang="en-US" altLang="ko-KR" sz="3600">
+                <a:latin typeface="에스코어 드림 4 Regular" panose="020B0503030302020204" pitchFamily="34" charset="-127"/>
+                <a:ea typeface="에스코어 드림 4 Regular" panose="020B0503030302020204" pitchFamily="34" charset="-127"/>
+              </a:rPr>
+              <a:t>namespae</a:t>
+            </a:r>
+            <a:r>
+              <a:rPr lang="ko-KR" altLang="en-US" sz="3600">
+                <a:latin typeface="에스코어 드림 4 Regular" panose="020B0503030302020204" pitchFamily="34" charset="-127"/>
+                <a:ea typeface="에스코어 드림 4 Regular" panose="020B0503030302020204" pitchFamily="34" charset="-127"/>
+              </a:rPr>
+              <a:t> 정의</a:t>
+            </a:r>
+            <a:endParaRPr lang="en-US" altLang="ko-KR" sz="3600">
+              <a:latin typeface="에스코어 드림 4 Regular" panose="020B0503030302020204" pitchFamily="34" charset="-127"/>
+              <a:ea typeface="에스코어 드림 4 Regular" panose="020B0503030302020204" pitchFamily="34" charset="-127"/>
+            </a:endParaRPr>
+          </a:p>
+          <a:p>
+            <a:pPr marL="571500" indent="-571500">
+              <a:buFontTx/>
+              <a:buChar char="-"/>
+            </a:pPr>
+            <a:r>
+              <a:rPr lang="en-US" altLang="ko-KR" sz="3600">
+                <a:latin typeface="에스코어 드림 4 Regular" panose="020B0503030302020204" pitchFamily="34" charset="-127"/>
+                <a:ea typeface="에스코어 드림 4 Regular" panose="020B0503030302020204" pitchFamily="34" charset="-127"/>
+              </a:rPr>
+              <a:t>target Namespace: “http://Project.org”</a:t>
+            </a:r>
+          </a:p>
+          <a:p>
+            <a:pPr marL="571500" indent="-571500">
+              <a:buFontTx/>
+              <a:buChar char="-"/>
+            </a:pPr>
+            <a:r>
+              <a:rPr lang="en-US" altLang="ko-KR" sz="3600">
+                <a:latin typeface="에스코어 드림 4 Regular" panose="020B0503030302020204" pitchFamily="34" charset="-127"/>
+                <a:ea typeface="에스코어 드림 4 Regular" panose="020B0503030302020204" pitchFamily="34" charset="-127"/>
+              </a:rPr>
+              <a:t>default Namespace: “http://Project.org”</a:t>
+            </a:r>
+          </a:p>
+          <a:p>
+            <a:pPr marL="571500" indent="-571500">
+              <a:buFontTx/>
+              <a:buChar char="-"/>
+            </a:pPr>
+            <a:r>
+              <a:rPr lang="en-US" altLang="ko-KR" sz="3600">
+                <a:latin typeface="에스코어 드림 4 Regular" panose="020B0503030302020204" pitchFamily="34" charset="-127"/>
+                <a:ea typeface="에스코어 드림 4 Regular" panose="020B0503030302020204" pitchFamily="34" charset="-127"/>
+              </a:rPr>
+              <a:t>element Form Default: qualified</a:t>
+            </a:r>
+          </a:p>
+          <a:p>
+            <a:pPr marL="571500" indent="-571500">
+              <a:buFontTx/>
+              <a:buChar char="-"/>
+            </a:pPr>
+            <a:r>
+              <a:rPr lang="en-US" altLang="ko-KR" sz="3600">
+                <a:latin typeface="에스코어 드림 4 Regular" panose="020B0503030302020204" pitchFamily="34" charset="-127"/>
+                <a:ea typeface="에스코어 드림 4 Regular" panose="020B0503030302020204" pitchFamily="34" charset="-127"/>
+              </a:rPr>
+              <a:t>import “http://ProjectScene.org”(prefix: pjs)</a:t>
+            </a:r>
+          </a:p>
+          <a:p>
+            <a:endParaRPr lang="en-US" altLang="ko-KR" sz="3600">
+              <a:latin typeface="에스코어 드림 4 Regular" panose="020B0503030302020204" pitchFamily="34" charset="-127"/>
+              <a:ea typeface="에스코어 드림 4 Regular" panose="020B0503030302020204" pitchFamily="34" charset="-127"/>
+            </a:endParaRPr>
+          </a:p>
+          <a:p>
+            <a:r>
+              <a:rPr lang="en-US" altLang="ko-KR" sz="3600">
+                <a:latin typeface="에스코어 드림 4 Regular" panose="020B0503030302020204" pitchFamily="34" charset="-127"/>
+                <a:ea typeface="에스코어 드림 4 Regular" panose="020B0503030302020204" pitchFamily="34" charset="-127"/>
+              </a:rPr>
+              <a:t>element/attribute</a:t>
+            </a:r>
+            <a:r>
+              <a:rPr lang="ko-KR" altLang="en-US" sz="3600">
+                <a:latin typeface="에스코어 드림 4 Regular" panose="020B0503030302020204" pitchFamily="34" charset="-127"/>
+                <a:ea typeface="에스코어 드림 4 Regular" panose="020B0503030302020204" pitchFamily="34" charset="-127"/>
+              </a:rPr>
+              <a:t> 정의</a:t>
+            </a:r>
+            <a:endParaRPr lang="en-US" altLang="ko-KR" sz="3600">
+              <a:latin typeface="에스코어 드림 4 Regular" panose="020B0503030302020204" pitchFamily="34" charset="-127"/>
+              <a:ea typeface="에스코어 드림 4 Regular" panose="020B0503030302020204" pitchFamily="34" charset="-127"/>
+            </a:endParaRPr>
+          </a:p>
+          <a:p>
+            <a:r>
+              <a:rPr lang="en-US" altLang="ko-KR" sz="3600">
+                <a:latin typeface="에스코어 드림 4 Regular" panose="020B0503030302020204" pitchFamily="34" charset="-127"/>
+                <a:ea typeface="에스코어 드림 4 Regular" panose="020B0503030302020204" pitchFamily="34" charset="-127"/>
+              </a:rPr>
+              <a:t>- project(root</a:t>
+            </a:r>
+            <a:r>
+              <a:rPr lang="ko-KR" altLang="en-US" sz="3600">
+                <a:latin typeface="에스코어 드림 4 Regular" panose="020B0503030302020204" pitchFamily="34" charset="-127"/>
+                <a:ea typeface="에스코어 드림 4 Regular" panose="020B0503030302020204" pitchFamily="34" charset="-127"/>
+              </a:rPr>
+              <a:t> </a:t>
+            </a:r>
+            <a:r>
+              <a:rPr lang="en-US" altLang="ko-KR" sz="3600">
+                <a:latin typeface="에스코어 드림 4 Regular" panose="020B0503030302020204" pitchFamily="34" charset="-127"/>
+                <a:ea typeface="에스코어 드림 4 Regular" panose="020B0503030302020204" pitchFamily="34" charset="-127"/>
+              </a:rPr>
+              <a:t>element)</a:t>
+            </a:r>
+            <a:r>
+              <a:rPr lang="ko-KR" altLang="en-US" sz="3600">
+                <a:latin typeface="에스코어 드림 4 Regular" panose="020B0503030302020204" pitchFamily="34" charset="-127"/>
+                <a:ea typeface="에스코어 드림 4 Regular" panose="020B0503030302020204" pitchFamily="34" charset="-127"/>
+              </a:rPr>
+              <a:t>에 대해서</a:t>
+            </a:r>
+            <a:r>
+              <a:rPr lang="en-US" altLang="ko-KR" sz="3600">
+                <a:latin typeface="에스코어 드림 4 Regular" panose="020B0503030302020204" pitchFamily="34" charset="-127"/>
+                <a:ea typeface="에스코어 드림 4 Regular" panose="020B0503030302020204" pitchFamily="34" charset="-127"/>
+              </a:rPr>
+              <a:t>, </a:t>
+            </a:r>
+            <a:r>
+              <a:rPr lang="ko-KR" altLang="en-US" sz="3600">
+                <a:latin typeface="에스코어 드림 4 Regular" panose="020B0503030302020204" pitchFamily="34" charset="-127"/>
+                <a:ea typeface="에스코어 드림 4 Regular" panose="020B0503030302020204" pitchFamily="34" charset="-127"/>
+              </a:rPr>
+              <a:t>자식 </a:t>
+            </a:r>
+            <a:r>
+              <a:rPr lang="en-US" altLang="ko-KR" sz="3600">
+                <a:latin typeface="에스코어 드림 4 Regular" panose="020B0503030302020204" pitchFamily="34" charset="-127"/>
+                <a:ea typeface="에스코어 드림 4 Regular" panose="020B0503030302020204" pitchFamily="34" charset="-127"/>
+              </a:rPr>
+              <a:t>element</a:t>
+            </a:r>
+            <a:r>
+              <a:rPr lang="ko-KR" altLang="en-US" sz="3600">
+                <a:latin typeface="에스코어 드림 4 Regular" panose="020B0503030302020204" pitchFamily="34" charset="-127"/>
+                <a:ea typeface="에스코어 드림 4 Regular" panose="020B0503030302020204" pitchFamily="34" charset="-127"/>
+              </a:rPr>
+              <a:t>인 </a:t>
+            </a:r>
+            <a:r>
+              <a:rPr lang="en-US" altLang="ko-KR" sz="3600">
+                <a:latin typeface="에스코어 드림 4 Regular" panose="020B0503030302020204" pitchFamily="34" charset="-127"/>
+                <a:ea typeface="에스코어 드림 4 Regular" panose="020B0503030302020204" pitchFamily="34" charset="-127"/>
+              </a:rPr>
+              <a:t>scene</a:t>
+            </a:r>
+            <a:r>
+              <a:rPr lang="ko-KR" altLang="en-US" sz="3600">
+                <a:latin typeface="에스코어 드림 4 Regular" panose="020B0503030302020204" pitchFamily="34" charset="-127"/>
+                <a:ea typeface="에스코어 드림 4 Regular" panose="020B0503030302020204" pitchFamily="34" charset="-127"/>
+              </a:rPr>
+              <a:t>을 외부에서 정의</a:t>
+            </a:r>
+            <a:endParaRPr lang="en-US" altLang="ko-KR" sz="3600">
+              <a:latin typeface="에스코어 드림 4 Regular" panose="020B0503030302020204" pitchFamily="34" charset="-127"/>
+              <a:ea typeface="에스코어 드림 4 Regular" panose="020B0503030302020204" pitchFamily="34" charset="-127"/>
+            </a:endParaRPr>
+          </a:p>
+          <a:p>
+            <a:pPr marL="571500" indent="-571500">
+              <a:buFontTx/>
+              <a:buChar char="-"/>
+            </a:pPr>
+            <a:endParaRPr lang="en-US" altLang="ko-KR" sz="3600">
+              <a:latin typeface="에스코어 드림 4 Regular" panose="020B0503030302020204" pitchFamily="34" charset="-127"/>
+              <a:ea typeface="에스코어 드림 4 Regular" panose="020B0503030302020204" pitchFamily="34" charset="-127"/>
+            </a:endParaRPr>
+          </a:p>
+        </p:txBody>
+      </p:sp>
+      <p:pic>
+        <p:nvPicPr>
+          <p:cNvPr id="5" name="그림 4" descr="텍스트, 스크린샷, 폰트, 소프트웨어이(가) 표시된 사진&#10;&#10;AI 생성 콘텐츠는 정확하지 않을 수 있습니다.">
+            <a:extLst>
+              <a:ext uri="{FF2B5EF4-FFF2-40B4-BE49-F238E27FC236}">
+                <a16:creationId xmlns:a16="http://schemas.microsoft.com/office/drawing/2014/main" id="{647FE9EB-DB04-F5B5-A27A-A251AECF12F5}"/>
+              </a:ext>
+            </a:extLst>
+          </p:cNvPr>
+          <p:cNvPicPr>
+            <a:picLocks noChangeAspect="1"/>
+          </p:cNvPicPr>
+          <p:nvPr/>
+        </p:nvPicPr>
+        <p:blipFill>
+          <a:blip r:embed="rId4"/>
+          <a:stretch>
+            <a:fillRect/>
+          </a:stretch>
+        </p:blipFill>
+        <p:spPr>
+          <a:xfrm>
+            <a:off x="5938685" y="1968500"/>
+            <a:ext cx="12629147" cy="7131156"/>
+          </a:xfrm>
+          <a:prstGeom prst="rect">
+            <a:avLst/>
+          </a:prstGeom>
+        </p:spPr>
+      </p:pic>
+    </p:spTree>
+    <p:extLst>
+      <p:ext uri="{BB962C8B-B14F-4D97-AF65-F5344CB8AC3E}">
+        <p14:creationId xmlns:p14="http://schemas.microsoft.com/office/powerpoint/2010/main" val="1141560518"/>
       </p:ext>
     </p:extLst>
   </p:cSld>
@@ -6911,6 +11019,38 @@
       </p:grpSpPr>
       <p:pic>
         <p:nvPicPr>
+          <p:cNvPr id="35" name="Picture 8">
+            <a:extLst>
+              <a:ext uri="{FF2B5EF4-FFF2-40B4-BE49-F238E27FC236}">
+                <a16:creationId xmlns:a16="http://schemas.microsoft.com/office/drawing/2014/main" id="{B1F96CCC-0FB9-6DCC-8B19-04597203845A}"/>
+              </a:ext>
+            </a:extLst>
+          </p:cNvPr>
+          <p:cNvPicPr>
+            <a:picLocks noChangeAspect="1"/>
+          </p:cNvPicPr>
+          <p:nvPr/>
+        </p:nvPicPr>
+        <p:blipFill>
+          <a:blip r:embed="rId2">
+            <a:alphaModFix amt="60000"/>
+          </a:blip>
+          <a:stretch>
+            <a:fillRect/>
+          </a:stretch>
+        </p:blipFill>
+        <p:spPr>
+          <a:xfrm>
+            <a:off x="13055602" y="10293351"/>
+            <a:ext cx="889000" cy="889000"/>
+          </a:xfrm>
+          <a:prstGeom prst="rect">
+            <a:avLst/>
+          </a:prstGeom>
+        </p:spPr>
+      </p:pic>
+      <p:pic>
+        <p:nvPicPr>
           <p:cNvPr id="2" name="Picture 2"/>
           <p:cNvPicPr>
             <a:picLocks noChangeAspect="1"/>
@@ -6918,7 +11058,7 @@
           <p:nvPr/>
         </p:nvPicPr>
         <p:blipFill>
-          <a:blip r:embed="rId2"/>
+          <a:blip r:embed="rId3"/>
           <a:stretch>
             <a:fillRect/>
           </a:stretch>
@@ -6942,7 +11082,7 @@
           <p:nvPr/>
         </p:nvPicPr>
         <p:blipFill>
-          <a:blip r:embed="rId3"/>
+          <a:blip r:embed="rId4"/>
           <a:stretch>
             <a:fillRect/>
           </a:stretch>
@@ -6966,7 +11106,7 @@
           <p:nvPr/>
         </p:nvPicPr>
         <p:blipFill>
-          <a:blip r:embed="rId4">
+          <a:blip r:embed="rId2">
             <a:alphaModFix amt="60000"/>
           </a:blip>
           <a:stretch>
@@ -6975,7 +11115,7 @@
         </p:blipFill>
         <p:spPr>
           <a:xfrm>
-            <a:off x="13055602" y="3365500"/>
+            <a:off x="13055602" y="2362200"/>
             <a:ext cx="889000" cy="889000"/>
           </a:xfrm>
           <a:prstGeom prst="rect">
@@ -7001,7 +11141,7 @@
         </p:blipFill>
         <p:spPr>
           <a:xfrm>
-            <a:off x="13055602" y="4508500"/>
+            <a:off x="13055602" y="3505200"/>
             <a:ext cx="889000" cy="889000"/>
           </a:xfrm>
           <a:prstGeom prst="rect">
@@ -7027,7 +11167,7 @@
         </p:blipFill>
         <p:spPr>
           <a:xfrm>
-            <a:off x="13055602" y="5638800"/>
+            <a:off x="13055602" y="4635500"/>
             <a:ext cx="889000" cy="889000"/>
           </a:xfrm>
           <a:prstGeom prst="rect">
@@ -7044,7 +11184,7 @@
           <p:nvPr/>
         </p:nvPicPr>
         <p:blipFill>
-          <a:blip r:embed="rId4">
+          <a:blip r:embed="rId2">
             <a:alphaModFix amt="60000"/>
           </a:blip>
           <a:stretch>
@@ -7053,7 +11193,7 @@
         </p:blipFill>
         <p:spPr>
           <a:xfrm>
-            <a:off x="13055602" y="6769100"/>
+            <a:off x="13055602" y="5765800"/>
             <a:ext cx="889000" cy="889000"/>
           </a:xfrm>
           <a:prstGeom prst="rect">
@@ -7070,7 +11210,7 @@
           <p:nvPr/>
         </p:nvPicPr>
         <p:blipFill>
-          <a:blip r:embed="rId4">
+          <a:blip r:embed="rId2">
             <a:alphaModFix amt="60000"/>
           </a:blip>
           <a:stretch>
@@ -7079,7 +11219,7 @@
         </p:blipFill>
         <p:spPr>
           <a:xfrm>
-            <a:off x="13055602" y="7912100"/>
+            <a:off x="13055602" y="6908800"/>
             <a:ext cx="889000" cy="889000"/>
           </a:xfrm>
           <a:prstGeom prst="rect">
@@ -7129,7 +11269,7 @@
         </p:blipFill>
         <p:spPr>
           <a:xfrm>
-            <a:off x="12992102" y="4368800"/>
+            <a:off x="12992102" y="3365500"/>
             <a:ext cx="9639300" cy="12700"/>
           </a:xfrm>
           <a:prstGeom prst="rect">
@@ -7155,7 +11295,7 @@
         </p:blipFill>
         <p:spPr>
           <a:xfrm>
-            <a:off x="12992102" y="5511800"/>
+            <a:off x="12992102" y="4508500"/>
             <a:ext cx="9639300" cy="12700"/>
           </a:xfrm>
           <a:prstGeom prst="rect">
@@ -7181,7 +11321,7 @@
         </p:blipFill>
         <p:spPr>
           <a:xfrm>
-            <a:off x="12992102" y="6642100"/>
+            <a:off x="12992102" y="5638800"/>
             <a:ext cx="9639300" cy="12700"/>
           </a:xfrm>
           <a:prstGeom prst="rect">
@@ -7207,7 +11347,7 @@
         </p:blipFill>
         <p:spPr>
           <a:xfrm>
-            <a:off x="12992102" y="7772400"/>
+            <a:off x="12992102" y="6769100"/>
             <a:ext cx="9639300" cy="12700"/>
           </a:xfrm>
           <a:prstGeom prst="rect">
@@ -7223,7 +11363,7 @@
         </p:nvSpPr>
         <p:spPr>
           <a:xfrm>
-            <a:off x="14300202" y="3543300"/>
+            <a:off x="14300202" y="2540000"/>
             <a:ext cx="3924300" cy="584200"/>
           </a:xfrm>
           <a:prstGeom prst="rect">
@@ -7267,7 +11407,7 @@
         </p:nvSpPr>
         <p:spPr>
           <a:xfrm>
-            <a:off x="13068302" y="3517900"/>
+            <a:off x="13068302" y="2514600"/>
             <a:ext cx="850900" cy="571500"/>
           </a:xfrm>
           <a:prstGeom prst="rect">
@@ -7303,7 +11443,7 @@
         </p:nvSpPr>
         <p:spPr>
           <a:xfrm>
-            <a:off x="14300202" y="4673600"/>
+            <a:off x="14300202" y="3670300"/>
             <a:ext cx="3644900" cy="584200"/>
           </a:xfrm>
           <a:prstGeom prst="rect">
@@ -7357,7 +11497,7 @@
         </p:nvSpPr>
         <p:spPr>
           <a:xfrm>
-            <a:off x="13068302" y="4660900"/>
+            <a:off x="13068302" y="3657600"/>
             <a:ext cx="850900" cy="571500"/>
           </a:xfrm>
           <a:prstGeom prst="rect">
@@ -7393,7 +11533,7 @@
         </p:nvSpPr>
         <p:spPr>
           <a:xfrm>
-            <a:off x="14300202" y="5803900"/>
+            <a:off x="14300202" y="4800600"/>
             <a:ext cx="3644900" cy="584200"/>
           </a:xfrm>
           <a:prstGeom prst="rect">
@@ -7447,7 +11587,7 @@
         </p:nvSpPr>
         <p:spPr>
           <a:xfrm>
-            <a:off x="13068302" y="5791200"/>
+            <a:off x="13068302" y="4787900"/>
             <a:ext cx="850900" cy="571500"/>
           </a:xfrm>
           <a:prstGeom prst="rect">
@@ -7483,7 +11623,7 @@
         </p:nvSpPr>
         <p:spPr>
           <a:xfrm>
-            <a:off x="14300202" y="6946900"/>
+            <a:off x="14300202" y="5943600"/>
             <a:ext cx="3276600" cy="584200"/>
           </a:xfrm>
           <a:prstGeom prst="rect">
@@ -7537,7 +11677,7 @@
         </p:nvSpPr>
         <p:spPr>
           <a:xfrm>
-            <a:off x="13068302" y="6921500"/>
+            <a:off x="13068302" y="5918200"/>
             <a:ext cx="850900" cy="571500"/>
           </a:xfrm>
           <a:prstGeom prst="rect">
@@ -7573,7 +11713,7 @@
         </p:nvSpPr>
         <p:spPr>
           <a:xfrm>
-            <a:off x="14300202" y="8077200"/>
+            <a:off x="14300202" y="7073900"/>
             <a:ext cx="3644900" cy="584200"/>
           </a:xfrm>
           <a:prstGeom prst="rect">
@@ -7627,7 +11767,7 @@
         </p:nvSpPr>
         <p:spPr>
           <a:xfrm>
-            <a:off x="13068302" y="8064500"/>
+            <a:off x="13068302" y="7061200"/>
             <a:ext cx="850900" cy="571500"/>
           </a:xfrm>
           <a:prstGeom prst="rect">
@@ -7706,7 +11846,7 @@
           <p:nvPr/>
         </p:nvPicPr>
         <p:blipFill>
-          <a:blip r:embed="rId4">
+          <a:blip r:embed="rId2">
             <a:alphaModFix amt="60000"/>
           </a:blip>
           <a:stretch>
@@ -7715,7 +11855,7 @@
         </p:blipFill>
         <p:spPr>
           <a:xfrm>
-            <a:off x="13055602" y="9029700"/>
+            <a:off x="13055602" y="8026400"/>
             <a:ext cx="889000" cy="889000"/>
           </a:xfrm>
           <a:prstGeom prst="rect">
@@ -7747,7 +11887,7 @@
         </p:blipFill>
         <p:spPr>
           <a:xfrm>
-            <a:off x="12992102" y="8890000"/>
+            <a:off x="12992102" y="7886700"/>
             <a:ext cx="9639300" cy="12700"/>
           </a:xfrm>
           <a:prstGeom prst="rect">
@@ -7769,7 +11909,7 @@
         </p:nvSpPr>
         <p:spPr>
           <a:xfrm>
-            <a:off x="14300202" y="9194800"/>
+            <a:off x="14300202" y="8191500"/>
             <a:ext cx="3644900" cy="584200"/>
           </a:xfrm>
           <a:prstGeom prst="rect">
@@ -7829,7 +11969,7 @@
         </p:nvSpPr>
         <p:spPr>
           <a:xfrm>
-            <a:off x="13068302" y="9182100"/>
+            <a:off x="13068302" y="8178800"/>
             <a:ext cx="850900" cy="571500"/>
           </a:xfrm>
           <a:prstGeom prst="rect">
@@ -7878,7 +12018,7 @@
           <p:nvPr/>
         </p:nvPicPr>
         <p:blipFill>
-          <a:blip r:embed="rId4">
+          <a:blip r:embed="rId2">
             <a:alphaModFix amt="60000"/>
           </a:blip>
           <a:stretch>
@@ -7887,7 +12027,7 @@
         </p:blipFill>
         <p:spPr>
           <a:xfrm>
-            <a:off x="13055602" y="10140951"/>
+            <a:off x="13055602" y="9137651"/>
             <a:ext cx="889000" cy="889000"/>
           </a:xfrm>
           <a:prstGeom prst="rect">
@@ -7919,7 +12059,7 @@
         </p:blipFill>
         <p:spPr>
           <a:xfrm>
-            <a:off x="12992102" y="10001251"/>
+            <a:off x="12992102" y="8997951"/>
             <a:ext cx="9639300" cy="12700"/>
           </a:xfrm>
           <a:prstGeom prst="rect">
@@ -7941,7 +12081,7 @@
         </p:nvSpPr>
         <p:spPr>
           <a:xfrm>
-            <a:off x="14300202" y="10306051"/>
+            <a:off x="14300202" y="9302751"/>
             <a:ext cx="3644900" cy="584200"/>
           </a:xfrm>
           <a:prstGeom prst="rect">
@@ -8001,7 +12141,7 @@
         </p:nvSpPr>
         <p:spPr>
           <a:xfrm>
-            <a:off x="13068302" y="10293351"/>
+            <a:off x="13068302" y="9290051"/>
             <a:ext cx="850900" cy="571500"/>
           </a:xfrm>
           <a:prstGeom prst="rect">
@@ -8035,7 +12175,3273 @@
           </a:p>
         </p:txBody>
       </p:sp>
+      <p:pic>
+        <p:nvPicPr>
+          <p:cNvPr id="22" name="Picture 18">
+            <a:extLst>
+              <a:ext uri="{FF2B5EF4-FFF2-40B4-BE49-F238E27FC236}">
+                <a16:creationId xmlns:a16="http://schemas.microsoft.com/office/drawing/2014/main" id="{58378F52-A260-FA63-F4CE-389913458094}"/>
+              </a:ext>
+            </a:extLst>
+          </p:cNvPr>
+          <p:cNvPicPr>
+            <a:picLocks noChangeAspect="1"/>
+          </p:cNvPicPr>
+          <p:nvPr/>
+        </p:nvPicPr>
+        <p:blipFill>
+          <a:blip r:embed="rId8">
+            <a:alphaModFix amt="30000"/>
+          </a:blip>
+          <a:stretch>
+            <a:fillRect/>
+          </a:stretch>
+        </p:blipFill>
+        <p:spPr>
+          <a:xfrm>
+            <a:off x="12966702" y="10179051"/>
+            <a:ext cx="9639300" cy="12700"/>
+          </a:xfrm>
+          <a:prstGeom prst="rect">
+            <a:avLst/>
+          </a:prstGeom>
+        </p:spPr>
+      </p:pic>
+      <p:sp>
+        <p:nvSpPr>
+          <p:cNvPr id="23" name="TextBox 33">
+            <a:extLst>
+              <a:ext uri="{FF2B5EF4-FFF2-40B4-BE49-F238E27FC236}">
+                <a16:creationId xmlns:a16="http://schemas.microsoft.com/office/drawing/2014/main" id="{CF427A9E-9BDA-D483-B91B-13FEF0B352C6}"/>
+              </a:ext>
+            </a:extLst>
+          </p:cNvPr>
+          <p:cNvSpPr txBox="1"/>
+          <p:nvPr/>
+        </p:nvSpPr>
+        <p:spPr>
+          <a:xfrm>
+            <a:off x="14274802" y="10483851"/>
+            <a:ext cx="3644900" cy="584200"/>
+          </a:xfrm>
+          <a:prstGeom prst="rect">
+            <a:avLst/>
+          </a:prstGeom>
+        </p:spPr>
+        <p:txBody>
+          <a:bodyPr lIns="0" tIns="42052" rIns="0" bIns="0" rtlCol="0" anchor="t"/>
+          <a:lstStyle/>
+          <a:p>
+            <a:pPr lvl="0" algn="l">
+              <a:lnSpc>
+                <a:spcPct val="99600"/>
+              </a:lnSpc>
+            </a:pPr>
+            <a:r>
+              <a:rPr lang="en-US" altLang="ko-KR" sz="3311" b="0" i="0" u="none" strike="noStrike">
+                <a:solidFill>
+                  <a:srgbClr val="000000"/>
+                </a:solidFill>
+                <a:latin typeface="에스코어 드림 5 Medium" panose="020B0503030302020204" pitchFamily="34" charset="-127"/>
+                <a:ea typeface="에스코어 드림 5 Medium" panose="020B0503030302020204" pitchFamily="34" charset="-127"/>
+              </a:rPr>
+              <a:t>XSD </a:t>
+            </a:r>
+            <a:r>
+              <a:rPr lang="ko-KR" altLang="en-US" sz="3311" b="0" i="0" u="none" strike="noStrike">
+                <a:solidFill>
+                  <a:srgbClr val="000000"/>
+                </a:solidFill>
+                <a:latin typeface="에스코어 드림 5 Medium" panose="020B0503030302020204" pitchFamily="34" charset="-127"/>
+                <a:ea typeface="에스코어 드림 5 Medium" panose="020B0503030302020204" pitchFamily="34" charset="-127"/>
+              </a:rPr>
+              <a:t>구조도</a:t>
+            </a:r>
+            <a:endParaRPr lang="ko-KR" sz="3311" b="0" i="0" u="none" strike="noStrike">
+              <a:solidFill>
+                <a:srgbClr val="000000"/>
+              </a:solidFill>
+              <a:latin typeface="에스코어 드림 5 Medium" panose="020B0503030302020204" pitchFamily="34" charset="-127"/>
+              <a:ea typeface="에스코어 드림 5 Medium" panose="020B0503030302020204" pitchFamily="34" charset="-127"/>
+            </a:endParaRPr>
+          </a:p>
+        </p:txBody>
+      </p:sp>
+      <p:sp>
+        <p:nvSpPr>
+          <p:cNvPr id="24" name="TextBox 34">
+            <a:extLst>
+              <a:ext uri="{FF2B5EF4-FFF2-40B4-BE49-F238E27FC236}">
+                <a16:creationId xmlns:a16="http://schemas.microsoft.com/office/drawing/2014/main" id="{3796D6B0-C1D7-C034-AD15-028DE69ABCD3}"/>
+              </a:ext>
+            </a:extLst>
+          </p:cNvPr>
+          <p:cNvSpPr txBox="1"/>
+          <p:nvPr/>
+        </p:nvSpPr>
+        <p:spPr>
+          <a:xfrm>
+            <a:off x="13042902" y="10471151"/>
+            <a:ext cx="850900" cy="571500"/>
+          </a:xfrm>
+          <a:prstGeom prst="rect">
+            <a:avLst/>
+          </a:prstGeom>
+        </p:spPr>
+        <p:txBody>
+          <a:bodyPr lIns="0" tIns="40480" rIns="0" bIns="0" rtlCol="0" anchor="t"/>
+          <a:lstStyle/>
+          <a:p>
+            <a:pPr lvl="0" algn="ctr">
+              <a:lnSpc>
+                <a:spcPct val="99600"/>
+              </a:lnSpc>
+            </a:pPr>
+            <a:r>
+              <a:rPr lang="en" sz="3187" b="0" i="0" u="none" strike="noStrike">
+                <a:solidFill>
+                  <a:srgbClr val="000000"/>
+                </a:solidFill>
+                <a:latin typeface="Anek Bangla Expanded ExtraLight"/>
+              </a:rPr>
+              <a:t>8</a:t>
+            </a:r>
+          </a:p>
+        </p:txBody>
+      </p:sp>
+      <p:pic>
+        <p:nvPicPr>
+          <p:cNvPr id="36" name="Picture 8">
+            <a:extLst>
+              <a:ext uri="{FF2B5EF4-FFF2-40B4-BE49-F238E27FC236}">
+                <a16:creationId xmlns:a16="http://schemas.microsoft.com/office/drawing/2014/main" id="{B95FDA67-0B63-9066-4A89-DA5583CD37FB}"/>
+              </a:ext>
+            </a:extLst>
+          </p:cNvPr>
+          <p:cNvPicPr>
+            <a:picLocks noChangeAspect="1"/>
+          </p:cNvPicPr>
+          <p:nvPr/>
+        </p:nvPicPr>
+        <p:blipFill>
+          <a:blip r:embed="rId2">
+            <a:alphaModFix amt="60000"/>
+          </a:blip>
+          <a:stretch>
+            <a:fillRect/>
+          </a:stretch>
+        </p:blipFill>
+        <p:spPr>
+          <a:xfrm>
+            <a:off x="13055602" y="11449051"/>
+            <a:ext cx="889000" cy="889000"/>
+          </a:xfrm>
+          <a:prstGeom prst="rect">
+            <a:avLst/>
+          </a:prstGeom>
+        </p:spPr>
+      </p:pic>
+      <p:pic>
+        <p:nvPicPr>
+          <p:cNvPr id="37" name="Picture 18">
+            <a:extLst>
+              <a:ext uri="{FF2B5EF4-FFF2-40B4-BE49-F238E27FC236}">
+                <a16:creationId xmlns:a16="http://schemas.microsoft.com/office/drawing/2014/main" id="{B44A9FB8-9246-2ABE-5F87-E38B47BF8E29}"/>
+              </a:ext>
+            </a:extLst>
+          </p:cNvPr>
+          <p:cNvPicPr>
+            <a:picLocks noChangeAspect="1"/>
+          </p:cNvPicPr>
+          <p:nvPr/>
+        </p:nvPicPr>
+        <p:blipFill>
+          <a:blip r:embed="rId8">
+            <a:alphaModFix amt="30000"/>
+          </a:blip>
+          <a:stretch>
+            <a:fillRect/>
+          </a:stretch>
+        </p:blipFill>
+        <p:spPr>
+          <a:xfrm>
+            <a:off x="12966702" y="11334751"/>
+            <a:ext cx="9639300" cy="12700"/>
+          </a:xfrm>
+          <a:prstGeom prst="rect">
+            <a:avLst/>
+          </a:prstGeom>
+        </p:spPr>
+      </p:pic>
+      <p:sp>
+        <p:nvSpPr>
+          <p:cNvPr id="38" name="TextBox 33">
+            <a:extLst>
+              <a:ext uri="{FF2B5EF4-FFF2-40B4-BE49-F238E27FC236}">
+                <a16:creationId xmlns:a16="http://schemas.microsoft.com/office/drawing/2014/main" id="{512564ED-7269-B431-687D-8017302DFD6E}"/>
+              </a:ext>
+            </a:extLst>
+          </p:cNvPr>
+          <p:cNvSpPr txBox="1"/>
+          <p:nvPr/>
+        </p:nvSpPr>
+        <p:spPr>
+          <a:xfrm>
+            <a:off x="14274802" y="11639551"/>
+            <a:ext cx="3644900" cy="584200"/>
+          </a:xfrm>
+          <a:prstGeom prst="rect">
+            <a:avLst/>
+          </a:prstGeom>
+        </p:spPr>
+        <p:txBody>
+          <a:bodyPr lIns="0" tIns="42052" rIns="0" bIns="0" rtlCol="0" anchor="t"/>
+          <a:lstStyle/>
+          <a:p>
+            <a:pPr lvl="0" algn="l">
+              <a:lnSpc>
+                <a:spcPct val="99600"/>
+              </a:lnSpc>
+            </a:pPr>
+            <a:r>
+              <a:rPr lang="en-US" altLang="ko-KR" sz="3311" b="0" i="0" u="none" strike="noStrike">
+                <a:solidFill>
+                  <a:srgbClr val="000000"/>
+                </a:solidFill>
+                <a:latin typeface="에스코어 드림 5 Medium" panose="020B0503030302020204" pitchFamily="34" charset="-127"/>
+                <a:ea typeface="에스코어 드림 5 Medium" panose="020B0503030302020204" pitchFamily="34" charset="-127"/>
+              </a:rPr>
+              <a:t>XSD </a:t>
+            </a:r>
+            <a:r>
+              <a:rPr lang="ko-KR" altLang="en-US" sz="3311">
+                <a:solidFill>
+                  <a:srgbClr val="000000"/>
+                </a:solidFill>
+                <a:latin typeface="에스코어 드림 5 Medium" panose="020B0503030302020204" pitchFamily="34" charset="-127"/>
+                <a:ea typeface="에스코어 드림 5 Medium" panose="020B0503030302020204" pitchFamily="34" charset="-127"/>
+              </a:rPr>
+              <a:t>실행 내역</a:t>
+            </a:r>
+            <a:endParaRPr lang="ko-KR" sz="3311" b="0" i="0" u="none" strike="noStrike">
+              <a:solidFill>
+                <a:srgbClr val="000000"/>
+              </a:solidFill>
+              <a:latin typeface="에스코어 드림 5 Medium" panose="020B0503030302020204" pitchFamily="34" charset="-127"/>
+              <a:ea typeface="에스코어 드림 5 Medium" panose="020B0503030302020204" pitchFamily="34" charset="-127"/>
+            </a:endParaRPr>
+          </a:p>
+        </p:txBody>
+      </p:sp>
+      <p:sp>
+        <p:nvSpPr>
+          <p:cNvPr id="39" name="TextBox 34">
+            <a:extLst>
+              <a:ext uri="{FF2B5EF4-FFF2-40B4-BE49-F238E27FC236}">
+                <a16:creationId xmlns:a16="http://schemas.microsoft.com/office/drawing/2014/main" id="{FEBD45C0-7148-86B3-DE67-74C2F901ED58}"/>
+              </a:ext>
+            </a:extLst>
+          </p:cNvPr>
+          <p:cNvSpPr txBox="1"/>
+          <p:nvPr/>
+        </p:nvSpPr>
+        <p:spPr>
+          <a:xfrm>
+            <a:off x="13042902" y="11626851"/>
+            <a:ext cx="850900" cy="571500"/>
+          </a:xfrm>
+          <a:prstGeom prst="rect">
+            <a:avLst/>
+          </a:prstGeom>
+        </p:spPr>
+        <p:txBody>
+          <a:bodyPr lIns="0" tIns="40480" rIns="0" bIns="0" rtlCol="0" anchor="t"/>
+          <a:lstStyle/>
+          <a:p>
+            <a:pPr lvl="0" algn="ctr">
+              <a:lnSpc>
+                <a:spcPct val="99600"/>
+              </a:lnSpc>
+            </a:pPr>
+            <a:r>
+              <a:rPr lang="en" sz="3187" b="0" i="0" u="none" strike="noStrike">
+                <a:solidFill>
+                  <a:srgbClr val="000000"/>
+                </a:solidFill>
+                <a:latin typeface="Anek Bangla Expanded ExtraLight"/>
+              </a:rPr>
+              <a:t>9</a:t>
+            </a:r>
+          </a:p>
+        </p:txBody>
+      </p:sp>
     </p:spTree>
+  </p:cSld>
+  <p:clrMapOvr>
+    <a:masterClrMapping/>
+  </p:clrMapOvr>
+</p:sld>
+</file>
+
+<file path=ppt/slides/slide20.xml><?xml version="1.0" encoding="utf-8"?>
+<p:sld xmlns:a="http://schemas.openxmlformats.org/drawingml/2006/main" xmlns:r="http://schemas.openxmlformats.org/officeDocument/2006/relationships" xmlns:p="http://schemas.openxmlformats.org/presentationml/2006/main">
+  <p:cSld>
+    <p:bg>
+      <p:bgPr>
+        <a:solidFill>
+          <a:srgbClr val="FFFFFF"/>
+        </a:solidFill>
+        <a:effectLst/>
+      </p:bgPr>
+    </p:bg>
+    <p:spTree>
+      <p:nvGrpSpPr>
+        <p:cNvPr id="1" name="">
+          <a:extLst>
+            <a:ext uri="{FF2B5EF4-FFF2-40B4-BE49-F238E27FC236}">
+              <a16:creationId xmlns:a16="http://schemas.microsoft.com/office/drawing/2014/main" id="{C38613AA-504B-181C-3C90-FCE461188804}"/>
+            </a:ext>
+          </a:extLst>
+        </p:cNvPr>
+        <p:cNvGrpSpPr/>
+        <p:nvPr/>
+      </p:nvGrpSpPr>
+      <p:grpSpPr>
+        <a:xfrm>
+          <a:off x="0" y="0"/>
+          <a:ext cx="0" cy="0"/>
+          <a:chOff x="0" y="0"/>
+          <a:chExt cx="0" cy="0"/>
+        </a:xfrm>
+      </p:grpSpPr>
+      <p:pic>
+        <p:nvPicPr>
+          <p:cNvPr id="2" name="Picture 2">
+            <a:extLst>
+              <a:ext uri="{FF2B5EF4-FFF2-40B4-BE49-F238E27FC236}">
+                <a16:creationId xmlns:a16="http://schemas.microsoft.com/office/drawing/2014/main" id="{E44BF50C-8854-751A-1653-679D5659A015}"/>
+              </a:ext>
+            </a:extLst>
+          </p:cNvPr>
+          <p:cNvPicPr>
+            <a:picLocks noChangeAspect="1"/>
+          </p:cNvPicPr>
+          <p:nvPr/>
+        </p:nvPicPr>
+        <p:blipFill>
+          <a:blip r:embed="rId2"/>
+          <a:stretch>
+            <a:fillRect/>
+          </a:stretch>
+        </p:blipFill>
+        <p:spPr>
+          <a:xfrm>
+            <a:off x="-228600" y="-228600"/>
+            <a:ext cx="6997700" cy="4064000"/>
+          </a:xfrm>
+          <a:prstGeom prst="rect">
+            <a:avLst/>
+          </a:prstGeom>
+        </p:spPr>
+      </p:pic>
+      <p:pic>
+        <p:nvPicPr>
+          <p:cNvPr id="3" name="Picture 3">
+            <a:extLst>
+              <a:ext uri="{FF2B5EF4-FFF2-40B4-BE49-F238E27FC236}">
+                <a16:creationId xmlns:a16="http://schemas.microsoft.com/office/drawing/2014/main" id="{A1CA4F63-BDC7-BA55-83DC-488809D13581}"/>
+              </a:ext>
+            </a:extLst>
+          </p:cNvPr>
+          <p:cNvPicPr>
+            <a:picLocks noChangeAspect="1"/>
+          </p:cNvPicPr>
+          <p:nvPr/>
+        </p:nvPicPr>
+        <p:blipFill>
+          <a:blip r:embed="rId3"/>
+          <a:stretch>
+            <a:fillRect/>
+          </a:stretch>
+        </p:blipFill>
+        <p:spPr>
+          <a:xfrm>
+            <a:off x="1333500" y="990600"/>
+            <a:ext cx="21704300" cy="12700"/>
+          </a:xfrm>
+          <a:prstGeom prst="rect">
+            <a:avLst/>
+          </a:prstGeom>
+        </p:spPr>
+      </p:pic>
+      <p:sp>
+        <p:nvSpPr>
+          <p:cNvPr id="9" name="TextBox 9">
+            <a:extLst>
+              <a:ext uri="{FF2B5EF4-FFF2-40B4-BE49-F238E27FC236}">
+                <a16:creationId xmlns:a16="http://schemas.microsoft.com/office/drawing/2014/main" id="{566DEA3A-5716-EE38-DD21-4A30FF04B197}"/>
+              </a:ext>
+            </a:extLst>
+          </p:cNvPr>
+          <p:cNvSpPr txBox="1"/>
+          <p:nvPr/>
+        </p:nvSpPr>
+        <p:spPr>
+          <a:xfrm>
+            <a:off x="533400" y="990600"/>
+            <a:ext cx="4267200" cy="977900"/>
+          </a:xfrm>
+          <a:prstGeom prst="rect">
+            <a:avLst/>
+          </a:prstGeom>
+        </p:spPr>
+        <p:txBody>
+          <a:bodyPr lIns="0" tIns="266700" rIns="0" bIns="0" rtlCol="0" anchor="t"/>
+          <a:lstStyle/>
+          <a:p>
+            <a:pPr lvl="0" algn="l">
+              <a:lnSpc>
+                <a:spcPct val="87149"/>
+              </a:lnSpc>
+            </a:pPr>
+            <a:r>
+              <a:rPr lang="en-US" sz="4800" b="0" i="0" u="none" strike="noStrike" spc="-240">
+                <a:solidFill>
+                  <a:srgbClr val="000000"/>
+                </a:solidFill>
+                <a:latin typeface="에스코어 드림 5 Medium" panose="020B0503030302020204" pitchFamily="34" charset="-127"/>
+                <a:ea typeface="에스코어 드림 5 Medium" panose="020B0503030302020204" pitchFamily="34" charset="-127"/>
+              </a:rPr>
+              <a:t>8. XSD </a:t>
+            </a:r>
+            <a:r>
+              <a:rPr lang="ko-KR" altLang="en-US" sz="4800" b="0" i="0" u="none" strike="noStrike" spc="-240">
+                <a:solidFill>
+                  <a:srgbClr val="000000"/>
+                </a:solidFill>
+                <a:latin typeface="에스코어 드림 5 Medium" panose="020B0503030302020204" pitchFamily="34" charset="-127"/>
+                <a:ea typeface="에스코어 드림 5 Medium" panose="020B0503030302020204" pitchFamily="34" charset="-127"/>
+              </a:rPr>
+              <a:t>구조도</a:t>
+            </a:r>
+            <a:endParaRPr lang="en" sz="4800" b="0" i="0" u="none" strike="noStrike" spc="-240">
+              <a:solidFill>
+                <a:srgbClr val="000000"/>
+              </a:solidFill>
+              <a:latin typeface="에스코어 드림 5 Medium" panose="020B0503030302020204" pitchFamily="34" charset="-127"/>
+              <a:ea typeface="에스코어 드림 5 Medium" panose="020B0503030302020204" pitchFamily="34" charset="-127"/>
+            </a:endParaRPr>
+          </a:p>
+        </p:txBody>
+      </p:sp>
+      <p:sp>
+        <p:nvSpPr>
+          <p:cNvPr id="23" name="TextBox 23">
+            <a:extLst>
+              <a:ext uri="{FF2B5EF4-FFF2-40B4-BE49-F238E27FC236}">
+                <a16:creationId xmlns:a16="http://schemas.microsoft.com/office/drawing/2014/main" id="{F233C650-8881-3EC1-6B62-82B8E74F3B44}"/>
+              </a:ext>
+            </a:extLst>
+          </p:cNvPr>
+          <p:cNvSpPr txBox="1"/>
+          <p:nvPr/>
+        </p:nvSpPr>
+        <p:spPr>
+          <a:xfrm>
+            <a:off x="1346200" y="622300"/>
+            <a:ext cx="3213100" cy="266700"/>
+          </a:xfrm>
+          <a:prstGeom prst="rect">
+            <a:avLst/>
+          </a:prstGeom>
+        </p:spPr>
+        <p:txBody>
+          <a:bodyPr rtlCol="0" anchor="ctr"/>
+          <a:lstStyle/>
+          <a:p>
+            <a:pPr lvl="0" algn="l">
+              <a:lnSpc>
+                <a:spcPct val="124499"/>
+              </a:lnSpc>
+            </a:pPr>
+            <a:r>
+              <a:rPr lang="en" sz="1466" b="0" i="0" u="none" strike="noStrike">
+                <a:solidFill>
+                  <a:srgbClr val="595959"/>
+                </a:solidFill>
+                <a:latin typeface="S-Core Dream 3 Light"/>
+              </a:rPr>
+              <a:t>Investor Relations Deck</a:t>
+            </a:r>
+          </a:p>
+        </p:txBody>
+      </p:sp>
+      <p:sp>
+        <p:nvSpPr>
+          <p:cNvPr id="4" name="TextBox 17">
+            <a:extLst>
+              <a:ext uri="{FF2B5EF4-FFF2-40B4-BE49-F238E27FC236}">
+                <a16:creationId xmlns:a16="http://schemas.microsoft.com/office/drawing/2014/main" id="{8F808AFA-5384-20AB-3904-52862D3165DB}"/>
+              </a:ext>
+            </a:extLst>
+          </p:cNvPr>
+          <p:cNvSpPr txBox="1"/>
+          <p:nvPr/>
+        </p:nvSpPr>
+        <p:spPr>
+          <a:xfrm>
+            <a:off x="3846429" y="1156034"/>
+            <a:ext cx="5041900" cy="552450"/>
+          </a:xfrm>
+          <a:prstGeom prst="rect">
+            <a:avLst/>
+          </a:prstGeom>
+        </p:spPr>
+        <p:txBody>
+          <a:bodyPr lIns="0" tIns="170376" rIns="0" bIns="0" rtlCol="0" anchor="t"/>
+          <a:lstStyle/>
+          <a:p>
+            <a:pPr lvl="0">
+              <a:lnSpc>
+                <a:spcPct val="99600"/>
+              </a:lnSpc>
+            </a:pPr>
+            <a:endParaRPr lang="en" sz="3600" b="0" i="0" u="none" strike="noStrike" spc="-134">
+              <a:solidFill>
+                <a:srgbClr val="000000"/>
+              </a:solidFill>
+              <a:latin typeface="에스코어 드림 3 Light" panose="020B0303030302020204" pitchFamily="34" charset="-127"/>
+              <a:ea typeface="에스코어 드림 3 Light" panose="020B0303030302020204" pitchFamily="34" charset="-127"/>
+            </a:endParaRPr>
+          </a:p>
+        </p:txBody>
+      </p:sp>
+      <p:sp>
+        <p:nvSpPr>
+          <p:cNvPr id="10" name="TextBox 9">
+            <a:extLst>
+              <a:ext uri="{FF2B5EF4-FFF2-40B4-BE49-F238E27FC236}">
+                <a16:creationId xmlns:a16="http://schemas.microsoft.com/office/drawing/2014/main" id="{7E4E0D10-AB3B-67B9-2491-B2422C3E0590}"/>
+              </a:ext>
+            </a:extLst>
+          </p:cNvPr>
+          <p:cNvSpPr txBox="1"/>
+          <p:nvPr/>
+        </p:nvSpPr>
+        <p:spPr>
+          <a:xfrm>
+            <a:off x="4233779" y="1219534"/>
+            <a:ext cx="4267200" cy="977900"/>
+          </a:xfrm>
+          <a:prstGeom prst="rect">
+            <a:avLst/>
+          </a:prstGeom>
+        </p:spPr>
+        <p:txBody>
+          <a:bodyPr lIns="0" tIns="266700" rIns="0" bIns="0" rtlCol="0" anchor="t"/>
+          <a:lstStyle/>
+          <a:p>
+            <a:pPr lvl="0" algn="l">
+              <a:lnSpc>
+                <a:spcPct val="87149"/>
+              </a:lnSpc>
+            </a:pPr>
+            <a:r>
+              <a:rPr lang="en-US" sz="2800" b="0" i="0" u="none" strike="noStrike" spc="-240">
+                <a:solidFill>
+                  <a:srgbClr val="000000"/>
+                </a:solidFill>
+                <a:latin typeface="에스코어 드림 5 Medium" panose="020B0503030302020204" pitchFamily="34" charset="-127"/>
+                <a:ea typeface="에스코어 드림 5 Medium" panose="020B0503030302020204" pitchFamily="34" charset="-127"/>
+              </a:rPr>
+              <a:t>include1.xsd</a:t>
+            </a:r>
+            <a:endParaRPr lang="en" sz="2800" b="0" i="0" u="none" strike="noStrike" spc="-240">
+              <a:solidFill>
+                <a:srgbClr val="000000"/>
+              </a:solidFill>
+              <a:latin typeface="에스코어 드림 5 Medium" panose="020B0503030302020204" pitchFamily="34" charset="-127"/>
+              <a:ea typeface="에스코어 드림 5 Medium" panose="020B0503030302020204" pitchFamily="34" charset="-127"/>
+            </a:endParaRPr>
+          </a:p>
+        </p:txBody>
+      </p:sp>
+      <p:sp>
+        <p:nvSpPr>
+          <p:cNvPr id="11" name="TextBox 10">
+            <a:extLst>
+              <a:ext uri="{FF2B5EF4-FFF2-40B4-BE49-F238E27FC236}">
+                <a16:creationId xmlns:a16="http://schemas.microsoft.com/office/drawing/2014/main" id="{81B40966-4820-74AA-5473-5B31ABE9AFA6}"/>
+              </a:ext>
+            </a:extLst>
+          </p:cNvPr>
+          <p:cNvSpPr txBox="1"/>
+          <p:nvPr/>
+        </p:nvSpPr>
+        <p:spPr>
+          <a:xfrm>
+            <a:off x="2507582" y="8426784"/>
+            <a:ext cx="19116370" cy="5632311"/>
+          </a:xfrm>
+          <a:prstGeom prst="rect">
+            <a:avLst/>
+          </a:prstGeom>
+          <a:noFill/>
+        </p:spPr>
+        <p:txBody>
+          <a:bodyPr wrap="square" rtlCol="0">
+            <a:spAutoFit/>
+          </a:bodyPr>
+          <a:lstStyle/>
+          <a:p>
+            <a:r>
+              <a:rPr lang="en-US" altLang="ko-KR" sz="3600">
+                <a:latin typeface="에스코어 드림 4 Regular" panose="020B0503030302020204" pitchFamily="34" charset="-127"/>
+                <a:ea typeface="에스코어 드림 4 Regular" panose="020B0503030302020204" pitchFamily="34" charset="-127"/>
+              </a:rPr>
+              <a:t>namespae</a:t>
+            </a:r>
+            <a:r>
+              <a:rPr lang="ko-KR" altLang="en-US" sz="3600">
+                <a:latin typeface="에스코어 드림 4 Regular" panose="020B0503030302020204" pitchFamily="34" charset="-127"/>
+                <a:ea typeface="에스코어 드림 4 Regular" panose="020B0503030302020204" pitchFamily="34" charset="-127"/>
+              </a:rPr>
+              <a:t> 정의</a:t>
+            </a:r>
+            <a:endParaRPr lang="en-US" altLang="ko-KR" sz="3600">
+              <a:latin typeface="에스코어 드림 4 Regular" panose="020B0503030302020204" pitchFamily="34" charset="-127"/>
+              <a:ea typeface="에스코어 드림 4 Regular" panose="020B0503030302020204" pitchFamily="34" charset="-127"/>
+            </a:endParaRPr>
+          </a:p>
+          <a:p>
+            <a:pPr marL="571500" indent="-571500">
+              <a:buFontTx/>
+              <a:buChar char="-"/>
+            </a:pPr>
+            <a:r>
+              <a:rPr lang="en-US" altLang="ko-KR" sz="3600">
+                <a:latin typeface="에스코어 드림 4 Regular" panose="020B0503030302020204" pitchFamily="34" charset="-127"/>
+                <a:ea typeface="에스코어 드림 4 Regular" panose="020B0503030302020204" pitchFamily="34" charset="-127"/>
+              </a:rPr>
+              <a:t>target Namespace: “http://ProjectScene.org”</a:t>
+            </a:r>
+          </a:p>
+          <a:p>
+            <a:pPr marL="571500" indent="-571500">
+              <a:buFontTx/>
+              <a:buChar char="-"/>
+            </a:pPr>
+            <a:r>
+              <a:rPr lang="en-US" altLang="ko-KR" sz="3600">
+                <a:latin typeface="에스코어 드림 4 Regular" panose="020B0503030302020204" pitchFamily="34" charset="-127"/>
+                <a:ea typeface="에스코어 드림 4 Regular" panose="020B0503030302020204" pitchFamily="34" charset="-127"/>
+              </a:rPr>
+              <a:t>default Namespace: “http://ProjectScene.org”</a:t>
+            </a:r>
+          </a:p>
+          <a:p>
+            <a:pPr marL="571500" indent="-571500">
+              <a:buFontTx/>
+              <a:buChar char="-"/>
+            </a:pPr>
+            <a:r>
+              <a:rPr lang="en-US" altLang="ko-KR" sz="3600">
+                <a:latin typeface="에스코어 드림 4 Regular" panose="020B0503030302020204" pitchFamily="34" charset="-127"/>
+                <a:ea typeface="에스코어 드림 4 Regular" panose="020B0503030302020204" pitchFamily="34" charset="-127"/>
+              </a:rPr>
+              <a:t>element Form Default: qualified</a:t>
+            </a:r>
+          </a:p>
+          <a:p>
+            <a:pPr marL="571500" indent="-571500">
+              <a:buFontTx/>
+              <a:buChar char="-"/>
+            </a:pPr>
+            <a:r>
+              <a:rPr lang="en-US" altLang="ko-KR" sz="3600">
+                <a:latin typeface="에스코어 드림 4 Regular" panose="020B0503030302020204" pitchFamily="34" charset="-127"/>
+                <a:ea typeface="에스코어 드림 4 Regular" panose="020B0503030302020204" pitchFamily="34" charset="-127"/>
+              </a:rPr>
+              <a:t>include “http://ProjectScene.org”</a:t>
+            </a:r>
+          </a:p>
+          <a:p>
+            <a:endParaRPr lang="en-US" altLang="ko-KR" sz="3600">
+              <a:latin typeface="에스코어 드림 4 Regular" panose="020B0503030302020204" pitchFamily="34" charset="-127"/>
+              <a:ea typeface="에스코어 드림 4 Regular" panose="020B0503030302020204" pitchFamily="34" charset="-127"/>
+            </a:endParaRPr>
+          </a:p>
+          <a:p>
+            <a:r>
+              <a:rPr lang="en-US" altLang="ko-KR" sz="3600">
+                <a:latin typeface="에스코어 드림 4 Regular" panose="020B0503030302020204" pitchFamily="34" charset="-127"/>
+                <a:ea typeface="에스코어 드림 4 Regular" panose="020B0503030302020204" pitchFamily="34" charset="-127"/>
+              </a:rPr>
+              <a:t>element/attribute</a:t>
+            </a:r>
+            <a:r>
+              <a:rPr lang="ko-KR" altLang="en-US" sz="3600">
+                <a:latin typeface="에스코어 드림 4 Regular" panose="020B0503030302020204" pitchFamily="34" charset="-127"/>
+                <a:ea typeface="에스코어 드림 4 Regular" panose="020B0503030302020204" pitchFamily="34" charset="-127"/>
+              </a:rPr>
+              <a:t> 정의</a:t>
+            </a:r>
+            <a:endParaRPr lang="en-US" altLang="ko-KR" sz="3600">
+              <a:latin typeface="에스코어 드림 4 Regular" panose="020B0503030302020204" pitchFamily="34" charset="-127"/>
+              <a:ea typeface="에스코어 드림 4 Regular" panose="020B0503030302020204" pitchFamily="34" charset="-127"/>
+            </a:endParaRPr>
+          </a:p>
+          <a:p>
+            <a:pPr marL="571500" indent="-571500">
+              <a:buFontTx/>
+              <a:buChar char="-"/>
+            </a:pPr>
+            <a:r>
+              <a:rPr lang="en-US" altLang="ko-KR" sz="3600">
+                <a:latin typeface="에스코어 드림 4 Regular" panose="020B0503030302020204" pitchFamily="34" charset="-127"/>
+                <a:ea typeface="에스코어 드림 4 Regular" panose="020B0503030302020204" pitchFamily="34" charset="-127"/>
+              </a:rPr>
+              <a:t>object element </a:t>
+            </a:r>
+            <a:r>
+              <a:rPr lang="ko-KR" altLang="en-US" sz="3600">
+                <a:latin typeface="에스코어 드림 4 Regular" panose="020B0503030302020204" pitchFamily="34" charset="-127"/>
+                <a:ea typeface="에스코어 드림 4 Regular" panose="020B0503030302020204" pitchFamily="34" charset="-127"/>
+              </a:rPr>
+              <a:t>에 대해서</a:t>
+            </a:r>
+            <a:r>
+              <a:rPr lang="en-US" altLang="ko-KR" sz="3600">
+                <a:latin typeface="에스코어 드림 4 Regular" panose="020B0503030302020204" pitchFamily="34" charset="-127"/>
+                <a:ea typeface="에스코어 드림 4 Regular" panose="020B0503030302020204" pitchFamily="34" charset="-127"/>
+              </a:rPr>
+              <a:t>, </a:t>
+            </a:r>
+            <a:r>
+              <a:rPr lang="ko-KR" altLang="en-US" sz="3600">
+                <a:latin typeface="에스코어 드림 4 Regular" panose="020B0503030302020204" pitchFamily="34" charset="-127"/>
+                <a:ea typeface="에스코어 드림 4 Regular" panose="020B0503030302020204" pitchFamily="34" charset="-127"/>
+              </a:rPr>
+              <a:t>자식 </a:t>
+            </a:r>
+            <a:r>
+              <a:rPr lang="en-US" altLang="ko-KR" sz="3600">
+                <a:latin typeface="에스코어 드림 4 Regular" panose="020B0503030302020204" pitchFamily="34" charset="-127"/>
+                <a:ea typeface="에스코어 드림 4 Regular" panose="020B0503030302020204" pitchFamily="34" charset="-127"/>
+              </a:rPr>
+              <a:t>element</a:t>
+            </a:r>
+            <a:r>
+              <a:rPr lang="ko-KR" altLang="en-US" sz="3600">
+                <a:latin typeface="에스코어 드림 4 Regular" panose="020B0503030302020204" pitchFamily="34" charset="-127"/>
+                <a:ea typeface="에스코어 드림 4 Regular" panose="020B0503030302020204" pitchFamily="34" charset="-127"/>
+              </a:rPr>
+              <a:t>인 </a:t>
+            </a:r>
+            <a:r>
+              <a:rPr lang="en-US" altLang="ko-KR" sz="3600">
+                <a:latin typeface="에스코어 드림 4 Regular" panose="020B0503030302020204" pitchFamily="34" charset="-127"/>
+                <a:ea typeface="에스코어 드림 4 Regular" panose="020B0503030302020204" pitchFamily="34" charset="-127"/>
+              </a:rPr>
+              <a:t>transform,</a:t>
+            </a:r>
+            <a:r>
+              <a:rPr lang="ko-KR" altLang="en-US" sz="3600">
+                <a:latin typeface="에스코어 드림 4 Regular" panose="020B0503030302020204" pitchFamily="34" charset="-127"/>
+                <a:ea typeface="에스코어 드림 4 Regular" panose="020B0503030302020204" pitchFamily="34" charset="-127"/>
+              </a:rPr>
+              <a:t> </a:t>
+            </a:r>
+            <a:r>
+              <a:rPr lang="en-US" altLang="ko-KR" sz="3600">
+                <a:latin typeface="에스코어 드림 4 Regular" panose="020B0503030302020204" pitchFamily="34" charset="-127"/>
+                <a:ea typeface="에스코어 드림 4 Regular" panose="020B0503030302020204" pitchFamily="34" charset="-127"/>
+              </a:rPr>
+              <a:t>components</a:t>
+            </a:r>
+            <a:r>
+              <a:rPr lang="ko-KR" altLang="en-US" sz="3600">
+                <a:latin typeface="에스코어 드림 4 Regular" panose="020B0503030302020204" pitchFamily="34" charset="-127"/>
+                <a:ea typeface="에스코어 드림 4 Regular" panose="020B0503030302020204" pitchFamily="34" charset="-127"/>
+              </a:rPr>
+              <a:t>을 외부에서 정의</a:t>
+            </a:r>
+            <a:endParaRPr lang="en-US" altLang="ko-KR" sz="3600">
+              <a:latin typeface="에스코어 드림 4 Regular" panose="020B0503030302020204" pitchFamily="34" charset="-127"/>
+              <a:ea typeface="에스코어 드림 4 Regular" panose="020B0503030302020204" pitchFamily="34" charset="-127"/>
+            </a:endParaRPr>
+          </a:p>
+          <a:p>
+            <a:pPr marL="571500" indent="-571500">
+              <a:buFontTx/>
+              <a:buChar char="-"/>
+            </a:pPr>
+            <a:r>
+              <a:rPr lang="en-US" altLang="ko-KR" sz="3600">
+                <a:latin typeface="에스코어 드림 4 Regular" panose="020B0503030302020204" pitchFamily="34" charset="-127"/>
+                <a:ea typeface="에스코어 드림 4 Regular" panose="020B0503030302020204" pitchFamily="34" charset="-127"/>
+              </a:rPr>
+              <a:t>object attribute</a:t>
+            </a:r>
+            <a:r>
+              <a:rPr lang="ko-KR" altLang="en-US" sz="3600">
+                <a:latin typeface="에스코어 드림 4 Regular" panose="020B0503030302020204" pitchFamily="34" charset="-127"/>
+                <a:ea typeface="에스코어 드림 4 Regular" panose="020B0503030302020204" pitchFamily="34" charset="-127"/>
+              </a:rPr>
+              <a:t>인 </a:t>
+            </a:r>
+            <a:r>
+              <a:rPr lang="en-US" altLang="ko-KR" sz="3600">
+                <a:latin typeface="에스코어 드림 4 Regular" panose="020B0503030302020204" pitchFamily="34" charset="-127"/>
+                <a:ea typeface="에스코어 드림 4 Regular" panose="020B0503030302020204" pitchFamily="34" charset="-127"/>
+              </a:rPr>
+              <a:t>id, name, parent</a:t>
+            </a:r>
+            <a:r>
+              <a:rPr lang="ko-KR" altLang="en-US" sz="3600">
+                <a:latin typeface="에스코어 드림 4 Regular" panose="020B0503030302020204" pitchFamily="34" charset="-127"/>
+                <a:ea typeface="에스코어 드림 4 Regular" panose="020B0503030302020204" pitchFamily="34" charset="-127"/>
+              </a:rPr>
+              <a:t>에 대해서 정의</a:t>
+            </a:r>
+            <a:endParaRPr lang="en-US" altLang="ko-KR" sz="3600">
+              <a:latin typeface="에스코어 드림 4 Regular" panose="020B0503030302020204" pitchFamily="34" charset="-127"/>
+              <a:ea typeface="에스코어 드림 4 Regular" panose="020B0503030302020204" pitchFamily="34" charset="-127"/>
+            </a:endParaRPr>
+          </a:p>
+          <a:p>
+            <a:pPr marL="571500" indent="-571500">
+              <a:buFontTx/>
+              <a:buChar char="-"/>
+            </a:pPr>
+            <a:endParaRPr lang="en-US" altLang="ko-KR" sz="3600">
+              <a:latin typeface="에스코어 드림 4 Regular" panose="020B0503030302020204" pitchFamily="34" charset="-127"/>
+              <a:ea typeface="에스코어 드림 4 Regular" panose="020B0503030302020204" pitchFamily="34" charset="-127"/>
+            </a:endParaRPr>
+          </a:p>
+        </p:txBody>
+      </p:sp>
+      <p:pic>
+        <p:nvPicPr>
+          <p:cNvPr id="6" name="그림 5" descr="텍스트, 스크린샷, 폰트이(가) 표시된 사진&#10;&#10;AI 생성 콘텐츠는 정확하지 않을 수 있습니다.">
+            <a:extLst>
+              <a:ext uri="{FF2B5EF4-FFF2-40B4-BE49-F238E27FC236}">
+                <a16:creationId xmlns:a16="http://schemas.microsoft.com/office/drawing/2014/main" id="{88BDC4B4-CBEB-3B48-A805-DBC5C2234787}"/>
+              </a:ext>
+            </a:extLst>
+          </p:cNvPr>
+          <p:cNvPicPr>
+            <a:picLocks noChangeAspect="1"/>
+          </p:cNvPicPr>
+          <p:nvPr/>
+        </p:nvPicPr>
+        <p:blipFill>
+          <a:blip r:embed="rId4"/>
+          <a:stretch>
+            <a:fillRect/>
+          </a:stretch>
+        </p:blipFill>
+        <p:spPr>
+          <a:xfrm>
+            <a:off x="6479463" y="1274872"/>
+            <a:ext cx="11412373" cy="6880340"/>
+          </a:xfrm>
+          <a:prstGeom prst="rect">
+            <a:avLst/>
+          </a:prstGeom>
+        </p:spPr>
+      </p:pic>
+    </p:spTree>
+    <p:extLst>
+      <p:ext uri="{BB962C8B-B14F-4D97-AF65-F5344CB8AC3E}">
+        <p14:creationId xmlns:p14="http://schemas.microsoft.com/office/powerpoint/2010/main" val="3482387346"/>
+      </p:ext>
+    </p:extLst>
+  </p:cSld>
+  <p:clrMapOvr>
+    <a:masterClrMapping/>
+  </p:clrMapOvr>
+</p:sld>
+</file>
+
+<file path=ppt/slides/slide21.xml><?xml version="1.0" encoding="utf-8"?>
+<p:sld xmlns:a="http://schemas.openxmlformats.org/drawingml/2006/main" xmlns:r="http://schemas.openxmlformats.org/officeDocument/2006/relationships" xmlns:p="http://schemas.openxmlformats.org/presentationml/2006/main">
+  <p:cSld>
+    <p:bg>
+      <p:bgPr>
+        <a:solidFill>
+          <a:srgbClr val="FFFFFF"/>
+        </a:solidFill>
+        <a:effectLst/>
+      </p:bgPr>
+    </p:bg>
+    <p:spTree>
+      <p:nvGrpSpPr>
+        <p:cNvPr id="1" name="">
+          <a:extLst>
+            <a:ext uri="{FF2B5EF4-FFF2-40B4-BE49-F238E27FC236}">
+              <a16:creationId xmlns:a16="http://schemas.microsoft.com/office/drawing/2014/main" id="{A02EB0F6-1704-9966-4ABB-7D5ABAA6F0C5}"/>
+            </a:ext>
+          </a:extLst>
+        </p:cNvPr>
+        <p:cNvGrpSpPr/>
+        <p:nvPr/>
+      </p:nvGrpSpPr>
+      <p:grpSpPr>
+        <a:xfrm>
+          <a:off x="0" y="0"/>
+          <a:ext cx="0" cy="0"/>
+          <a:chOff x="0" y="0"/>
+          <a:chExt cx="0" cy="0"/>
+        </a:xfrm>
+      </p:grpSpPr>
+      <p:pic>
+        <p:nvPicPr>
+          <p:cNvPr id="2" name="Picture 2">
+            <a:extLst>
+              <a:ext uri="{FF2B5EF4-FFF2-40B4-BE49-F238E27FC236}">
+                <a16:creationId xmlns:a16="http://schemas.microsoft.com/office/drawing/2014/main" id="{C624424B-A91A-988F-39B4-0777E582E339}"/>
+              </a:ext>
+            </a:extLst>
+          </p:cNvPr>
+          <p:cNvPicPr>
+            <a:picLocks noChangeAspect="1"/>
+          </p:cNvPicPr>
+          <p:nvPr/>
+        </p:nvPicPr>
+        <p:blipFill>
+          <a:blip r:embed="rId2"/>
+          <a:stretch>
+            <a:fillRect/>
+          </a:stretch>
+        </p:blipFill>
+        <p:spPr>
+          <a:xfrm>
+            <a:off x="-228600" y="-228600"/>
+            <a:ext cx="6997700" cy="4064000"/>
+          </a:xfrm>
+          <a:prstGeom prst="rect">
+            <a:avLst/>
+          </a:prstGeom>
+        </p:spPr>
+      </p:pic>
+      <p:pic>
+        <p:nvPicPr>
+          <p:cNvPr id="3" name="Picture 3">
+            <a:extLst>
+              <a:ext uri="{FF2B5EF4-FFF2-40B4-BE49-F238E27FC236}">
+                <a16:creationId xmlns:a16="http://schemas.microsoft.com/office/drawing/2014/main" id="{6272F6F0-9F42-18F1-577B-3D985E84622E}"/>
+              </a:ext>
+            </a:extLst>
+          </p:cNvPr>
+          <p:cNvPicPr>
+            <a:picLocks noChangeAspect="1"/>
+          </p:cNvPicPr>
+          <p:nvPr/>
+        </p:nvPicPr>
+        <p:blipFill>
+          <a:blip r:embed="rId3"/>
+          <a:stretch>
+            <a:fillRect/>
+          </a:stretch>
+        </p:blipFill>
+        <p:spPr>
+          <a:xfrm>
+            <a:off x="1333500" y="990600"/>
+            <a:ext cx="21704300" cy="12700"/>
+          </a:xfrm>
+          <a:prstGeom prst="rect">
+            <a:avLst/>
+          </a:prstGeom>
+        </p:spPr>
+      </p:pic>
+      <p:sp>
+        <p:nvSpPr>
+          <p:cNvPr id="9" name="TextBox 9">
+            <a:extLst>
+              <a:ext uri="{FF2B5EF4-FFF2-40B4-BE49-F238E27FC236}">
+                <a16:creationId xmlns:a16="http://schemas.microsoft.com/office/drawing/2014/main" id="{1FDE9F23-7CAB-5D55-C063-B29B9EB6745D}"/>
+              </a:ext>
+            </a:extLst>
+          </p:cNvPr>
+          <p:cNvSpPr txBox="1"/>
+          <p:nvPr/>
+        </p:nvSpPr>
+        <p:spPr>
+          <a:xfrm>
+            <a:off x="292100" y="25400"/>
+            <a:ext cx="4267200" cy="977900"/>
+          </a:xfrm>
+          <a:prstGeom prst="rect">
+            <a:avLst/>
+          </a:prstGeom>
+        </p:spPr>
+        <p:txBody>
+          <a:bodyPr lIns="0" tIns="266700" rIns="0" bIns="0" rtlCol="0" anchor="t"/>
+          <a:lstStyle/>
+          <a:p>
+            <a:pPr lvl="0" algn="l">
+              <a:lnSpc>
+                <a:spcPct val="87149"/>
+              </a:lnSpc>
+            </a:pPr>
+            <a:r>
+              <a:rPr lang="en-US" sz="4800" b="0" i="0" u="none" strike="noStrike" spc="-240">
+                <a:solidFill>
+                  <a:srgbClr val="000000"/>
+                </a:solidFill>
+                <a:latin typeface="에스코어 드림 5 Medium" panose="020B0503030302020204" pitchFamily="34" charset="-127"/>
+                <a:ea typeface="에스코어 드림 5 Medium" panose="020B0503030302020204" pitchFamily="34" charset="-127"/>
+              </a:rPr>
+              <a:t>8. XSD </a:t>
+            </a:r>
+            <a:r>
+              <a:rPr lang="ko-KR" altLang="en-US" sz="4800" b="0" i="0" u="none" strike="noStrike" spc="-240">
+                <a:solidFill>
+                  <a:srgbClr val="000000"/>
+                </a:solidFill>
+                <a:latin typeface="에스코어 드림 5 Medium" panose="020B0503030302020204" pitchFamily="34" charset="-127"/>
+                <a:ea typeface="에스코어 드림 5 Medium" panose="020B0503030302020204" pitchFamily="34" charset="-127"/>
+              </a:rPr>
+              <a:t>구조도</a:t>
+            </a:r>
+            <a:endParaRPr lang="en" sz="4800" b="0" i="0" u="none" strike="noStrike" spc="-240">
+              <a:solidFill>
+                <a:srgbClr val="000000"/>
+              </a:solidFill>
+              <a:latin typeface="에스코어 드림 5 Medium" panose="020B0503030302020204" pitchFamily="34" charset="-127"/>
+              <a:ea typeface="에스코어 드림 5 Medium" panose="020B0503030302020204" pitchFamily="34" charset="-127"/>
+            </a:endParaRPr>
+          </a:p>
+        </p:txBody>
+      </p:sp>
+      <p:sp>
+        <p:nvSpPr>
+          <p:cNvPr id="4" name="TextBox 17">
+            <a:extLst>
+              <a:ext uri="{FF2B5EF4-FFF2-40B4-BE49-F238E27FC236}">
+                <a16:creationId xmlns:a16="http://schemas.microsoft.com/office/drawing/2014/main" id="{8D00F52B-0E6C-7748-409F-F2106089AFAE}"/>
+              </a:ext>
+            </a:extLst>
+          </p:cNvPr>
+          <p:cNvSpPr txBox="1"/>
+          <p:nvPr/>
+        </p:nvSpPr>
+        <p:spPr>
+          <a:xfrm>
+            <a:off x="3846429" y="1156034"/>
+            <a:ext cx="5041900" cy="552450"/>
+          </a:xfrm>
+          <a:prstGeom prst="rect">
+            <a:avLst/>
+          </a:prstGeom>
+        </p:spPr>
+        <p:txBody>
+          <a:bodyPr lIns="0" tIns="170376" rIns="0" bIns="0" rtlCol="0" anchor="t"/>
+          <a:lstStyle/>
+          <a:p>
+            <a:pPr lvl="0">
+              <a:lnSpc>
+                <a:spcPct val="99600"/>
+              </a:lnSpc>
+            </a:pPr>
+            <a:endParaRPr lang="en" sz="3600" b="0" i="0" u="none" strike="noStrike" spc="-134">
+              <a:solidFill>
+                <a:srgbClr val="000000"/>
+              </a:solidFill>
+              <a:latin typeface="에스코어 드림 3 Light" panose="020B0303030302020204" pitchFamily="34" charset="-127"/>
+              <a:ea typeface="에스코어 드림 3 Light" panose="020B0303030302020204" pitchFamily="34" charset="-127"/>
+            </a:endParaRPr>
+          </a:p>
+        </p:txBody>
+      </p:sp>
+      <p:sp>
+        <p:nvSpPr>
+          <p:cNvPr id="10" name="TextBox 9">
+            <a:extLst>
+              <a:ext uri="{FF2B5EF4-FFF2-40B4-BE49-F238E27FC236}">
+                <a16:creationId xmlns:a16="http://schemas.microsoft.com/office/drawing/2014/main" id="{B7CB4FE5-15C3-8019-B5CC-F04815F9393A}"/>
+              </a:ext>
+            </a:extLst>
+          </p:cNvPr>
+          <p:cNvSpPr txBox="1"/>
+          <p:nvPr/>
+        </p:nvSpPr>
+        <p:spPr>
+          <a:xfrm>
+            <a:off x="3992479" y="254334"/>
+            <a:ext cx="4267200" cy="977900"/>
+          </a:xfrm>
+          <a:prstGeom prst="rect">
+            <a:avLst/>
+          </a:prstGeom>
+        </p:spPr>
+        <p:txBody>
+          <a:bodyPr lIns="0" tIns="266700" rIns="0" bIns="0" rtlCol="0" anchor="t"/>
+          <a:lstStyle/>
+          <a:p>
+            <a:pPr lvl="0" algn="l">
+              <a:lnSpc>
+                <a:spcPct val="87149"/>
+              </a:lnSpc>
+            </a:pPr>
+            <a:r>
+              <a:rPr lang="en-US" sz="2800" b="0" i="0" u="none" strike="noStrike" spc="-240">
+                <a:solidFill>
+                  <a:srgbClr val="000000"/>
+                </a:solidFill>
+                <a:latin typeface="에스코어 드림 5 Medium" panose="020B0503030302020204" pitchFamily="34" charset="-127"/>
+                <a:ea typeface="에스코어 드림 5 Medium" panose="020B0503030302020204" pitchFamily="34" charset="-127"/>
+              </a:rPr>
+              <a:t>include2.xsd</a:t>
+            </a:r>
+            <a:endParaRPr lang="en" sz="2800" b="0" i="0" u="none" strike="noStrike" spc="-240">
+              <a:solidFill>
+                <a:srgbClr val="000000"/>
+              </a:solidFill>
+              <a:latin typeface="에스코어 드림 5 Medium" panose="020B0503030302020204" pitchFamily="34" charset="-127"/>
+              <a:ea typeface="에스코어 드림 5 Medium" panose="020B0503030302020204" pitchFamily="34" charset="-127"/>
+            </a:endParaRPr>
+          </a:p>
+        </p:txBody>
+      </p:sp>
+      <p:sp>
+        <p:nvSpPr>
+          <p:cNvPr id="11" name="TextBox 10">
+            <a:extLst>
+              <a:ext uri="{FF2B5EF4-FFF2-40B4-BE49-F238E27FC236}">
+                <a16:creationId xmlns:a16="http://schemas.microsoft.com/office/drawing/2014/main" id="{11F781EA-255B-C29C-83A1-7DD2B3FEE806}"/>
+              </a:ext>
+            </a:extLst>
+          </p:cNvPr>
+          <p:cNvSpPr txBox="1"/>
+          <p:nvPr/>
+        </p:nvSpPr>
+        <p:spPr>
+          <a:xfrm>
+            <a:off x="9906000" y="3835400"/>
+            <a:ext cx="14730304" cy="6740307"/>
+          </a:xfrm>
+          <a:prstGeom prst="rect">
+            <a:avLst/>
+          </a:prstGeom>
+          <a:noFill/>
+        </p:spPr>
+        <p:txBody>
+          <a:bodyPr wrap="square" rtlCol="0">
+            <a:spAutoFit/>
+          </a:bodyPr>
+          <a:lstStyle/>
+          <a:p>
+            <a:r>
+              <a:rPr lang="en-US" altLang="ko-KR" sz="3600">
+                <a:latin typeface="에스코어 드림 4 Regular" panose="020B0503030302020204" pitchFamily="34" charset="-127"/>
+                <a:ea typeface="에스코어 드림 4 Regular" panose="020B0503030302020204" pitchFamily="34" charset="-127"/>
+              </a:rPr>
+              <a:t>namespae</a:t>
+            </a:r>
+            <a:r>
+              <a:rPr lang="ko-KR" altLang="en-US" sz="3600">
+                <a:latin typeface="에스코어 드림 4 Regular" panose="020B0503030302020204" pitchFamily="34" charset="-127"/>
+                <a:ea typeface="에스코어 드림 4 Regular" panose="020B0503030302020204" pitchFamily="34" charset="-127"/>
+              </a:rPr>
+              <a:t> 정의</a:t>
+            </a:r>
+            <a:endParaRPr lang="en-US" altLang="ko-KR" sz="3600">
+              <a:latin typeface="에스코어 드림 4 Regular" panose="020B0503030302020204" pitchFamily="34" charset="-127"/>
+              <a:ea typeface="에스코어 드림 4 Regular" panose="020B0503030302020204" pitchFamily="34" charset="-127"/>
+            </a:endParaRPr>
+          </a:p>
+          <a:p>
+            <a:pPr marL="571500" indent="-571500">
+              <a:buFontTx/>
+              <a:buChar char="-"/>
+            </a:pPr>
+            <a:r>
+              <a:rPr lang="en-US" altLang="ko-KR" sz="3600">
+                <a:latin typeface="에스코어 드림 4 Regular" panose="020B0503030302020204" pitchFamily="34" charset="-127"/>
+                <a:ea typeface="에스코어 드림 4 Regular" panose="020B0503030302020204" pitchFamily="34" charset="-127"/>
+              </a:rPr>
+              <a:t>target Namespace: “http://ProjectScene.org”</a:t>
+            </a:r>
+          </a:p>
+          <a:p>
+            <a:pPr marL="571500" indent="-571500">
+              <a:buFontTx/>
+              <a:buChar char="-"/>
+            </a:pPr>
+            <a:r>
+              <a:rPr lang="en-US" altLang="ko-KR" sz="3600">
+                <a:latin typeface="에스코어 드림 4 Regular" panose="020B0503030302020204" pitchFamily="34" charset="-127"/>
+                <a:ea typeface="에스코어 드림 4 Regular" panose="020B0503030302020204" pitchFamily="34" charset="-127"/>
+              </a:rPr>
+              <a:t>default Namespace: “http://ProjectScene.org”</a:t>
+            </a:r>
+          </a:p>
+          <a:p>
+            <a:pPr marL="571500" indent="-571500">
+              <a:buFontTx/>
+              <a:buChar char="-"/>
+            </a:pPr>
+            <a:r>
+              <a:rPr lang="en-US" altLang="ko-KR" sz="3600">
+                <a:latin typeface="에스코어 드림 4 Regular" panose="020B0503030302020204" pitchFamily="34" charset="-127"/>
+                <a:ea typeface="에스코어 드림 4 Regular" panose="020B0503030302020204" pitchFamily="34" charset="-127"/>
+              </a:rPr>
+              <a:t>element Form Default: qualified</a:t>
+            </a:r>
+          </a:p>
+          <a:p>
+            <a:pPr marL="571500" indent="-571500">
+              <a:buFontTx/>
+              <a:buChar char="-"/>
+            </a:pPr>
+            <a:r>
+              <a:rPr lang="en-US" altLang="ko-KR" sz="3600">
+                <a:latin typeface="에스코어 드림 4 Regular" panose="020B0503030302020204" pitchFamily="34" charset="-127"/>
+                <a:ea typeface="에스코어 드림 4 Regular" panose="020B0503030302020204" pitchFamily="34" charset="-127"/>
+              </a:rPr>
+              <a:t>import “http://component.org”(prefix: comp)</a:t>
+            </a:r>
+          </a:p>
+          <a:p>
+            <a:endParaRPr lang="en-US" altLang="ko-KR" sz="3600">
+              <a:latin typeface="에스코어 드림 4 Regular" panose="020B0503030302020204" pitchFamily="34" charset="-127"/>
+              <a:ea typeface="에스코어 드림 4 Regular" panose="020B0503030302020204" pitchFamily="34" charset="-127"/>
+            </a:endParaRPr>
+          </a:p>
+          <a:p>
+            <a:r>
+              <a:rPr lang="en-US" altLang="ko-KR" sz="3600">
+                <a:latin typeface="에스코어 드림 4 Regular" panose="020B0503030302020204" pitchFamily="34" charset="-127"/>
+                <a:ea typeface="에스코어 드림 4 Regular" panose="020B0503030302020204" pitchFamily="34" charset="-127"/>
+              </a:rPr>
+              <a:t>element/attribute</a:t>
+            </a:r>
+            <a:r>
+              <a:rPr lang="ko-KR" altLang="en-US" sz="3600">
+                <a:latin typeface="에스코어 드림 4 Regular" panose="020B0503030302020204" pitchFamily="34" charset="-127"/>
+                <a:ea typeface="에스코어 드림 4 Regular" panose="020B0503030302020204" pitchFamily="34" charset="-127"/>
+              </a:rPr>
+              <a:t> 정의</a:t>
+            </a:r>
+            <a:endParaRPr lang="en-US" altLang="ko-KR" sz="3600">
+              <a:latin typeface="에스코어 드림 4 Regular" panose="020B0503030302020204" pitchFamily="34" charset="-127"/>
+              <a:ea typeface="에스코어 드림 4 Regular" panose="020B0503030302020204" pitchFamily="34" charset="-127"/>
+            </a:endParaRPr>
+          </a:p>
+          <a:p>
+            <a:pPr marL="571500" indent="-571500">
+              <a:buFontTx/>
+              <a:buChar char="-"/>
+            </a:pPr>
+            <a:r>
+              <a:rPr lang="en-US" altLang="ko-KR" sz="3600">
+                <a:latin typeface="에스코어 드림 4 Regular" panose="020B0503030302020204" pitchFamily="34" charset="-127"/>
+                <a:ea typeface="에스코어 드림 4 Regular" panose="020B0503030302020204" pitchFamily="34" charset="-127"/>
+              </a:rPr>
+              <a:t>transform element </a:t>
+            </a:r>
+            <a:r>
+              <a:rPr lang="ko-KR" altLang="en-US" sz="3600">
+                <a:latin typeface="에스코어 드림 4 Regular" panose="020B0503030302020204" pitchFamily="34" charset="-127"/>
+                <a:ea typeface="에스코어 드림 4 Regular" panose="020B0503030302020204" pitchFamily="34" charset="-127"/>
+              </a:rPr>
+              <a:t>에 대해서</a:t>
+            </a:r>
+            <a:r>
+              <a:rPr lang="en-US" altLang="ko-KR" sz="3600">
+                <a:latin typeface="에스코어 드림 4 Regular" panose="020B0503030302020204" pitchFamily="34" charset="-127"/>
+                <a:ea typeface="에스코어 드림 4 Regular" panose="020B0503030302020204" pitchFamily="34" charset="-127"/>
+              </a:rPr>
+              <a:t>, </a:t>
+            </a:r>
+            <a:r>
+              <a:rPr lang="ko-KR" altLang="en-US" sz="3600">
+                <a:latin typeface="에스코어 드림 4 Regular" panose="020B0503030302020204" pitchFamily="34" charset="-127"/>
+                <a:ea typeface="에스코어 드림 4 Regular" panose="020B0503030302020204" pitchFamily="34" charset="-127"/>
+              </a:rPr>
+              <a:t>자식 </a:t>
+            </a:r>
+            <a:r>
+              <a:rPr lang="en-US" altLang="ko-KR" sz="3600">
+                <a:latin typeface="에스코어 드림 4 Regular" panose="020B0503030302020204" pitchFamily="34" charset="-127"/>
+                <a:ea typeface="에스코어 드림 4 Regular" panose="020B0503030302020204" pitchFamily="34" charset="-127"/>
+              </a:rPr>
+              <a:t>element</a:t>
+            </a:r>
+            <a:r>
+              <a:rPr lang="ko-KR" altLang="en-US" sz="3600">
+                <a:latin typeface="에스코어 드림 4 Regular" panose="020B0503030302020204" pitchFamily="34" charset="-127"/>
+                <a:ea typeface="에스코어 드림 4 Regular" panose="020B0503030302020204" pitchFamily="34" charset="-127"/>
+              </a:rPr>
+              <a:t>들을 외부</a:t>
+            </a:r>
+            <a:r>
+              <a:rPr lang="en-US" altLang="ko-KR" sz="3600">
+                <a:latin typeface="에스코어 드림 4 Regular" panose="020B0503030302020204" pitchFamily="34" charset="-127"/>
+                <a:ea typeface="에스코어 드림 4 Regular" panose="020B0503030302020204" pitchFamily="34" charset="-127"/>
+              </a:rPr>
+              <a:t>(</a:t>
+            </a:r>
+            <a:r>
+              <a:rPr lang="ko-KR" altLang="en-US" sz="3600">
+                <a:latin typeface="에스코어 드림 4 Regular" panose="020B0503030302020204" pitchFamily="34" charset="-127"/>
+                <a:ea typeface="에스코어 드림 4 Regular" panose="020B0503030302020204" pitchFamily="34" charset="-127"/>
+              </a:rPr>
+              <a:t>같은 파일</a:t>
+            </a:r>
+            <a:r>
+              <a:rPr lang="en-US" altLang="ko-KR" sz="3600">
+                <a:latin typeface="에스코어 드림 4 Regular" panose="020B0503030302020204" pitchFamily="34" charset="-127"/>
+                <a:ea typeface="에스코어 드림 4 Regular" panose="020B0503030302020204" pitchFamily="34" charset="-127"/>
+              </a:rPr>
+              <a:t>)</a:t>
+            </a:r>
+            <a:r>
+              <a:rPr lang="ko-KR" altLang="en-US" sz="3600">
+                <a:latin typeface="에스코어 드림 4 Regular" panose="020B0503030302020204" pitchFamily="34" charset="-127"/>
+                <a:ea typeface="에스코어 드림 4 Regular" panose="020B0503030302020204" pitchFamily="34" charset="-127"/>
+              </a:rPr>
+              <a:t>에서 정의</a:t>
+            </a:r>
+            <a:endParaRPr lang="en-US" altLang="ko-KR" sz="3600">
+              <a:latin typeface="에스코어 드림 4 Regular" panose="020B0503030302020204" pitchFamily="34" charset="-127"/>
+              <a:ea typeface="에스코어 드림 4 Regular" panose="020B0503030302020204" pitchFamily="34" charset="-127"/>
+            </a:endParaRPr>
+          </a:p>
+          <a:p>
+            <a:pPr marL="1028700" lvl="1" indent="-571500">
+              <a:buFontTx/>
+              <a:buChar char="-"/>
+            </a:pPr>
+            <a:r>
+              <a:rPr lang="ko-KR" altLang="en-US" sz="3600">
+                <a:latin typeface="에스코어 드림 4 Regular" panose="020B0503030302020204" pitchFamily="34" charset="-127"/>
+                <a:ea typeface="에스코어 드림 4 Regular" panose="020B0503030302020204" pitchFamily="34" charset="-127"/>
+              </a:rPr>
+              <a:t>각 </a:t>
+            </a:r>
+            <a:r>
+              <a:rPr lang="en-US" altLang="ko-KR" sz="3600">
+                <a:latin typeface="에스코어 드림 4 Regular" panose="020B0503030302020204" pitchFamily="34" charset="-127"/>
+                <a:ea typeface="에스코어 드림 4 Regular" panose="020B0503030302020204" pitchFamily="34" charset="-127"/>
+              </a:rPr>
+              <a:t>position, rotation, scale elemen</a:t>
+            </a:r>
+            <a:r>
+              <a:rPr lang="ko-KR" altLang="en-US" sz="3600">
+                <a:latin typeface="에스코어 드림 4 Regular" panose="020B0503030302020204" pitchFamily="34" charset="-127"/>
+                <a:ea typeface="에스코어 드림 4 Regular" panose="020B0503030302020204" pitchFamily="34" charset="-127"/>
+              </a:rPr>
+              <a:t>는 속성</a:t>
+            </a:r>
+            <a:r>
+              <a:rPr lang="en-US" altLang="ko-KR" sz="3600">
+                <a:latin typeface="에스코어 드림 4 Regular" panose="020B0503030302020204" pitchFamily="34" charset="-127"/>
+                <a:ea typeface="에스코어 드림 4 Regular" panose="020B0503030302020204" pitchFamily="34" charset="-127"/>
+              </a:rPr>
+              <a:t>(x, y, z)</a:t>
+            </a:r>
+            <a:r>
+              <a:rPr lang="ko-KR" altLang="en-US" sz="3600">
+                <a:latin typeface="에스코어 드림 4 Regular" panose="020B0503030302020204" pitchFamily="34" charset="-127"/>
+                <a:ea typeface="에스코어 드림 4 Regular" panose="020B0503030302020204" pitchFamily="34" charset="-127"/>
+              </a:rPr>
+              <a:t>에 대해 정의</a:t>
+            </a:r>
+            <a:endParaRPr lang="en-US" altLang="ko-KR" sz="3600">
+              <a:latin typeface="에스코어 드림 4 Regular" panose="020B0503030302020204" pitchFamily="34" charset="-127"/>
+              <a:ea typeface="에스코어 드림 4 Regular" panose="020B0503030302020204" pitchFamily="34" charset="-127"/>
+            </a:endParaRPr>
+          </a:p>
+          <a:p>
+            <a:pPr marL="571500" indent="-571500">
+              <a:buFontTx/>
+              <a:buChar char="-"/>
+            </a:pPr>
+            <a:r>
+              <a:rPr lang="en-US" altLang="ko-KR" sz="3600">
+                <a:latin typeface="에스코어 드림 4 Regular" panose="020B0503030302020204" pitchFamily="34" charset="-127"/>
+                <a:ea typeface="에스코어 드림 4 Regular" panose="020B0503030302020204" pitchFamily="34" charset="-127"/>
+              </a:rPr>
+              <a:t>components element</a:t>
+            </a:r>
+            <a:r>
+              <a:rPr lang="ko-KR" altLang="en-US" sz="3600">
+                <a:latin typeface="에스코어 드림 4 Regular" panose="020B0503030302020204" pitchFamily="34" charset="-127"/>
+                <a:ea typeface="에스코어 드림 4 Regular" panose="020B0503030302020204" pitchFamily="34" charset="-127"/>
+              </a:rPr>
+              <a:t>에 대해서 자식 </a:t>
+            </a:r>
+            <a:r>
+              <a:rPr lang="en-US" altLang="ko-KR" sz="3600">
+                <a:latin typeface="에스코어 드림 4 Regular" panose="020B0503030302020204" pitchFamily="34" charset="-127"/>
+                <a:ea typeface="에스코어 드림 4 Regular" panose="020B0503030302020204" pitchFamily="34" charset="-127"/>
+              </a:rPr>
+              <a:t>element</a:t>
+            </a:r>
+            <a:r>
+              <a:rPr lang="ko-KR" altLang="en-US" sz="3600">
+                <a:latin typeface="에스코어 드림 4 Regular" panose="020B0503030302020204" pitchFamily="34" charset="-127"/>
+                <a:ea typeface="에스코어 드림 4 Regular" panose="020B0503030302020204" pitchFamily="34" charset="-127"/>
+              </a:rPr>
+              <a:t>인 </a:t>
+            </a:r>
+            <a:r>
+              <a:rPr lang="en-US" altLang="ko-KR" sz="3600">
+                <a:latin typeface="에스코어 드림 4 Regular" panose="020B0503030302020204" pitchFamily="34" charset="-127"/>
+                <a:ea typeface="에스코어 드림 4 Regular" panose="020B0503030302020204" pitchFamily="34" charset="-127"/>
+              </a:rPr>
+              <a:t>component</a:t>
+            </a:r>
+            <a:r>
+              <a:rPr lang="ko-KR" altLang="en-US" sz="3600">
+                <a:latin typeface="에스코어 드림 4 Regular" panose="020B0503030302020204" pitchFamily="34" charset="-127"/>
+                <a:ea typeface="에스코어 드림 4 Regular" panose="020B0503030302020204" pitchFamily="34" charset="-127"/>
+              </a:rPr>
+              <a:t>를 외부에서 정의</a:t>
+            </a:r>
+            <a:endParaRPr lang="en-US" altLang="ko-KR" sz="3600">
+              <a:latin typeface="에스코어 드림 4 Regular" panose="020B0503030302020204" pitchFamily="34" charset="-127"/>
+              <a:ea typeface="에스코어 드림 4 Regular" panose="020B0503030302020204" pitchFamily="34" charset="-127"/>
+            </a:endParaRPr>
+          </a:p>
+        </p:txBody>
+      </p:sp>
+      <p:pic>
+        <p:nvPicPr>
+          <p:cNvPr id="5" name="그림 4" descr="텍스트, 스크린샷, 메뉴이(가) 표시된 사진&#10;&#10;AI 생성 콘텐츠는 정확하지 않을 수 있습니다.">
+            <a:extLst>
+              <a:ext uri="{FF2B5EF4-FFF2-40B4-BE49-F238E27FC236}">
+                <a16:creationId xmlns:a16="http://schemas.microsoft.com/office/drawing/2014/main" id="{5E63E45C-4D82-DA42-25A4-59CD3DF31773}"/>
+              </a:ext>
+            </a:extLst>
+          </p:cNvPr>
+          <p:cNvPicPr>
+            <a:picLocks noChangeAspect="1"/>
+          </p:cNvPicPr>
+          <p:nvPr/>
+        </p:nvPicPr>
+        <p:blipFill>
+          <a:blip r:embed="rId4"/>
+          <a:stretch>
+            <a:fillRect/>
+          </a:stretch>
+        </p:blipFill>
+        <p:spPr>
+          <a:xfrm>
+            <a:off x="186490" y="1156034"/>
+            <a:ext cx="8865626" cy="12496466"/>
+          </a:xfrm>
+          <a:prstGeom prst="rect">
+            <a:avLst/>
+          </a:prstGeom>
+        </p:spPr>
+      </p:pic>
+    </p:spTree>
+    <p:extLst>
+      <p:ext uri="{BB962C8B-B14F-4D97-AF65-F5344CB8AC3E}">
+        <p14:creationId xmlns:p14="http://schemas.microsoft.com/office/powerpoint/2010/main" val="1387624588"/>
+      </p:ext>
+    </p:extLst>
+  </p:cSld>
+  <p:clrMapOvr>
+    <a:masterClrMapping/>
+  </p:clrMapOvr>
+</p:sld>
+</file>
+
+<file path=ppt/slides/slide22.xml><?xml version="1.0" encoding="utf-8"?>
+<p:sld xmlns:a="http://schemas.openxmlformats.org/drawingml/2006/main" xmlns:r="http://schemas.openxmlformats.org/officeDocument/2006/relationships" xmlns:p="http://schemas.openxmlformats.org/presentationml/2006/main">
+  <p:cSld>
+    <p:bg>
+      <p:bgPr>
+        <a:solidFill>
+          <a:srgbClr val="FFFFFF"/>
+        </a:solidFill>
+        <a:effectLst/>
+      </p:bgPr>
+    </p:bg>
+    <p:spTree>
+      <p:nvGrpSpPr>
+        <p:cNvPr id="1" name="">
+          <a:extLst>
+            <a:ext uri="{FF2B5EF4-FFF2-40B4-BE49-F238E27FC236}">
+              <a16:creationId xmlns:a16="http://schemas.microsoft.com/office/drawing/2014/main" id="{51B87EBE-7705-AAA5-E96A-E7C2DA0FDAC8}"/>
+            </a:ext>
+          </a:extLst>
+        </p:cNvPr>
+        <p:cNvGrpSpPr/>
+        <p:nvPr/>
+      </p:nvGrpSpPr>
+      <p:grpSpPr>
+        <a:xfrm>
+          <a:off x="0" y="0"/>
+          <a:ext cx="0" cy="0"/>
+          <a:chOff x="0" y="0"/>
+          <a:chExt cx="0" cy="0"/>
+        </a:xfrm>
+      </p:grpSpPr>
+      <p:pic>
+        <p:nvPicPr>
+          <p:cNvPr id="2" name="Picture 2">
+            <a:extLst>
+              <a:ext uri="{FF2B5EF4-FFF2-40B4-BE49-F238E27FC236}">
+                <a16:creationId xmlns:a16="http://schemas.microsoft.com/office/drawing/2014/main" id="{530FF235-2AB3-A0FB-98E7-A163029DF108}"/>
+              </a:ext>
+            </a:extLst>
+          </p:cNvPr>
+          <p:cNvPicPr>
+            <a:picLocks noChangeAspect="1"/>
+          </p:cNvPicPr>
+          <p:nvPr/>
+        </p:nvPicPr>
+        <p:blipFill>
+          <a:blip r:embed="rId2"/>
+          <a:stretch>
+            <a:fillRect/>
+          </a:stretch>
+        </p:blipFill>
+        <p:spPr>
+          <a:xfrm>
+            <a:off x="-228600" y="-228600"/>
+            <a:ext cx="6997700" cy="4064000"/>
+          </a:xfrm>
+          <a:prstGeom prst="rect">
+            <a:avLst/>
+          </a:prstGeom>
+        </p:spPr>
+      </p:pic>
+      <p:pic>
+        <p:nvPicPr>
+          <p:cNvPr id="3" name="Picture 3">
+            <a:extLst>
+              <a:ext uri="{FF2B5EF4-FFF2-40B4-BE49-F238E27FC236}">
+                <a16:creationId xmlns:a16="http://schemas.microsoft.com/office/drawing/2014/main" id="{EF59A13A-7F2F-11BF-9E2D-498F18D1688B}"/>
+              </a:ext>
+            </a:extLst>
+          </p:cNvPr>
+          <p:cNvPicPr>
+            <a:picLocks noChangeAspect="1"/>
+          </p:cNvPicPr>
+          <p:nvPr/>
+        </p:nvPicPr>
+        <p:blipFill>
+          <a:blip r:embed="rId3"/>
+          <a:stretch>
+            <a:fillRect/>
+          </a:stretch>
+        </p:blipFill>
+        <p:spPr>
+          <a:xfrm>
+            <a:off x="1333500" y="990600"/>
+            <a:ext cx="21704300" cy="12700"/>
+          </a:xfrm>
+          <a:prstGeom prst="rect">
+            <a:avLst/>
+          </a:prstGeom>
+        </p:spPr>
+      </p:pic>
+      <p:sp>
+        <p:nvSpPr>
+          <p:cNvPr id="9" name="TextBox 9">
+            <a:extLst>
+              <a:ext uri="{FF2B5EF4-FFF2-40B4-BE49-F238E27FC236}">
+                <a16:creationId xmlns:a16="http://schemas.microsoft.com/office/drawing/2014/main" id="{1281CD8B-5C92-5E55-1B29-A1C38BAC0F1B}"/>
+              </a:ext>
+            </a:extLst>
+          </p:cNvPr>
+          <p:cNvSpPr txBox="1"/>
+          <p:nvPr/>
+        </p:nvSpPr>
+        <p:spPr>
+          <a:xfrm>
+            <a:off x="292100" y="25400"/>
+            <a:ext cx="4267200" cy="977900"/>
+          </a:xfrm>
+          <a:prstGeom prst="rect">
+            <a:avLst/>
+          </a:prstGeom>
+        </p:spPr>
+        <p:txBody>
+          <a:bodyPr lIns="0" tIns="266700" rIns="0" bIns="0" rtlCol="0" anchor="t"/>
+          <a:lstStyle/>
+          <a:p>
+            <a:pPr lvl="0" algn="l">
+              <a:lnSpc>
+                <a:spcPct val="87149"/>
+              </a:lnSpc>
+            </a:pPr>
+            <a:r>
+              <a:rPr lang="en-US" sz="4800" b="0" i="0" u="none" strike="noStrike" spc="-240">
+                <a:solidFill>
+                  <a:srgbClr val="000000"/>
+                </a:solidFill>
+                <a:latin typeface="에스코어 드림 5 Medium" panose="020B0503030302020204" pitchFamily="34" charset="-127"/>
+                <a:ea typeface="에스코어 드림 5 Medium" panose="020B0503030302020204" pitchFamily="34" charset="-127"/>
+              </a:rPr>
+              <a:t>8. XSD </a:t>
+            </a:r>
+            <a:r>
+              <a:rPr lang="ko-KR" altLang="en-US" sz="4800" b="0" i="0" u="none" strike="noStrike" spc="-240">
+                <a:solidFill>
+                  <a:srgbClr val="000000"/>
+                </a:solidFill>
+                <a:latin typeface="에스코어 드림 5 Medium" panose="020B0503030302020204" pitchFamily="34" charset="-127"/>
+                <a:ea typeface="에스코어 드림 5 Medium" panose="020B0503030302020204" pitchFamily="34" charset="-127"/>
+              </a:rPr>
+              <a:t>구조도</a:t>
+            </a:r>
+            <a:endParaRPr lang="en" sz="4800" b="0" i="0" u="none" strike="noStrike" spc="-240">
+              <a:solidFill>
+                <a:srgbClr val="000000"/>
+              </a:solidFill>
+              <a:latin typeface="에스코어 드림 5 Medium" panose="020B0503030302020204" pitchFamily="34" charset="-127"/>
+              <a:ea typeface="에스코어 드림 5 Medium" panose="020B0503030302020204" pitchFamily="34" charset="-127"/>
+            </a:endParaRPr>
+          </a:p>
+        </p:txBody>
+      </p:sp>
+      <p:sp>
+        <p:nvSpPr>
+          <p:cNvPr id="4" name="TextBox 17">
+            <a:extLst>
+              <a:ext uri="{FF2B5EF4-FFF2-40B4-BE49-F238E27FC236}">
+                <a16:creationId xmlns:a16="http://schemas.microsoft.com/office/drawing/2014/main" id="{9CC97D5B-3515-37A6-7AB9-48109493387A}"/>
+              </a:ext>
+            </a:extLst>
+          </p:cNvPr>
+          <p:cNvSpPr txBox="1"/>
+          <p:nvPr/>
+        </p:nvSpPr>
+        <p:spPr>
+          <a:xfrm>
+            <a:off x="3846429" y="1156034"/>
+            <a:ext cx="5041900" cy="552450"/>
+          </a:xfrm>
+          <a:prstGeom prst="rect">
+            <a:avLst/>
+          </a:prstGeom>
+        </p:spPr>
+        <p:txBody>
+          <a:bodyPr lIns="0" tIns="170376" rIns="0" bIns="0" rtlCol="0" anchor="t"/>
+          <a:lstStyle/>
+          <a:p>
+            <a:pPr lvl="0">
+              <a:lnSpc>
+                <a:spcPct val="99600"/>
+              </a:lnSpc>
+            </a:pPr>
+            <a:endParaRPr lang="en" sz="3600" b="0" i="0" u="none" strike="noStrike" spc="-134">
+              <a:solidFill>
+                <a:srgbClr val="000000"/>
+              </a:solidFill>
+              <a:latin typeface="에스코어 드림 3 Light" panose="020B0303030302020204" pitchFamily="34" charset="-127"/>
+              <a:ea typeface="에스코어 드림 3 Light" panose="020B0303030302020204" pitchFamily="34" charset="-127"/>
+            </a:endParaRPr>
+          </a:p>
+        </p:txBody>
+      </p:sp>
+      <p:sp>
+        <p:nvSpPr>
+          <p:cNvPr id="10" name="TextBox 9">
+            <a:extLst>
+              <a:ext uri="{FF2B5EF4-FFF2-40B4-BE49-F238E27FC236}">
+                <a16:creationId xmlns:a16="http://schemas.microsoft.com/office/drawing/2014/main" id="{9D6D9DD0-C729-7BED-BFE9-406CE570D166}"/>
+              </a:ext>
+            </a:extLst>
+          </p:cNvPr>
+          <p:cNvSpPr txBox="1"/>
+          <p:nvPr/>
+        </p:nvSpPr>
+        <p:spPr>
+          <a:xfrm>
+            <a:off x="3992479" y="254334"/>
+            <a:ext cx="4267200" cy="977900"/>
+          </a:xfrm>
+          <a:prstGeom prst="rect">
+            <a:avLst/>
+          </a:prstGeom>
+        </p:spPr>
+        <p:txBody>
+          <a:bodyPr lIns="0" tIns="266700" rIns="0" bIns="0" rtlCol="0" anchor="t"/>
+          <a:lstStyle/>
+          <a:p>
+            <a:pPr lvl="0" algn="l">
+              <a:lnSpc>
+                <a:spcPct val="87149"/>
+              </a:lnSpc>
+            </a:pPr>
+            <a:r>
+              <a:rPr lang="en-US" sz="2800" spc="-240">
+                <a:solidFill>
+                  <a:srgbClr val="000000"/>
+                </a:solidFill>
+                <a:latin typeface="에스코어 드림 5 Medium" panose="020B0503030302020204" pitchFamily="34" charset="-127"/>
+                <a:ea typeface="에스코어 드림 5 Medium" panose="020B0503030302020204" pitchFamily="34" charset="-127"/>
+              </a:rPr>
+              <a:t>import</a:t>
+            </a:r>
+            <a:r>
+              <a:rPr lang="en-US" sz="2800" b="0" i="0" u="none" strike="noStrike" spc="-240">
+                <a:solidFill>
+                  <a:srgbClr val="000000"/>
+                </a:solidFill>
+                <a:latin typeface="에스코어 드림 5 Medium" panose="020B0503030302020204" pitchFamily="34" charset="-127"/>
+                <a:ea typeface="에스코어 드림 5 Medium" panose="020B0503030302020204" pitchFamily="34" charset="-127"/>
+              </a:rPr>
+              <a:t>2.xsd</a:t>
+            </a:r>
+            <a:endParaRPr lang="en" sz="2800" b="0" i="0" u="none" strike="noStrike" spc="-240">
+              <a:solidFill>
+                <a:srgbClr val="000000"/>
+              </a:solidFill>
+              <a:latin typeface="에스코어 드림 5 Medium" panose="020B0503030302020204" pitchFamily="34" charset="-127"/>
+              <a:ea typeface="에스코어 드림 5 Medium" panose="020B0503030302020204" pitchFamily="34" charset="-127"/>
+            </a:endParaRPr>
+          </a:p>
+        </p:txBody>
+      </p:sp>
+      <p:pic>
+        <p:nvPicPr>
+          <p:cNvPr id="7" name="그림 6">
+            <a:extLst>
+              <a:ext uri="{FF2B5EF4-FFF2-40B4-BE49-F238E27FC236}">
+                <a16:creationId xmlns:a16="http://schemas.microsoft.com/office/drawing/2014/main" id="{732BCE73-8065-C314-DB33-CBCAE2429DE5}"/>
+              </a:ext>
+            </a:extLst>
+          </p:cNvPr>
+          <p:cNvPicPr>
+            <a:picLocks noChangeAspect="1"/>
+          </p:cNvPicPr>
+          <p:nvPr/>
+        </p:nvPicPr>
+        <p:blipFill>
+          <a:blip r:embed="rId4"/>
+          <a:stretch>
+            <a:fillRect/>
+          </a:stretch>
+        </p:blipFill>
+        <p:spPr>
+          <a:xfrm>
+            <a:off x="292100" y="1240255"/>
+            <a:ext cx="9598850" cy="2617869"/>
+          </a:xfrm>
+          <a:prstGeom prst="rect">
+            <a:avLst/>
+          </a:prstGeom>
+        </p:spPr>
+      </p:pic>
+      <p:sp>
+        <p:nvSpPr>
+          <p:cNvPr id="8" name="TextBox 7">
+            <a:extLst>
+              <a:ext uri="{FF2B5EF4-FFF2-40B4-BE49-F238E27FC236}">
+                <a16:creationId xmlns:a16="http://schemas.microsoft.com/office/drawing/2014/main" id="{A5D5F5CA-EAC4-F535-2246-1810BFEDDA98}"/>
+              </a:ext>
+            </a:extLst>
+          </p:cNvPr>
+          <p:cNvSpPr txBox="1"/>
+          <p:nvPr/>
+        </p:nvSpPr>
+        <p:spPr>
+          <a:xfrm>
+            <a:off x="10323429" y="990600"/>
+            <a:ext cx="14730304" cy="3046988"/>
+          </a:xfrm>
+          <a:prstGeom prst="rect">
+            <a:avLst/>
+          </a:prstGeom>
+          <a:noFill/>
+        </p:spPr>
+        <p:txBody>
+          <a:bodyPr wrap="square" rtlCol="0">
+            <a:spAutoFit/>
+          </a:bodyPr>
+          <a:lstStyle/>
+          <a:p>
+            <a:r>
+              <a:rPr lang="en-US" altLang="ko-KR" sz="3200">
+                <a:latin typeface="에스코어 드림 4 Regular" panose="020B0503030302020204" pitchFamily="34" charset="-127"/>
+                <a:ea typeface="에스코어 드림 4 Regular" panose="020B0503030302020204" pitchFamily="34" charset="-127"/>
+              </a:rPr>
+              <a:t>namespae</a:t>
+            </a:r>
+            <a:r>
+              <a:rPr lang="ko-KR" altLang="en-US" sz="3200">
+                <a:latin typeface="에스코어 드림 4 Regular" panose="020B0503030302020204" pitchFamily="34" charset="-127"/>
+                <a:ea typeface="에스코어 드림 4 Regular" panose="020B0503030302020204" pitchFamily="34" charset="-127"/>
+              </a:rPr>
+              <a:t> 정의</a:t>
+            </a:r>
+            <a:endParaRPr lang="en-US" altLang="ko-KR" sz="3200">
+              <a:latin typeface="에스코어 드림 4 Regular" panose="020B0503030302020204" pitchFamily="34" charset="-127"/>
+              <a:ea typeface="에스코어 드림 4 Regular" panose="020B0503030302020204" pitchFamily="34" charset="-127"/>
+            </a:endParaRPr>
+          </a:p>
+          <a:p>
+            <a:pPr marL="571500" indent="-571500">
+              <a:buFontTx/>
+              <a:buChar char="-"/>
+            </a:pPr>
+            <a:r>
+              <a:rPr lang="en-US" altLang="ko-KR" sz="3200">
+                <a:latin typeface="에스코어 드림 4 Regular" panose="020B0503030302020204" pitchFamily="34" charset="-127"/>
+                <a:ea typeface="에스코어 드림 4 Regular" panose="020B0503030302020204" pitchFamily="34" charset="-127"/>
+              </a:rPr>
+              <a:t>target Namespace: “http://component.org”</a:t>
+            </a:r>
+          </a:p>
+          <a:p>
+            <a:pPr marL="571500" indent="-571500">
+              <a:buFontTx/>
+              <a:buChar char="-"/>
+            </a:pPr>
+            <a:r>
+              <a:rPr lang="en-US" altLang="ko-KR" sz="3200">
+                <a:latin typeface="에스코어 드림 4 Regular" panose="020B0503030302020204" pitchFamily="34" charset="-127"/>
+                <a:ea typeface="에스코어 드림 4 Regular" panose="020B0503030302020204" pitchFamily="34" charset="-127"/>
+              </a:rPr>
+              <a:t>default Namespace: “http://component.org”</a:t>
+            </a:r>
+          </a:p>
+          <a:p>
+            <a:pPr marL="571500" indent="-571500">
+              <a:buFontTx/>
+              <a:buChar char="-"/>
+            </a:pPr>
+            <a:r>
+              <a:rPr lang="en-US" altLang="ko-KR" sz="3200">
+                <a:latin typeface="에스코어 드림 4 Regular" panose="020B0503030302020204" pitchFamily="34" charset="-127"/>
+                <a:ea typeface="에스코어 드림 4 Regular" panose="020B0503030302020204" pitchFamily="34" charset="-127"/>
+              </a:rPr>
+              <a:t>element Form Default: qualified</a:t>
+            </a:r>
+          </a:p>
+          <a:p>
+            <a:r>
+              <a:rPr lang="en-US" altLang="ko-KR" sz="3200">
+                <a:latin typeface="에스코어 드림 4 Regular" panose="020B0503030302020204" pitchFamily="34" charset="-127"/>
+                <a:ea typeface="에스코어 드림 4 Regular" panose="020B0503030302020204" pitchFamily="34" charset="-127"/>
+              </a:rPr>
+              <a:t>element </a:t>
+            </a:r>
+            <a:r>
+              <a:rPr lang="ko-KR" altLang="en-US" sz="3200">
+                <a:latin typeface="에스코어 드림 4 Regular" panose="020B0503030302020204" pitchFamily="34" charset="-127"/>
+                <a:ea typeface="에스코어 드림 4 Regular" panose="020B0503030302020204" pitchFamily="34" charset="-127"/>
+              </a:rPr>
+              <a:t>정의</a:t>
+            </a:r>
+            <a:endParaRPr lang="en-US" altLang="ko-KR" sz="3200">
+              <a:latin typeface="에스코어 드림 4 Regular" panose="020B0503030302020204" pitchFamily="34" charset="-127"/>
+              <a:ea typeface="에스코어 드림 4 Regular" panose="020B0503030302020204" pitchFamily="34" charset="-127"/>
+            </a:endParaRPr>
+          </a:p>
+          <a:p>
+            <a:pPr marL="457200" indent="-457200">
+              <a:buFontTx/>
+              <a:buChar char="-"/>
+            </a:pPr>
+            <a:r>
+              <a:rPr lang="en-US" altLang="ko-KR" sz="3200">
+                <a:latin typeface="에스코어 드림 4 Regular" panose="020B0503030302020204" pitchFamily="34" charset="-127"/>
+                <a:ea typeface="에스코어 드림 4 Regular" panose="020B0503030302020204" pitchFamily="34" charset="-127"/>
+              </a:rPr>
+              <a:t>component element</a:t>
+            </a:r>
+            <a:r>
+              <a:rPr lang="ko-KR" altLang="en-US" sz="3200">
+                <a:latin typeface="에스코어 드림 4 Regular" panose="020B0503030302020204" pitchFamily="34" charset="-127"/>
+                <a:ea typeface="에스코어 드림 4 Regular" panose="020B0503030302020204" pitchFamily="34" charset="-127"/>
+              </a:rPr>
+              <a:t> 정의</a:t>
+            </a:r>
+            <a:r>
+              <a:rPr lang="en-US" altLang="ko-KR" sz="3200">
+                <a:latin typeface="에스코어 드림 4 Regular" panose="020B0503030302020204" pitchFamily="34" charset="-127"/>
+                <a:ea typeface="에스코어 드림 4 Regular" panose="020B0503030302020204" pitchFamily="34" charset="-127"/>
+              </a:rPr>
+              <a:t>(type: componentType)</a:t>
+            </a:r>
+          </a:p>
+        </p:txBody>
+      </p:sp>
+      <p:pic>
+        <p:nvPicPr>
+          <p:cNvPr id="13" name="그림 12">
+            <a:extLst>
+              <a:ext uri="{FF2B5EF4-FFF2-40B4-BE49-F238E27FC236}">
+                <a16:creationId xmlns:a16="http://schemas.microsoft.com/office/drawing/2014/main" id="{267EF452-8173-B104-850F-12D5C3E86991}"/>
+              </a:ext>
+            </a:extLst>
+          </p:cNvPr>
+          <p:cNvPicPr>
+            <a:picLocks noChangeAspect="1"/>
+          </p:cNvPicPr>
+          <p:nvPr/>
+        </p:nvPicPr>
+        <p:blipFill>
+          <a:blip r:embed="rId5"/>
+          <a:stretch>
+            <a:fillRect/>
+          </a:stretch>
+        </p:blipFill>
+        <p:spPr>
+          <a:xfrm>
+            <a:off x="340740" y="4927600"/>
+            <a:ext cx="7344226" cy="3911600"/>
+          </a:xfrm>
+          <a:prstGeom prst="rect">
+            <a:avLst/>
+          </a:prstGeom>
+        </p:spPr>
+      </p:pic>
+      <p:pic>
+        <p:nvPicPr>
+          <p:cNvPr id="15" name="그림 14">
+            <a:extLst>
+              <a:ext uri="{FF2B5EF4-FFF2-40B4-BE49-F238E27FC236}">
+                <a16:creationId xmlns:a16="http://schemas.microsoft.com/office/drawing/2014/main" id="{96D506B0-CCBB-380D-7634-BDEAC55E7FAB}"/>
+              </a:ext>
+            </a:extLst>
+          </p:cNvPr>
+          <p:cNvPicPr>
+            <a:picLocks noChangeAspect="1"/>
+          </p:cNvPicPr>
+          <p:nvPr/>
+        </p:nvPicPr>
+        <p:blipFill>
+          <a:blip r:embed="rId6"/>
+          <a:stretch>
+            <a:fillRect/>
+          </a:stretch>
+        </p:blipFill>
+        <p:spPr>
+          <a:xfrm>
+            <a:off x="7848600" y="4960009"/>
+            <a:ext cx="7108497" cy="3008888"/>
+          </a:xfrm>
+          <a:prstGeom prst="rect">
+            <a:avLst/>
+          </a:prstGeom>
+        </p:spPr>
+      </p:pic>
+      <p:pic>
+        <p:nvPicPr>
+          <p:cNvPr id="17" name="그림 16">
+            <a:extLst>
+              <a:ext uri="{FF2B5EF4-FFF2-40B4-BE49-F238E27FC236}">
+                <a16:creationId xmlns:a16="http://schemas.microsoft.com/office/drawing/2014/main" id="{5D7CAFBA-7C23-8C95-43E6-3007C875FCF3}"/>
+              </a:ext>
+            </a:extLst>
+          </p:cNvPr>
+          <p:cNvPicPr>
+            <a:picLocks noChangeAspect="1"/>
+          </p:cNvPicPr>
+          <p:nvPr/>
+        </p:nvPicPr>
+        <p:blipFill>
+          <a:blip r:embed="rId7"/>
+          <a:stretch>
+            <a:fillRect/>
+          </a:stretch>
+        </p:blipFill>
+        <p:spPr>
+          <a:xfrm>
+            <a:off x="15120731" y="4960009"/>
+            <a:ext cx="7344226" cy="4054841"/>
+          </a:xfrm>
+          <a:prstGeom prst="rect">
+            <a:avLst/>
+          </a:prstGeom>
+        </p:spPr>
+      </p:pic>
+      <p:pic>
+        <p:nvPicPr>
+          <p:cNvPr id="19" name="그림 18">
+            <a:extLst>
+              <a:ext uri="{FF2B5EF4-FFF2-40B4-BE49-F238E27FC236}">
+                <a16:creationId xmlns:a16="http://schemas.microsoft.com/office/drawing/2014/main" id="{57CF8B11-926A-6850-1141-6CB6DD40CDDF}"/>
+              </a:ext>
+            </a:extLst>
+          </p:cNvPr>
+          <p:cNvPicPr>
+            <a:picLocks noChangeAspect="1"/>
+          </p:cNvPicPr>
+          <p:nvPr/>
+        </p:nvPicPr>
+        <p:blipFill>
+          <a:blip r:embed="rId8"/>
+          <a:stretch>
+            <a:fillRect/>
+          </a:stretch>
+        </p:blipFill>
+        <p:spPr>
+          <a:xfrm>
+            <a:off x="15120730" y="9099070"/>
+            <a:ext cx="7381271" cy="2330929"/>
+          </a:xfrm>
+          <a:prstGeom prst="rect">
+            <a:avLst/>
+          </a:prstGeom>
+        </p:spPr>
+      </p:pic>
+      <p:pic>
+        <p:nvPicPr>
+          <p:cNvPr id="21" name="그림 20">
+            <a:extLst>
+              <a:ext uri="{FF2B5EF4-FFF2-40B4-BE49-F238E27FC236}">
+                <a16:creationId xmlns:a16="http://schemas.microsoft.com/office/drawing/2014/main" id="{EAA8F655-7287-E745-684A-B8FA1B2A2DDB}"/>
+              </a:ext>
+            </a:extLst>
+          </p:cNvPr>
+          <p:cNvPicPr>
+            <a:picLocks noChangeAspect="1"/>
+          </p:cNvPicPr>
+          <p:nvPr/>
+        </p:nvPicPr>
+        <p:blipFill>
+          <a:blip r:embed="rId9"/>
+          <a:stretch>
+            <a:fillRect/>
+          </a:stretch>
+        </p:blipFill>
+        <p:spPr>
+          <a:xfrm>
+            <a:off x="340740" y="8962840"/>
+            <a:ext cx="7376529" cy="2848160"/>
+          </a:xfrm>
+          <a:prstGeom prst="rect">
+            <a:avLst/>
+          </a:prstGeom>
+        </p:spPr>
+      </p:pic>
+      <p:pic>
+        <p:nvPicPr>
+          <p:cNvPr id="23" name="그림 22">
+            <a:extLst>
+              <a:ext uri="{FF2B5EF4-FFF2-40B4-BE49-F238E27FC236}">
+                <a16:creationId xmlns:a16="http://schemas.microsoft.com/office/drawing/2014/main" id="{BA92BFF2-6074-A5A7-4402-E2D63466BC93}"/>
+              </a:ext>
+            </a:extLst>
+          </p:cNvPr>
+          <p:cNvPicPr>
+            <a:picLocks noChangeAspect="1"/>
+          </p:cNvPicPr>
+          <p:nvPr/>
+        </p:nvPicPr>
+        <p:blipFill>
+          <a:blip r:embed="rId10"/>
+          <a:stretch>
+            <a:fillRect/>
+          </a:stretch>
+        </p:blipFill>
+        <p:spPr>
+          <a:xfrm>
+            <a:off x="7842524" y="8051317"/>
+            <a:ext cx="7073956" cy="1839608"/>
+          </a:xfrm>
+          <a:prstGeom prst="rect">
+            <a:avLst/>
+          </a:prstGeom>
+        </p:spPr>
+      </p:pic>
+      <p:sp>
+        <p:nvSpPr>
+          <p:cNvPr id="24" name="TextBox 23">
+            <a:extLst>
+              <a:ext uri="{FF2B5EF4-FFF2-40B4-BE49-F238E27FC236}">
+                <a16:creationId xmlns:a16="http://schemas.microsoft.com/office/drawing/2014/main" id="{B800FE9C-967D-628A-42D5-25B34BCD532F}"/>
+              </a:ext>
+            </a:extLst>
+          </p:cNvPr>
+          <p:cNvSpPr txBox="1"/>
+          <p:nvPr/>
+        </p:nvSpPr>
+        <p:spPr>
+          <a:xfrm>
+            <a:off x="4037696" y="11514219"/>
+            <a:ext cx="14730304" cy="1077218"/>
+          </a:xfrm>
+          <a:prstGeom prst="rect">
+            <a:avLst/>
+          </a:prstGeom>
+          <a:noFill/>
+        </p:spPr>
+        <p:txBody>
+          <a:bodyPr wrap="square" rtlCol="0">
+            <a:spAutoFit/>
+          </a:bodyPr>
+          <a:lstStyle/>
+          <a:p>
+            <a:pPr algn="ctr"/>
+            <a:r>
+              <a:rPr lang="ko-KR" altLang="en-US" sz="3200">
+                <a:latin typeface="에스코어 드림 4 Regular" panose="020B0503030302020204" pitchFamily="34" charset="-127"/>
+                <a:ea typeface="에스코어 드림 4 Regular" panose="020B0503030302020204" pitchFamily="34" charset="-127"/>
+              </a:rPr>
+              <a:t>각종 </a:t>
+            </a:r>
+            <a:r>
+              <a:rPr lang="en-US" altLang="ko-KR" sz="3200">
+                <a:latin typeface="에스코어 드림 4 Regular" panose="020B0503030302020204" pitchFamily="34" charset="-127"/>
+                <a:ea typeface="에스코어 드림 4 Regular" panose="020B0503030302020204" pitchFamily="34" charset="-127"/>
+              </a:rPr>
+              <a:t>Type </a:t>
+            </a:r>
+            <a:r>
+              <a:rPr lang="ko-KR" altLang="en-US" sz="3200">
+                <a:latin typeface="에스코어 드림 4 Regular" panose="020B0503030302020204" pitchFamily="34" charset="-127"/>
+                <a:ea typeface="에스코어 드림 4 Regular" panose="020B0503030302020204" pitchFamily="34" charset="-127"/>
+              </a:rPr>
+              <a:t>정의</a:t>
+            </a:r>
+            <a:endParaRPr lang="en-US" altLang="ko-KR" sz="3200">
+              <a:latin typeface="에스코어 드림 4 Regular" panose="020B0503030302020204" pitchFamily="34" charset="-127"/>
+              <a:ea typeface="에스코어 드림 4 Regular" panose="020B0503030302020204" pitchFamily="34" charset="-127"/>
+            </a:endParaRPr>
+          </a:p>
+          <a:p>
+            <a:pPr algn="ctr"/>
+            <a:r>
+              <a:rPr lang="ko-KR" altLang="en-US" sz="3200">
+                <a:latin typeface="에스코어 드림 4 Regular" panose="020B0503030302020204" pitchFamily="34" charset="-127"/>
+                <a:ea typeface="에스코어 드림 4 Regular" panose="020B0503030302020204" pitchFamily="34" charset="-127"/>
+              </a:rPr>
+              <a:t>해당 </a:t>
+            </a:r>
+            <a:r>
+              <a:rPr lang="en-US" altLang="ko-KR" sz="3200">
+                <a:latin typeface="에스코어 드림 4 Regular" panose="020B0503030302020204" pitchFamily="34" charset="-127"/>
+                <a:ea typeface="에스코어 드림 4 Regular" panose="020B0503030302020204" pitchFamily="34" charset="-127"/>
+              </a:rPr>
+              <a:t>Type</a:t>
+            </a:r>
+            <a:r>
+              <a:rPr lang="ko-KR" altLang="en-US" sz="3200">
+                <a:latin typeface="에스코어 드림 4 Regular" panose="020B0503030302020204" pitchFamily="34" charset="-127"/>
+                <a:ea typeface="에스코어 드림 4 Regular" panose="020B0503030302020204" pitchFamily="34" charset="-127"/>
+              </a:rPr>
+              <a:t>는 </a:t>
+            </a:r>
+            <a:r>
+              <a:rPr lang="en-US" altLang="ko-KR" sz="3200">
+                <a:latin typeface="에스코어 드림 4 Regular" panose="020B0503030302020204" pitchFamily="34" charset="-127"/>
+                <a:ea typeface="에스코어 드림 4 Regular" panose="020B0503030302020204" pitchFamily="34" charset="-127"/>
+              </a:rPr>
+              <a:t>componentType </a:t>
+            </a:r>
+            <a:r>
+              <a:rPr lang="ko-KR" altLang="en-US" sz="3200">
+                <a:latin typeface="에스코어 드림 4 Regular" panose="020B0503030302020204" pitchFamily="34" charset="-127"/>
+                <a:ea typeface="에스코어 드림 4 Regular" panose="020B0503030302020204" pitchFamily="34" charset="-127"/>
+              </a:rPr>
+              <a:t>정의에 사용</a:t>
+            </a:r>
+            <a:endParaRPr lang="en-US" altLang="ko-KR" sz="3200">
+              <a:latin typeface="에스코어 드림 4 Regular" panose="020B0503030302020204" pitchFamily="34" charset="-127"/>
+              <a:ea typeface="에스코어 드림 4 Regular" panose="020B0503030302020204" pitchFamily="34" charset="-127"/>
+            </a:endParaRPr>
+          </a:p>
+        </p:txBody>
+      </p:sp>
+    </p:spTree>
+    <p:extLst>
+      <p:ext uri="{BB962C8B-B14F-4D97-AF65-F5344CB8AC3E}">
+        <p14:creationId xmlns:p14="http://schemas.microsoft.com/office/powerpoint/2010/main" val="818433183"/>
+      </p:ext>
+    </p:extLst>
+  </p:cSld>
+  <p:clrMapOvr>
+    <a:masterClrMapping/>
+  </p:clrMapOvr>
+</p:sld>
+</file>
+
+<file path=ppt/slides/slide23.xml><?xml version="1.0" encoding="utf-8"?>
+<p:sld xmlns:a="http://schemas.openxmlformats.org/drawingml/2006/main" xmlns:r="http://schemas.openxmlformats.org/officeDocument/2006/relationships" xmlns:p="http://schemas.openxmlformats.org/presentationml/2006/main">
+  <p:cSld>
+    <p:bg>
+      <p:bgPr>
+        <a:solidFill>
+          <a:srgbClr val="FFFFFF"/>
+        </a:solidFill>
+        <a:effectLst/>
+      </p:bgPr>
+    </p:bg>
+    <p:spTree>
+      <p:nvGrpSpPr>
+        <p:cNvPr id="1" name="">
+          <a:extLst>
+            <a:ext uri="{FF2B5EF4-FFF2-40B4-BE49-F238E27FC236}">
+              <a16:creationId xmlns:a16="http://schemas.microsoft.com/office/drawing/2014/main" id="{1C6D33F2-FBA6-3ED7-6DD9-C1BD5E52D675}"/>
+            </a:ext>
+          </a:extLst>
+        </p:cNvPr>
+        <p:cNvGrpSpPr/>
+        <p:nvPr/>
+      </p:nvGrpSpPr>
+      <p:grpSpPr>
+        <a:xfrm>
+          <a:off x="0" y="0"/>
+          <a:ext cx="0" cy="0"/>
+          <a:chOff x="0" y="0"/>
+          <a:chExt cx="0" cy="0"/>
+        </a:xfrm>
+      </p:grpSpPr>
+      <p:pic>
+        <p:nvPicPr>
+          <p:cNvPr id="2" name="Picture 2">
+            <a:extLst>
+              <a:ext uri="{FF2B5EF4-FFF2-40B4-BE49-F238E27FC236}">
+                <a16:creationId xmlns:a16="http://schemas.microsoft.com/office/drawing/2014/main" id="{22E51BEE-B07C-BDC8-E9D9-E114A034DBB8}"/>
+              </a:ext>
+            </a:extLst>
+          </p:cNvPr>
+          <p:cNvPicPr>
+            <a:picLocks noChangeAspect="1"/>
+          </p:cNvPicPr>
+          <p:nvPr/>
+        </p:nvPicPr>
+        <p:blipFill>
+          <a:blip r:embed="rId3"/>
+          <a:stretch>
+            <a:fillRect/>
+          </a:stretch>
+        </p:blipFill>
+        <p:spPr>
+          <a:xfrm>
+            <a:off x="-228600" y="-228600"/>
+            <a:ext cx="6997700" cy="4064000"/>
+          </a:xfrm>
+          <a:prstGeom prst="rect">
+            <a:avLst/>
+          </a:prstGeom>
+        </p:spPr>
+      </p:pic>
+      <p:pic>
+        <p:nvPicPr>
+          <p:cNvPr id="3" name="Picture 3">
+            <a:extLst>
+              <a:ext uri="{FF2B5EF4-FFF2-40B4-BE49-F238E27FC236}">
+                <a16:creationId xmlns:a16="http://schemas.microsoft.com/office/drawing/2014/main" id="{0A848A72-C961-C8D3-30EB-6D6A87CBD252}"/>
+              </a:ext>
+            </a:extLst>
+          </p:cNvPr>
+          <p:cNvPicPr>
+            <a:picLocks noChangeAspect="1"/>
+          </p:cNvPicPr>
+          <p:nvPr/>
+        </p:nvPicPr>
+        <p:blipFill>
+          <a:blip r:embed="rId4"/>
+          <a:stretch>
+            <a:fillRect/>
+          </a:stretch>
+        </p:blipFill>
+        <p:spPr>
+          <a:xfrm>
+            <a:off x="1333500" y="990600"/>
+            <a:ext cx="21704300" cy="12700"/>
+          </a:xfrm>
+          <a:prstGeom prst="rect">
+            <a:avLst/>
+          </a:prstGeom>
+        </p:spPr>
+      </p:pic>
+      <p:sp>
+        <p:nvSpPr>
+          <p:cNvPr id="9" name="TextBox 9">
+            <a:extLst>
+              <a:ext uri="{FF2B5EF4-FFF2-40B4-BE49-F238E27FC236}">
+                <a16:creationId xmlns:a16="http://schemas.microsoft.com/office/drawing/2014/main" id="{5A981C4C-4A2C-4A56-0FB4-083F021ACC6E}"/>
+              </a:ext>
+            </a:extLst>
+          </p:cNvPr>
+          <p:cNvSpPr txBox="1"/>
+          <p:nvPr/>
+        </p:nvSpPr>
+        <p:spPr>
+          <a:xfrm>
+            <a:off x="292100" y="25400"/>
+            <a:ext cx="4267200" cy="977900"/>
+          </a:xfrm>
+          <a:prstGeom prst="rect">
+            <a:avLst/>
+          </a:prstGeom>
+        </p:spPr>
+        <p:txBody>
+          <a:bodyPr lIns="0" tIns="266700" rIns="0" bIns="0" rtlCol="0" anchor="t"/>
+          <a:lstStyle/>
+          <a:p>
+            <a:pPr lvl="0" algn="l">
+              <a:lnSpc>
+                <a:spcPct val="87149"/>
+              </a:lnSpc>
+            </a:pPr>
+            <a:r>
+              <a:rPr lang="en-US" sz="2000" b="0" i="0" u="none" strike="noStrike" spc="-240">
+                <a:solidFill>
+                  <a:srgbClr val="000000"/>
+                </a:solidFill>
+                <a:latin typeface="에스코어 드림 5 Medium" panose="020B0503030302020204" pitchFamily="34" charset="-127"/>
+                <a:ea typeface="에스코어 드림 5 Medium" panose="020B0503030302020204" pitchFamily="34" charset="-127"/>
+              </a:rPr>
+              <a:t>8. XSD </a:t>
+            </a:r>
+            <a:r>
+              <a:rPr lang="ko-KR" altLang="en-US" sz="2000" b="0" i="0" u="none" strike="noStrike" spc="-240">
+                <a:solidFill>
+                  <a:srgbClr val="000000"/>
+                </a:solidFill>
+                <a:latin typeface="에스코어 드림 5 Medium" panose="020B0503030302020204" pitchFamily="34" charset="-127"/>
+                <a:ea typeface="에스코어 드림 5 Medium" panose="020B0503030302020204" pitchFamily="34" charset="-127"/>
+              </a:rPr>
+              <a:t>구조도</a:t>
+            </a:r>
+            <a:endParaRPr lang="en" sz="2000" b="0" i="0" u="none" strike="noStrike" spc="-240">
+              <a:solidFill>
+                <a:srgbClr val="000000"/>
+              </a:solidFill>
+              <a:latin typeface="에스코어 드림 5 Medium" panose="020B0503030302020204" pitchFamily="34" charset="-127"/>
+              <a:ea typeface="에스코어 드림 5 Medium" panose="020B0503030302020204" pitchFamily="34" charset="-127"/>
+            </a:endParaRPr>
+          </a:p>
+        </p:txBody>
+      </p:sp>
+      <p:sp>
+        <p:nvSpPr>
+          <p:cNvPr id="10" name="TextBox 9">
+            <a:extLst>
+              <a:ext uri="{FF2B5EF4-FFF2-40B4-BE49-F238E27FC236}">
+                <a16:creationId xmlns:a16="http://schemas.microsoft.com/office/drawing/2014/main" id="{E7D84980-AC8F-BEDC-CCF0-D3DF7C66F0D1}"/>
+              </a:ext>
+            </a:extLst>
+          </p:cNvPr>
+          <p:cNvSpPr txBox="1"/>
+          <p:nvPr/>
+        </p:nvSpPr>
+        <p:spPr>
+          <a:xfrm>
+            <a:off x="361950" y="347491"/>
+            <a:ext cx="4267200" cy="977900"/>
+          </a:xfrm>
+          <a:prstGeom prst="rect">
+            <a:avLst/>
+          </a:prstGeom>
+        </p:spPr>
+        <p:txBody>
+          <a:bodyPr lIns="0" tIns="266700" rIns="0" bIns="0" rtlCol="0" anchor="t"/>
+          <a:lstStyle/>
+          <a:p>
+            <a:pPr lvl="0" algn="l">
+              <a:lnSpc>
+                <a:spcPct val="87149"/>
+              </a:lnSpc>
+            </a:pPr>
+            <a:r>
+              <a:rPr lang="en-US" sz="2000" spc="-240">
+                <a:solidFill>
+                  <a:srgbClr val="000000"/>
+                </a:solidFill>
+                <a:latin typeface="에스코어 드림 5 Medium" panose="020B0503030302020204" pitchFamily="34" charset="-127"/>
+                <a:ea typeface="에스코어 드림 5 Medium" panose="020B0503030302020204" pitchFamily="34" charset="-127"/>
+              </a:rPr>
+              <a:t>import</a:t>
+            </a:r>
+            <a:r>
+              <a:rPr lang="en-US" sz="2000" b="0" i="0" u="none" strike="noStrike" spc="-240">
+                <a:solidFill>
+                  <a:srgbClr val="000000"/>
+                </a:solidFill>
+                <a:latin typeface="에스코어 드림 5 Medium" panose="020B0503030302020204" pitchFamily="34" charset="-127"/>
+                <a:ea typeface="에스코어 드림 5 Medium" panose="020B0503030302020204" pitchFamily="34" charset="-127"/>
+              </a:rPr>
+              <a:t>2.xsd</a:t>
+            </a:r>
+            <a:endParaRPr lang="en" sz="2000" b="0" i="0" u="none" strike="noStrike" spc="-240">
+              <a:solidFill>
+                <a:srgbClr val="000000"/>
+              </a:solidFill>
+              <a:latin typeface="에스코어 드림 5 Medium" panose="020B0503030302020204" pitchFamily="34" charset="-127"/>
+              <a:ea typeface="에스코어 드림 5 Medium" panose="020B0503030302020204" pitchFamily="34" charset="-127"/>
+            </a:endParaRPr>
+          </a:p>
+        </p:txBody>
+      </p:sp>
+      <p:pic>
+        <p:nvPicPr>
+          <p:cNvPr id="6" name="그림 5">
+            <a:extLst>
+              <a:ext uri="{FF2B5EF4-FFF2-40B4-BE49-F238E27FC236}">
+                <a16:creationId xmlns:a16="http://schemas.microsoft.com/office/drawing/2014/main" id="{7D067AAB-A995-38E2-1E28-F04A0716BBFC}"/>
+              </a:ext>
+            </a:extLst>
+          </p:cNvPr>
+          <p:cNvPicPr>
+            <a:picLocks noChangeAspect="1"/>
+          </p:cNvPicPr>
+          <p:nvPr/>
+        </p:nvPicPr>
+        <p:blipFill>
+          <a:blip r:embed="rId5"/>
+          <a:stretch>
+            <a:fillRect/>
+          </a:stretch>
+        </p:blipFill>
+        <p:spPr>
+          <a:xfrm>
+            <a:off x="1701150" y="130938"/>
+            <a:ext cx="10490850" cy="10960370"/>
+          </a:xfrm>
+          <a:prstGeom prst="rect">
+            <a:avLst/>
+          </a:prstGeom>
+        </p:spPr>
+      </p:pic>
+      <p:pic>
+        <p:nvPicPr>
+          <p:cNvPr id="12" name="그림 11">
+            <a:extLst>
+              <a:ext uri="{FF2B5EF4-FFF2-40B4-BE49-F238E27FC236}">
+                <a16:creationId xmlns:a16="http://schemas.microsoft.com/office/drawing/2014/main" id="{D6DD1A2A-5FB2-4611-C1AA-CB11813E8DDD}"/>
+              </a:ext>
+            </a:extLst>
+          </p:cNvPr>
+          <p:cNvPicPr>
+            <a:picLocks noChangeAspect="1"/>
+          </p:cNvPicPr>
+          <p:nvPr/>
+        </p:nvPicPr>
+        <p:blipFill>
+          <a:blip r:embed="rId6"/>
+          <a:stretch>
+            <a:fillRect/>
+          </a:stretch>
+        </p:blipFill>
+        <p:spPr>
+          <a:xfrm>
+            <a:off x="12539596" y="145992"/>
+            <a:ext cx="9385509" cy="10945316"/>
+          </a:xfrm>
+          <a:prstGeom prst="rect">
+            <a:avLst/>
+          </a:prstGeom>
+        </p:spPr>
+      </p:pic>
+      <p:sp>
+        <p:nvSpPr>
+          <p:cNvPr id="14" name="TextBox 13">
+            <a:extLst>
+              <a:ext uri="{FF2B5EF4-FFF2-40B4-BE49-F238E27FC236}">
+                <a16:creationId xmlns:a16="http://schemas.microsoft.com/office/drawing/2014/main" id="{7F426246-52CF-F8BE-FEA9-F42DB5D226F3}"/>
+              </a:ext>
+            </a:extLst>
+          </p:cNvPr>
+          <p:cNvSpPr txBox="1"/>
+          <p:nvPr/>
+        </p:nvSpPr>
+        <p:spPr>
+          <a:xfrm>
+            <a:off x="1600200" y="11430000"/>
+            <a:ext cx="20469058" cy="1569660"/>
+          </a:xfrm>
+          <a:prstGeom prst="rect">
+            <a:avLst/>
+          </a:prstGeom>
+          <a:noFill/>
+        </p:spPr>
+        <p:txBody>
+          <a:bodyPr wrap="square" rtlCol="0">
+            <a:spAutoFit/>
+          </a:bodyPr>
+          <a:lstStyle/>
+          <a:p>
+            <a:pPr algn="ctr"/>
+            <a:r>
+              <a:rPr lang="en-US" altLang="ko-KR" sz="3200">
+                <a:latin typeface="에스코어 드림 4 Regular" panose="020B0503030302020204" pitchFamily="34" charset="-127"/>
+                <a:ea typeface="에스코어 드림 4 Regular" panose="020B0503030302020204" pitchFamily="34" charset="-127"/>
+              </a:rPr>
+              <a:t>componentType </a:t>
+            </a:r>
+            <a:r>
+              <a:rPr lang="ko-KR" altLang="en-US" sz="3200">
+                <a:latin typeface="에스코어 드림 4 Regular" panose="020B0503030302020204" pitchFamily="34" charset="-127"/>
+                <a:ea typeface="에스코어 드림 4 Regular" panose="020B0503030302020204" pitchFamily="34" charset="-127"/>
+              </a:rPr>
+              <a:t>정의</a:t>
+            </a:r>
+            <a:endParaRPr lang="en-US" altLang="ko-KR" sz="3200">
+              <a:latin typeface="에스코어 드림 4 Regular" panose="020B0503030302020204" pitchFamily="34" charset="-127"/>
+              <a:ea typeface="에스코어 드림 4 Regular" panose="020B0503030302020204" pitchFamily="34" charset="-127"/>
+            </a:endParaRPr>
+          </a:p>
+          <a:p>
+            <a:pPr algn="ctr"/>
+            <a:r>
+              <a:rPr lang="en-US" altLang="ko-KR" sz="3200">
+                <a:latin typeface="에스코어 드림 4 Regular" panose="020B0503030302020204" pitchFamily="34" charset="-127"/>
+                <a:ea typeface="에스코어 드림 4 Regular" panose="020B0503030302020204" pitchFamily="34" charset="-127"/>
+              </a:rPr>
+              <a:t>complexType</a:t>
+            </a:r>
+            <a:r>
+              <a:rPr lang="ko-KR" altLang="en-US" sz="3200">
+                <a:latin typeface="에스코어 드림 4 Regular" panose="020B0503030302020204" pitchFamily="34" charset="-127"/>
+                <a:ea typeface="에스코어 드림 4 Regular" panose="020B0503030302020204" pitchFamily="34" charset="-127"/>
+              </a:rPr>
+              <a:t>로 정의하며</a:t>
+            </a:r>
+            <a:r>
+              <a:rPr lang="en-US" altLang="ko-KR" sz="3200">
+                <a:latin typeface="에스코어 드림 4 Regular" panose="020B0503030302020204" pitchFamily="34" charset="-127"/>
+                <a:ea typeface="에스코어 드림 4 Regular" panose="020B0503030302020204" pitchFamily="34" charset="-127"/>
+              </a:rPr>
+              <a:t>, choice</a:t>
+            </a:r>
+            <a:r>
+              <a:rPr lang="ko-KR" altLang="en-US" sz="3200">
+                <a:latin typeface="에스코어 드림 4 Regular" panose="020B0503030302020204" pitchFamily="34" charset="-127"/>
+                <a:ea typeface="에스코어 드림 4 Regular" panose="020B0503030302020204" pitchFamily="34" charset="-127"/>
+              </a:rPr>
+              <a:t>로 나올 수 있는 자식 </a:t>
+            </a:r>
+            <a:r>
+              <a:rPr lang="en-US" altLang="ko-KR" sz="3200">
+                <a:latin typeface="에스코어 드림 4 Regular" panose="020B0503030302020204" pitchFamily="34" charset="-127"/>
+                <a:ea typeface="에스코어 드림 4 Regular" panose="020B0503030302020204" pitchFamily="34" charset="-127"/>
+              </a:rPr>
+              <a:t>element sequence</a:t>
+            </a:r>
+            <a:r>
+              <a:rPr lang="ko-KR" altLang="en-US" sz="3200">
+                <a:latin typeface="에스코어 드림 4 Regular" panose="020B0503030302020204" pitchFamily="34" charset="-127"/>
+                <a:ea typeface="에스코어 드림 4 Regular" panose="020B0503030302020204" pitchFamily="34" charset="-127"/>
+              </a:rPr>
+              <a:t>를 정의한다</a:t>
+            </a:r>
+            <a:r>
+              <a:rPr lang="en-US" altLang="ko-KR" sz="3200">
+                <a:latin typeface="에스코어 드림 4 Regular" panose="020B0503030302020204" pitchFamily="34" charset="-127"/>
+                <a:ea typeface="에스코어 드림 4 Regular" panose="020B0503030302020204" pitchFamily="34" charset="-127"/>
+              </a:rPr>
+              <a:t>.</a:t>
+            </a:r>
+          </a:p>
+          <a:p>
+            <a:pPr algn="ctr"/>
+            <a:r>
+              <a:rPr lang="ko-KR" altLang="en-US" sz="3200">
+                <a:latin typeface="에스코어 드림 4 Regular" panose="020B0503030302020204" pitchFamily="34" charset="-127"/>
+                <a:ea typeface="에스코어 드림 4 Regular" panose="020B0503030302020204" pitchFamily="34" charset="-127"/>
+              </a:rPr>
+              <a:t>또한 </a:t>
+            </a:r>
+            <a:r>
+              <a:rPr lang="en-US" altLang="ko-KR" sz="3200">
+                <a:latin typeface="에스코어 드림 4 Regular" panose="020B0503030302020204" pitchFamily="34" charset="-127"/>
+                <a:ea typeface="에스코어 드림 4 Regular" panose="020B0503030302020204" pitchFamily="34" charset="-127"/>
+              </a:rPr>
+              <a:t>component element</a:t>
+            </a:r>
+            <a:r>
+              <a:rPr lang="ko-KR" altLang="en-US" sz="3200">
+                <a:latin typeface="에스코어 드림 4 Regular" panose="020B0503030302020204" pitchFamily="34" charset="-127"/>
+                <a:ea typeface="에스코어 드림 4 Regular" panose="020B0503030302020204" pitchFamily="34" charset="-127"/>
+              </a:rPr>
+              <a:t>의 </a:t>
+            </a:r>
+            <a:r>
+              <a:rPr lang="en-US" altLang="ko-KR" sz="3200">
+                <a:latin typeface="에스코어 드림 4 Regular" panose="020B0503030302020204" pitchFamily="34" charset="-127"/>
+                <a:ea typeface="에스코어 드림 4 Regular" panose="020B0503030302020204" pitchFamily="34" charset="-127"/>
+              </a:rPr>
+              <a:t>attribute</a:t>
+            </a:r>
+            <a:r>
+              <a:rPr lang="ko-KR" altLang="en-US" sz="3200">
+                <a:latin typeface="에스코어 드림 4 Regular" panose="020B0503030302020204" pitchFamily="34" charset="-127"/>
+                <a:ea typeface="에스코어 드림 4 Regular" panose="020B0503030302020204" pitchFamily="34" charset="-127"/>
+              </a:rPr>
+              <a:t>인 </a:t>
+            </a:r>
+            <a:r>
+              <a:rPr lang="en-US" altLang="ko-KR" sz="3200">
+                <a:latin typeface="에스코어 드림 4 Regular" panose="020B0503030302020204" pitchFamily="34" charset="-127"/>
+                <a:ea typeface="에스코어 드림 4 Regular" panose="020B0503030302020204" pitchFamily="34" charset="-127"/>
+              </a:rPr>
+              <a:t>Type </a:t>
+            </a:r>
+            <a:r>
+              <a:rPr lang="ko-KR" altLang="en-US" sz="3200">
+                <a:latin typeface="에스코어 드림 4 Regular" panose="020B0503030302020204" pitchFamily="34" charset="-127"/>
+                <a:ea typeface="에스코어 드림 4 Regular" panose="020B0503030302020204" pitchFamily="34" charset="-127"/>
+              </a:rPr>
+              <a:t>값을 </a:t>
+            </a:r>
+            <a:r>
+              <a:rPr lang="en-US" altLang="ko-KR" sz="3200">
+                <a:latin typeface="에스코어 드림 4 Regular" panose="020B0503030302020204" pitchFamily="34" charset="-127"/>
+                <a:ea typeface="에스코어 드림 4 Regular" panose="020B0503030302020204" pitchFamily="34" charset="-127"/>
+              </a:rPr>
+              <a:t>simpleType-restriction</a:t>
+            </a:r>
+            <a:r>
+              <a:rPr lang="ko-KR" altLang="en-US" sz="3200">
+                <a:latin typeface="에스코어 드림 4 Regular" panose="020B0503030302020204" pitchFamily="34" charset="-127"/>
+                <a:ea typeface="에스코어 드림 4 Regular" panose="020B0503030302020204" pitchFamily="34" charset="-127"/>
+              </a:rPr>
+              <a:t>으로 정의하여 </a:t>
+            </a:r>
+            <a:r>
+              <a:rPr lang="en-US" altLang="ko-KR" sz="3200">
+                <a:latin typeface="에스코어 드림 4 Regular" panose="020B0503030302020204" pitchFamily="34" charset="-127"/>
+                <a:ea typeface="에스코어 드림 4 Regular" panose="020B0503030302020204" pitchFamily="34" charset="-127"/>
+              </a:rPr>
+              <a:t>Enum  </a:t>
+            </a:r>
+            <a:r>
+              <a:rPr lang="ko-KR" altLang="en-US" sz="3200">
+                <a:latin typeface="에스코어 드림 4 Regular" panose="020B0503030302020204" pitchFamily="34" charset="-127"/>
+                <a:ea typeface="에스코어 드림 4 Regular" panose="020B0503030302020204" pitchFamily="34" charset="-127"/>
+              </a:rPr>
+              <a:t>형식으로 정의</a:t>
+            </a:r>
+            <a:endParaRPr lang="en-US" altLang="ko-KR" sz="3200">
+              <a:latin typeface="에스코어 드림 4 Regular" panose="020B0503030302020204" pitchFamily="34" charset="-127"/>
+              <a:ea typeface="에스코어 드림 4 Regular" panose="020B0503030302020204" pitchFamily="34" charset="-127"/>
+            </a:endParaRPr>
+          </a:p>
+        </p:txBody>
+      </p:sp>
+    </p:spTree>
+    <p:extLst>
+      <p:ext uri="{BB962C8B-B14F-4D97-AF65-F5344CB8AC3E}">
+        <p14:creationId xmlns:p14="http://schemas.microsoft.com/office/powerpoint/2010/main" val="4236118666"/>
+      </p:ext>
+    </p:extLst>
+  </p:cSld>
+  <p:clrMapOvr>
+    <a:masterClrMapping/>
+  </p:clrMapOvr>
+</p:sld>
+</file>
+
+<file path=ppt/slides/slide24.xml><?xml version="1.0" encoding="utf-8"?>
+<p:sld xmlns:a="http://schemas.openxmlformats.org/drawingml/2006/main" xmlns:r="http://schemas.openxmlformats.org/officeDocument/2006/relationships" xmlns:p="http://schemas.openxmlformats.org/presentationml/2006/main">
+  <p:cSld>
+    <p:bg>
+      <p:bgPr>
+        <a:solidFill>
+          <a:srgbClr val="FFFFFF"/>
+        </a:solidFill>
+        <a:effectLst/>
+      </p:bgPr>
+    </p:bg>
+    <p:spTree>
+      <p:nvGrpSpPr>
+        <p:cNvPr id="1" name="">
+          <a:extLst>
+            <a:ext uri="{FF2B5EF4-FFF2-40B4-BE49-F238E27FC236}">
+              <a16:creationId xmlns:a16="http://schemas.microsoft.com/office/drawing/2014/main" id="{2B55DA37-6A5E-01E6-5E5E-586AB882B2F8}"/>
+            </a:ext>
+          </a:extLst>
+        </p:cNvPr>
+        <p:cNvGrpSpPr/>
+        <p:nvPr/>
+      </p:nvGrpSpPr>
+      <p:grpSpPr>
+        <a:xfrm>
+          <a:off x="0" y="0"/>
+          <a:ext cx="0" cy="0"/>
+          <a:chOff x="0" y="0"/>
+          <a:chExt cx="0" cy="0"/>
+        </a:xfrm>
+      </p:grpSpPr>
+      <p:pic>
+        <p:nvPicPr>
+          <p:cNvPr id="2" name="Picture 2">
+            <a:extLst>
+              <a:ext uri="{FF2B5EF4-FFF2-40B4-BE49-F238E27FC236}">
+                <a16:creationId xmlns:a16="http://schemas.microsoft.com/office/drawing/2014/main" id="{0072AB84-0EA4-5CB4-7775-15EB2F7D959E}"/>
+              </a:ext>
+            </a:extLst>
+          </p:cNvPr>
+          <p:cNvPicPr>
+            <a:picLocks noChangeAspect="1"/>
+          </p:cNvPicPr>
+          <p:nvPr/>
+        </p:nvPicPr>
+        <p:blipFill>
+          <a:blip r:embed="rId2"/>
+          <a:stretch>
+            <a:fillRect/>
+          </a:stretch>
+        </p:blipFill>
+        <p:spPr>
+          <a:xfrm>
+            <a:off x="-228600" y="-228600"/>
+            <a:ext cx="6997700" cy="4064000"/>
+          </a:xfrm>
+          <a:prstGeom prst="rect">
+            <a:avLst/>
+          </a:prstGeom>
+        </p:spPr>
+      </p:pic>
+      <p:pic>
+        <p:nvPicPr>
+          <p:cNvPr id="3" name="Picture 3">
+            <a:extLst>
+              <a:ext uri="{FF2B5EF4-FFF2-40B4-BE49-F238E27FC236}">
+                <a16:creationId xmlns:a16="http://schemas.microsoft.com/office/drawing/2014/main" id="{6F29F214-A559-295F-B233-7160D1330E12}"/>
+              </a:ext>
+            </a:extLst>
+          </p:cNvPr>
+          <p:cNvPicPr>
+            <a:picLocks noChangeAspect="1"/>
+          </p:cNvPicPr>
+          <p:nvPr/>
+        </p:nvPicPr>
+        <p:blipFill>
+          <a:blip r:embed="rId3"/>
+          <a:stretch>
+            <a:fillRect/>
+          </a:stretch>
+        </p:blipFill>
+        <p:spPr>
+          <a:xfrm>
+            <a:off x="1333500" y="990600"/>
+            <a:ext cx="21704300" cy="12700"/>
+          </a:xfrm>
+          <a:prstGeom prst="rect">
+            <a:avLst/>
+          </a:prstGeom>
+        </p:spPr>
+      </p:pic>
+      <p:sp>
+        <p:nvSpPr>
+          <p:cNvPr id="9" name="TextBox 9">
+            <a:extLst>
+              <a:ext uri="{FF2B5EF4-FFF2-40B4-BE49-F238E27FC236}">
+                <a16:creationId xmlns:a16="http://schemas.microsoft.com/office/drawing/2014/main" id="{894C2F59-3292-96B8-3FC0-1CFF5F88C394}"/>
+              </a:ext>
+            </a:extLst>
+          </p:cNvPr>
+          <p:cNvSpPr txBox="1"/>
+          <p:nvPr/>
+        </p:nvSpPr>
+        <p:spPr>
+          <a:xfrm>
+            <a:off x="533400" y="990600"/>
+            <a:ext cx="6253078" cy="977900"/>
+          </a:xfrm>
+          <a:prstGeom prst="rect">
+            <a:avLst/>
+          </a:prstGeom>
+        </p:spPr>
+        <p:txBody>
+          <a:bodyPr lIns="0" tIns="266700" rIns="0" bIns="0" rtlCol="0" anchor="t"/>
+          <a:lstStyle/>
+          <a:p>
+            <a:pPr lvl="0" algn="l">
+              <a:lnSpc>
+                <a:spcPct val="87149"/>
+              </a:lnSpc>
+            </a:pPr>
+            <a:r>
+              <a:rPr lang="en-US" sz="4800" b="0" i="0" u="none" strike="noStrike" spc="-240">
+                <a:solidFill>
+                  <a:srgbClr val="000000"/>
+                </a:solidFill>
+                <a:latin typeface="에스코어 드림 5 Medium" panose="020B0503030302020204" pitchFamily="34" charset="-127"/>
+                <a:ea typeface="에스코어 드림 5 Medium" panose="020B0503030302020204" pitchFamily="34" charset="-127"/>
+              </a:rPr>
+              <a:t>9. XSD </a:t>
+            </a:r>
+            <a:r>
+              <a:rPr lang="ko-KR" altLang="en-US" sz="4800" b="0" i="0" u="none" strike="noStrike" spc="-240">
+                <a:solidFill>
+                  <a:srgbClr val="000000"/>
+                </a:solidFill>
+                <a:latin typeface="에스코어 드림 5 Medium" panose="020B0503030302020204" pitchFamily="34" charset="-127"/>
+                <a:ea typeface="에스코어 드림 5 Medium" panose="020B0503030302020204" pitchFamily="34" charset="-127"/>
+              </a:rPr>
+              <a:t>실행 내역</a:t>
+            </a:r>
+            <a:endParaRPr lang="en" sz="4800" b="0" i="0" u="none" strike="noStrike" spc="-240">
+              <a:solidFill>
+                <a:srgbClr val="000000"/>
+              </a:solidFill>
+              <a:latin typeface="에스코어 드림 5 Medium" panose="020B0503030302020204" pitchFamily="34" charset="-127"/>
+              <a:ea typeface="에스코어 드림 5 Medium" panose="020B0503030302020204" pitchFamily="34" charset="-127"/>
+            </a:endParaRPr>
+          </a:p>
+        </p:txBody>
+      </p:sp>
+      <p:sp>
+        <p:nvSpPr>
+          <p:cNvPr id="23" name="TextBox 23">
+            <a:extLst>
+              <a:ext uri="{FF2B5EF4-FFF2-40B4-BE49-F238E27FC236}">
+                <a16:creationId xmlns:a16="http://schemas.microsoft.com/office/drawing/2014/main" id="{715BB866-98B3-0AF8-F81E-C5DDB50F126B}"/>
+              </a:ext>
+            </a:extLst>
+          </p:cNvPr>
+          <p:cNvSpPr txBox="1"/>
+          <p:nvPr/>
+        </p:nvSpPr>
+        <p:spPr>
+          <a:xfrm>
+            <a:off x="1346200" y="622300"/>
+            <a:ext cx="3213100" cy="266700"/>
+          </a:xfrm>
+          <a:prstGeom prst="rect">
+            <a:avLst/>
+          </a:prstGeom>
+        </p:spPr>
+        <p:txBody>
+          <a:bodyPr rtlCol="0" anchor="ctr"/>
+          <a:lstStyle/>
+          <a:p>
+            <a:pPr lvl="0" algn="l">
+              <a:lnSpc>
+                <a:spcPct val="124499"/>
+              </a:lnSpc>
+            </a:pPr>
+            <a:r>
+              <a:rPr lang="en" sz="1466" b="0" i="0" u="none" strike="noStrike">
+                <a:solidFill>
+                  <a:srgbClr val="595959"/>
+                </a:solidFill>
+                <a:latin typeface="S-Core Dream 3 Light"/>
+              </a:rPr>
+              <a:t>Investor Relations Deck</a:t>
+            </a:r>
+          </a:p>
+        </p:txBody>
+      </p:sp>
+      <p:sp>
+        <p:nvSpPr>
+          <p:cNvPr id="4" name="TextBox 17">
+            <a:extLst>
+              <a:ext uri="{FF2B5EF4-FFF2-40B4-BE49-F238E27FC236}">
+                <a16:creationId xmlns:a16="http://schemas.microsoft.com/office/drawing/2014/main" id="{CB1885F8-3D98-389B-85F9-223A07B5876F}"/>
+              </a:ext>
+            </a:extLst>
+          </p:cNvPr>
+          <p:cNvSpPr txBox="1"/>
+          <p:nvPr/>
+        </p:nvSpPr>
+        <p:spPr>
+          <a:xfrm>
+            <a:off x="3846429" y="1156034"/>
+            <a:ext cx="5041900" cy="552450"/>
+          </a:xfrm>
+          <a:prstGeom prst="rect">
+            <a:avLst/>
+          </a:prstGeom>
+        </p:spPr>
+        <p:txBody>
+          <a:bodyPr lIns="0" tIns="170376" rIns="0" bIns="0" rtlCol="0" anchor="t"/>
+          <a:lstStyle/>
+          <a:p>
+            <a:pPr lvl="0">
+              <a:lnSpc>
+                <a:spcPct val="99600"/>
+              </a:lnSpc>
+            </a:pPr>
+            <a:endParaRPr lang="en" sz="3600" b="0" i="0" u="none" strike="noStrike" spc="-134">
+              <a:solidFill>
+                <a:srgbClr val="000000"/>
+              </a:solidFill>
+              <a:latin typeface="에스코어 드림 3 Light" panose="020B0303030302020204" pitchFamily="34" charset="-127"/>
+              <a:ea typeface="에스코어 드림 3 Light" panose="020B0303030302020204" pitchFamily="34" charset="-127"/>
+            </a:endParaRPr>
+          </a:p>
+        </p:txBody>
+      </p:sp>
+      <p:pic>
+        <p:nvPicPr>
+          <p:cNvPr id="8" name="그림 7">
+            <a:extLst>
+              <a:ext uri="{FF2B5EF4-FFF2-40B4-BE49-F238E27FC236}">
+                <a16:creationId xmlns:a16="http://schemas.microsoft.com/office/drawing/2014/main" id="{1D36DA17-3FB3-F6E3-1A2A-1353A70B356D}"/>
+              </a:ext>
+            </a:extLst>
+          </p:cNvPr>
+          <p:cNvPicPr>
+            <a:picLocks noChangeAspect="1"/>
+          </p:cNvPicPr>
+          <p:nvPr/>
+        </p:nvPicPr>
+        <p:blipFill>
+          <a:blip r:embed="rId4"/>
+          <a:stretch>
+            <a:fillRect/>
+          </a:stretch>
+        </p:blipFill>
+        <p:spPr>
+          <a:xfrm>
+            <a:off x="990600" y="2093160"/>
+            <a:ext cx="9132163" cy="11150321"/>
+          </a:xfrm>
+          <a:prstGeom prst="rect">
+            <a:avLst/>
+          </a:prstGeom>
+        </p:spPr>
+      </p:pic>
+      <p:sp>
+        <p:nvSpPr>
+          <p:cNvPr id="11" name="TextBox 10">
+            <a:extLst>
+              <a:ext uri="{FF2B5EF4-FFF2-40B4-BE49-F238E27FC236}">
+                <a16:creationId xmlns:a16="http://schemas.microsoft.com/office/drawing/2014/main" id="{06AEC73D-417C-BC3C-F8AE-17DC83A78F18}"/>
+              </a:ext>
+            </a:extLst>
+          </p:cNvPr>
+          <p:cNvSpPr txBox="1"/>
+          <p:nvPr/>
+        </p:nvSpPr>
+        <p:spPr>
+          <a:xfrm>
+            <a:off x="5945438" y="1576063"/>
+            <a:ext cx="4262522" cy="584775"/>
+          </a:xfrm>
+          <a:prstGeom prst="rect">
+            <a:avLst/>
+          </a:prstGeom>
+          <a:noFill/>
+        </p:spPr>
+        <p:txBody>
+          <a:bodyPr wrap="square" rtlCol="0">
+            <a:spAutoFit/>
+          </a:bodyPr>
+          <a:lstStyle/>
+          <a:p>
+            <a:pPr algn="r"/>
+            <a:r>
+              <a:rPr lang="en-US" altLang="ko-KR" sz="3200">
+                <a:latin typeface="에스코어 드림 4 Regular" panose="020B0503030302020204" pitchFamily="34" charset="-127"/>
+                <a:ea typeface="에스코어 드림 4 Regular" panose="020B0503030302020204" pitchFamily="34" charset="-127"/>
+              </a:rPr>
+              <a:t>DOM3 </a:t>
+            </a:r>
+            <a:r>
+              <a:rPr lang="ko-KR" altLang="en-US" sz="3200">
+                <a:latin typeface="에스코어 드림 4 Regular" panose="020B0503030302020204" pitchFamily="34" charset="-127"/>
+                <a:ea typeface="에스코어 드림 4 Regular" panose="020B0503030302020204" pitchFamily="34" charset="-127"/>
+              </a:rPr>
+              <a:t>파서 실행 결과</a:t>
+            </a:r>
+            <a:endParaRPr lang="en-US" altLang="ko-KR" sz="3200">
+              <a:latin typeface="에스코어 드림 4 Regular" panose="020B0503030302020204" pitchFamily="34" charset="-127"/>
+              <a:ea typeface="에스코어 드림 4 Regular" panose="020B0503030302020204" pitchFamily="34" charset="-127"/>
+            </a:endParaRPr>
+          </a:p>
+        </p:txBody>
+      </p:sp>
+      <p:pic>
+        <p:nvPicPr>
+          <p:cNvPr id="12" name="그림 11" descr="텍스트, 스크린샷이(가) 표시된 사진&#10;&#10;AI 생성 콘텐츠는 정확하지 않을 수 있습니다.">
+            <a:extLst>
+              <a:ext uri="{FF2B5EF4-FFF2-40B4-BE49-F238E27FC236}">
+                <a16:creationId xmlns:a16="http://schemas.microsoft.com/office/drawing/2014/main" id="{B859F135-4C99-4BFF-DD60-6B58D289CAEB}"/>
+              </a:ext>
+            </a:extLst>
+          </p:cNvPr>
+          <p:cNvPicPr>
+            <a:picLocks noChangeAspect="1"/>
+          </p:cNvPicPr>
+          <p:nvPr/>
+        </p:nvPicPr>
+        <p:blipFill>
+          <a:blip r:embed="rId5"/>
+          <a:stretch>
+            <a:fillRect/>
+          </a:stretch>
+        </p:blipFill>
+        <p:spPr>
+          <a:xfrm>
+            <a:off x="10363200" y="2093159"/>
+            <a:ext cx="13792200" cy="8688505"/>
+          </a:xfrm>
+          <a:prstGeom prst="rect">
+            <a:avLst/>
+          </a:prstGeom>
+        </p:spPr>
+      </p:pic>
+      <p:sp>
+        <p:nvSpPr>
+          <p:cNvPr id="14" name="TextBox 13">
+            <a:extLst>
+              <a:ext uri="{FF2B5EF4-FFF2-40B4-BE49-F238E27FC236}">
+                <a16:creationId xmlns:a16="http://schemas.microsoft.com/office/drawing/2014/main" id="{A842223F-010A-AD62-E509-9E515209CF39}"/>
+              </a:ext>
+            </a:extLst>
+          </p:cNvPr>
+          <p:cNvSpPr txBox="1"/>
+          <p:nvPr/>
+        </p:nvSpPr>
+        <p:spPr>
+          <a:xfrm>
+            <a:off x="10367127" y="1576062"/>
+            <a:ext cx="3879684" cy="584775"/>
+          </a:xfrm>
+          <a:prstGeom prst="rect">
+            <a:avLst/>
+          </a:prstGeom>
+          <a:noFill/>
+        </p:spPr>
+        <p:txBody>
+          <a:bodyPr wrap="square" rtlCol="0">
+            <a:spAutoFit/>
+          </a:bodyPr>
+          <a:lstStyle/>
+          <a:p>
+            <a:r>
+              <a:rPr lang="en-US" altLang="ko-KR" sz="3200">
+                <a:latin typeface="에스코어 드림 4 Regular" panose="020B0503030302020204" pitchFamily="34" charset="-127"/>
+                <a:ea typeface="에스코어 드림 4 Regular" panose="020B0503030302020204" pitchFamily="34" charset="-127"/>
+              </a:rPr>
+              <a:t>chrome </a:t>
+            </a:r>
+            <a:r>
+              <a:rPr lang="ko-KR" altLang="en-US" sz="3200">
+                <a:latin typeface="에스코어 드림 4 Regular" panose="020B0503030302020204" pitchFamily="34" charset="-127"/>
+                <a:ea typeface="에스코어 드림 4 Regular" panose="020B0503030302020204" pitchFamily="34" charset="-127"/>
+              </a:rPr>
+              <a:t>실행 결과</a:t>
+            </a:r>
+            <a:endParaRPr lang="en-US" altLang="ko-KR" sz="3200">
+              <a:latin typeface="에스코어 드림 4 Regular" panose="020B0503030302020204" pitchFamily="34" charset="-127"/>
+              <a:ea typeface="에스코어 드림 4 Regular" panose="020B0503030302020204" pitchFamily="34" charset="-127"/>
+            </a:endParaRPr>
+          </a:p>
+        </p:txBody>
+      </p:sp>
+    </p:spTree>
+    <p:extLst>
+      <p:ext uri="{BB962C8B-B14F-4D97-AF65-F5344CB8AC3E}">
+        <p14:creationId xmlns:p14="http://schemas.microsoft.com/office/powerpoint/2010/main" val="2499635221"/>
+      </p:ext>
+    </p:extLst>
+  </p:cSld>
+  <p:clrMapOvr>
+    <a:masterClrMapping/>
+  </p:clrMapOvr>
+</p:sld>
+</file>
+
+<file path=ppt/slides/slide25.xml><?xml version="1.0" encoding="utf-8"?>
+<p:sld xmlns:a="http://schemas.openxmlformats.org/drawingml/2006/main" xmlns:r="http://schemas.openxmlformats.org/officeDocument/2006/relationships" xmlns:p="http://schemas.openxmlformats.org/presentationml/2006/main">
+  <p:cSld>
+    <p:bg>
+      <p:bgPr>
+        <a:solidFill>
+          <a:srgbClr val="FFFFFF"/>
+        </a:solidFill>
+        <a:effectLst/>
+      </p:bgPr>
+    </p:bg>
+    <p:spTree>
+      <p:nvGrpSpPr>
+        <p:cNvPr id="1" name="">
+          <a:extLst>
+            <a:ext uri="{FF2B5EF4-FFF2-40B4-BE49-F238E27FC236}">
+              <a16:creationId xmlns:a16="http://schemas.microsoft.com/office/drawing/2014/main" id="{E40F674F-E76F-3A63-589F-F3CB5B3ED542}"/>
+            </a:ext>
+          </a:extLst>
+        </p:cNvPr>
+        <p:cNvGrpSpPr/>
+        <p:nvPr/>
+      </p:nvGrpSpPr>
+      <p:grpSpPr>
+        <a:xfrm>
+          <a:off x="0" y="0"/>
+          <a:ext cx="0" cy="0"/>
+          <a:chOff x="0" y="0"/>
+          <a:chExt cx="0" cy="0"/>
+        </a:xfrm>
+      </p:grpSpPr>
+      <p:pic>
+        <p:nvPicPr>
+          <p:cNvPr id="2" name="Picture 2">
+            <a:extLst>
+              <a:ext uri="{FF2B5EF4-FFF2-40B4-BE49-F238E27FC236}">
+                <a16:creationId xmlns:a16="http://schemas.microsoft.com/office/drawing/2014/main" id="{19923EF6-2974-634B-8E2C-82FE60131F2F}"/>
+              </a:ext>
+            </a:extLst>
+          </p:cNvPr>
+          <p:cNvPicPr>
+            <a:picLocks noChangeAspect="1"/>
+          </p:cNvPicPr>
+          <p:nvPr/>
+        </p:nvPicPr>
+        <p:blipFill>
+          <a:blip r:embed="rId2"/>
+          <a:stretch>
+            <a:fillRect/>
+          </a:stretch>
+        </p:blipFill>
+        <p:spPr>
+          <a:xfrm>
+            <a:off x="10985500" y="-165100"/>
+            <a:ext cx="13804900" cy="14160500"/>
+          </a:xfrm>
+          <a:prstGeom prst="rect">
+            <a:avLst/>
+          </a:prstGeom>
+        </p:spPr>
+      </p:pic>
+      <p:pic>
+        <p:nvPicPr>
+          <p:cNvPr id="3" name="Picture 3">
+            <a:extLst>
+              <a:ext uri="{FF2B5EF4-FFF2-40B4-BE49-F238E27FC236}">
+                <a16:creationId xmlns:a16="http://schemas.microsoft.com/office/drawing/2014/main" id="{7FAF13EF-97B5-62E1-6D5E-50B7A2016BD4}"/>
+              </a:ext>
+            </a:extLst>
+          </p:cNvPr>
+          <p:cNvPicPr>
+            <a:picLocks noChangeAspect="1"/>
+          </p:cNvPicPr>
+          <p:nvPr/>
+        </p:nvPicPr>
+        <p:blipFill>
+          <a:blip r:embed="rId3"/>
+          <a:stretch>
+            <a:fillRect/>
+          </a:stretch>
+        </p:blipFill>
+        <p:spPr>
+          <a:xfrm>
+            <a:off x="6883400" y="8585200"/>
+            <a:ext cx="15265400" cy="5537200"/>
+          </a:xfrm>
+          <a:prstGeom prst="rect">
+            <a:avLst/>
+          </a:prstGeom>
+        </p:spPr>
+      </p:pic>
+      <p:sp>
+        <p:nvSpPr>
+          <p:cNvPr id="5" name="TextBox 5">
+            <a:extLst>
+              <a:ext uri="{FF2B5EF4-FFF2-40B4-BE49-F238E27FC236}">
+                <a16:creationId xmlns:a16="http://schemas.microsoft.com/office/drawing/2014/main" id="{6C5CFA17-233B-27B7-9DE8-9799D8B82850}"/>
+              </a:ext>
+            </a:extLst>
+          </p:cNvPr>
+          <p:cNvSpPr txBox="1"/>
+          <p:nvPr/>
+        </p:nvSpPr>
+        <p:spPr>
+          <a:xfrm>
+            <a:off x="2800350" y="4140200"/>
+            <a:ext cx="18783300" cy="5435600"/>
+          </a:xfrm>
+          <a:prstGeom prst="rect">
+            <a:avLst/>
+          </a:prstGeom>
+        </p:spPr>
+        <p:txBody>
+          <a:bodyPr lIns="0" tIns="480060" rIns="0" bIns="0" rtlCol="0" anchor="ctr"/>
+          <a:lstStyle/>
+          <a:p>
+            <a:pPr lvl="0" algn="ctr">
+              <a:lnSpc>
+                <a:spcPct val="81339"/>
+              </a:lnSpc>
+            </a:pPr>
+            <a:r>
+              <a:rPr lang="ko-KR" altLang="en-US" sz="15000" b="0" i="0" u="none" strike="noStrike" spc="-360">
+                <a:solidFill>
+                  <a:srgbClr val="000000"/>
+                </a:solidFill>
+                <a:latin typeface="에스코어 드림 5 Medium" panose="020B0503030302020204" pitchFamily="34" charset="-127"/>
+                <a:ea typeface="에스코어 드림 5 Medium" panose="020B0503030302020204" pitchFamily="34" charset="-127"/>
+              </a:rPr>
+              <a:t>감사합니다</a:t>
+            </a:r>
+            <a:endParaRPr lang="en-US" altLang="ko-KR" sz="15000" b="0" i="0" u="none" strike="noStrike" spc="-360">
+              <a:solidFill>
+                <a:srgbClr val="000000"/>
+              </a:solidFill>
+              <a:latin typeface="에스코어 드림 5 Medium" panose="020B0503030302020204" pitchFamily="34" charset="-127"/>
+              <a:ea typeface="에스코어 드림 5 Medium" panose="020B0503030302020204" pitchFamily="34" charset="-127"/>
+            </a:endParaRPr>
+          </a:p>
+        </p:txBody>
+      </p:sp>
+      <p:sp>
+        <p:nvSpPr>
+          <p:cNvPr id="14" name="TextBox 14">
+            <a:extLst>
+              <a:ext uri="{FF2B5EF4-FFF2-40B4-BE49-F238E27FC236}">
+                <a16:creationId xmlns:a16="http://schemas.microsoft.com/office/drawing/2014/main" id="{B72B8D77-6331-DCF1-A160-1D78FFEFA8BA}"/>
+              </a:ext>
+            </a:extLst>
+          </p:cNvPr>
+          <p:cNvSpPr txBox="1"/>
+          <p:nvPr/>
+        </p:nvSpPr>
+        <p:spPr>
+          <a:xfrm>
+            <a:off x="20650200" y="13093700"/>
+            <a:ext cx="4749800" cy="558800"/>
+          </a:xfrm>
+          <a:prstGeom prst="rect">
+            <a:avLst/>
+          </a:prstGeom>
+        </p:spPr>
+        <p:txBody>
+          <a:bodyPr rtlCol="0" anchor="ctr"/>
+          <a:lstStyle/>
+          <a:p>
+            <a:pPr lvl="0" algn="l">
+              <a:lnSpc>
+                <a:spcPct val="124499"/>
+              </a:lnSpc>
+            </a:pPr>
+            <a:r>
+              <a:rPr lang="en" sz="3132" b="0" i="0" u="none" strike="noStrike">
+                <a:solidFill>
+                  <a:srgbClr val="000000"/>
+                </a:solidFill>
+                <a:latin typeface="에스코어 드림 3 Light" panose="020B0303030302020204" pitchFamily="34" charset="-127"/>
+                <a:ea typeface="에스코어 드림 3 Light" panose="020B0303030302020204" pitchFamily="34" charset="-127"/>
+              </a:rPr>
+              <a:t>21011627 </a:t>
+            </a:r>
+            <a:r>
+              <a:rPr lang="ko-KR" altLang="en-US" sz="3132" b="0" i="0" u="none" strike="noStrike">
+                <a:solidFill>
+                  <a:srgbClr val="000000"/>
+                </a:solidFill>
+                <a:latin typeface="에스코어 드림 3 Light" panose="020B0303030302020204" pitchFamily="34" charset="-127"/>
+                <a:ea typeface="에스코어 드림 3 Light" panose="020B0303030302020204" pitchFamily="34" charset="-127"/>
+              </a:rPr>
+              <a:t>배준엽</a:t>
+            </a:r>
+            <a:endParaRPr lang="en" sz="3132" b="0" i="0" u="none" strike="noStrike">
+              <a:solidFill>
+                <a:srgbClr val="000000"/>
+              </a:solidFill>
+              <a:latin typeface="에스코어 드림 3 Light" panose="020B0303030302020204" pitchFamily="34" charset="-127"/>
+              <a:ea typeface="에스코어 드림 3 Light" panose="020B0303030302020204" pitchFamily="34" charset="-127"/>
+            </a:endParaRPr>
+          </a:p>
+        </p:txBody>
+      </p:sp>
+    </p:spTree>
+    <p:extLst>
+      <p:ext uri="{BB962C8B-B14F-4D97-AF65-F5344CB8AC3E}">
+        <p14:creationId xmlns:p14="http://schemas.microsoft.com/office/powerpoint/2010/main" val="4207984793"/>
+      </p:ext>
+    </p:extLst>
   </p:cSld>
   <p:clrMapOvr>
     <a:masterClrMapping/>
@@ -18037,4 +25443,319 @@
   <a:objectDefaults/>
   <a:extraClrSchemeLst/>
 </a:theme>
+</file>
+
+<file path=ppt/theme/theme2.xml><?xml version="1.0" encoding="utf-8"?>
+<a:theme xmlns:a="http://schemas.openxmlformats.org/drawingml/2006/main" name="Office 테마">
+  <a:themeElements>
+    <a:clrScheme name="Office">
+      <a:dk1>
+        <a:sysClr val="windowText" lastClr="000000"/>
+      </a:dk1>
+      <a:lt1>
+        <a:sysClr val="window" lastClr="FFFFFF"/>
+      </a:lt1>
+      <a:dk2>
+        <a:srgbClr val="0E2841"/>
+      </a:dk2>
+      <a:lt2>
+        <a:srgbClr val="E8E8E8"/>
+      </a:lt2>
+      <a:accent1>
+        <a:srgbClr val="156082"/>
+      </a:accent1>
+      <a:accent2>
+        <a:srgbClr val="E97132"/>
+      </a:accent2>
+      <a:accent3>
+        <a:srgbClr val="196B24"/>
+      </a:accent3>
+      <a:accent4>
+        <a:srgbClr val="0F9ED5"/>
+      </a:accent4>
+      <a:accent5>
+        <a:srgbClr val="A02B93"/>
+      </a:accent5>
+      <a:accent6>
+        <a:srgbClr val="4EA72E"/>
+      </a:accent6>
+      <a:hlink>
+        <a:srgbClr val="467886"/>
+      </a:hlink>
+      <a:folHlink>
+        <a:srgbClr val="96607D"/>
+      </a:folHlink>
+    </a:clrScheme>
+    <a:fontScheme name="Office">
+      <a:majorFont>
+        <a:latin typeface="맑은 고딕" panose="02110004020202020204"/>
+        <a:ea typeface=""/>
+        <a:cs typeface=""/>
+        <a:font script="Jpan" typeface="游ゴシック Light"/>
+        <a:font script="Hang" typeface="맑은 고딕"/>
+        <a:font script="Hans" typeface="等线 Light"/>
+        <a:font script="Hant" typeface="新細明體"/>
+        <a:font script="Arab" typeface="Times New Roman"/>
+        <a:font script="Hebr" typeface="Times New Roman"/>
+        <a:font script="Thai" typeface="Angsana New"/>
+        <a:font script="Ethi" typeface="Nyala"/>
+        <a:font script="Beng" typeface="Vrinda"/>
+        <a:font script="Gujr" typeface="Shruti"/>
+        <a:font script="Khmr" typeface="MoolBoran"/>
+        <a:font script="Knda" typeface="Tunga"/>
+        <a:font script="Guru" typeface="Raavi"/>
+        <a:font script="Cans" typeface="Euphemia"/>
+        <a:font script="Cher" typeface="Plantagenet Cherokee"/>
+        <a:font script="Yiii" typeface="Microsoft Yi Baiti"/>
+        <a:font script="Tibt" typeface="Microsoft Himalaya"/>
+        <a:font script="Thaa" typeface="MV Boli"/>
+        <a:font script="Deva" typeface="Mangal"/>
+        <a:font script="Telu" typeface="Gautami"/>
+        <a:font script="Taml" typeface="Latha"/>
+        <a:font script="Syrc" typeface="Estrangelo Edessa"/>
+        <a:font script="Orya" typeface="Kalinga"/>
+        <a:font script="Mlym" typeface="Kartika"/>
+        <a:font script="Laoo" typeface="DokChampa"/>
+        <a:font script="Sinh" typeface="Iskoola Pota"/>
+        <a:font script="Mong" typeface="Mongolian Baiti"/>
+        <a:font script="Viet" typeface="Times New Roman"/>
+        <a:font script="Uigh" typeface="Microsoft Uighur"/>
+        <a:font script="Geor" typeface="Sylfaen"/>
+        <a:font script="Armn" typeface="Arial"/>
+        <a:font script="Bugi" typeface="Leelawadee UI"/>
+        <a:font script="Bopo" typeface="Microsoft JhengHei"/>
+        <a:font script="Java" typeface="Javanese Text"/>
+        <a:font script="Lisu" typeface="Segoe UI"/>
+        <a:font script="Mymr" typeface="Myanmar Text"/>
+        <a:font script="Nkoo" typeface="Ebrima"/>
+        <a:font script="Olck" typeface="Nirmala UI"/>
+        <a:font script="Osma" typeface="Ebrima"/>
+        <a:font script="Phag" typeface="Phagspa"/>
+        <a:font script="Syrn" typeface="Estrangelo Edessa"/>
+        <a:font script="Syrj" typeface="Estrangelo Edessa"/>
+        <a:font script="Syre" typeface="Estrangelo Edessa"/>
+        <a:font script="Sora" typeface="Nirmala UI"/>
+        <a:font script="Tale" typeface="Microsoft Tai Le"/>
+        <a:font script="Talu" typeface="Microsoft New Tai Lue"/>
+        <a:font script="Tfng" typeface="Ebrima"/>
+      </a:majorFont>
+      <a:minorFont>
+        <a:latin typeface="맑은 고딕" panose="02110004020202020204"/>
+        <a:ea typeface=""/>
+        <a:cs typeface=""/>
+        <a:font script="Jpan" typeface="游ゴシック"/>
+        <a:font script="Hang" typeface="맑은 고딕"/>
+        <a:font script="Hans" typeface="等线"/>
+        <a:font script="Hant" typeface="新細明體"/>
+        <a:font script="Arab" typeface="Arial"/>
+        <a:font script="Hebr" typeface="Arial"/>
+        <a:font script="Thai" typeface="Cordia New"/>
+        <a:font script="Ethi" typeface="Nyala"/>
+        <a:font script="Beng" typeface="Vrinda"/>
+        <a:font script="Gujr" typeface="Shruti"/>
+        <a:font script="Khmr" typeface="DaunPenh"/>
+        <a:font script="Knda" typeface="Tunga"/>
+        <a:font script="Guru" typeface="Raavi"/>
+        <a:font script="Cans" typeface="Euphemia"/>
+        <a:font script="Cher" typeface="Plantagenet Cherokee"/>
+        <a:font script="Yiii" typeface="Microsoft Yi Baiti"/>
+        <a:font script="Tibt" typeface="Microsoft Himalaya"/>
+        <a:font script="Thaa" typeface="MV Boli"/>
+        <a:font script="Deva" typeface="Mangal"/>
+        <a:font script="Telu" typeface="Gautami"/>
+        <a:font script="Taml" typeface="Latha"/>
+        <a:font script="Syrc" typeface="Estrangelo Edessa"/>
+        <a:font script="Orya" typeface="Kalinga"/>
+        <a:font script="Mlym" typeface="Kartika"/>
+        <a:font script="Laoo" typeface="DokChampa"/>
+        <a:font script="Sinh" typeface="Iskoola Pota"/>
+        <a:font script="Mong" typeface="Mongolian Baiti"/>
+        <a:font script="Viet" typeface="Arial"/>
+        <a:font script="Uigh" typeface="Microsoft Uighur"/>
+        <a:font script="Geor" typeface="Sylfaen"/>
+        <a:font script="Armn" typeface="Arial"/>
+        <a:font script="Bugi" typeface="Leelawadee UI"/>
+        <a:font script="Bopo" typeface="Microsoft JhengHei"/>
+        <a:font script="Java" typeface="Javanese Text"/>
+        <a:font script="Lisu" typeface="Segoe UI"/>
+        <a:font script="Mymr" typeface="Myanmar Text"/>
+        <a:font script="Nkoo" typeface="Ebrima"/>
+        <a:font script="Olck" typeface="Nirmala UI"/>
+        <a:font script="Osma" typeface="Ebrima"/>
+        <a:font script="Phag" typeface="Phagspa"/>
+        <a:font script="Syrn" typeface="Estrangelo Edessa"/>
+        <a:font script="Syrj" typeface="Estrangelo Edessa"/>
+        <a:font script="Syre" typeface="Estrangelo Edessa"/>
+        <a:font script="Sora" typeface="Nirmala UI"/>
+        <a:font script="Tale" typeface="Microsoft Tai Le"/>
+        <a:font script="Talu" typeface="Microsoft New Tai Lue"/>
+        <a:font script="Tfng" typeface="Ebrima"/>
+      </a:minorFont>
+    </a:fontScheme>
+    <a:fmtScheme name="Office">
+      <a:fillStyleLst>
+        <a:solidFill>
+          <a:schemeClr val="phClr"/>
+        </a:solidFill>
+        <a:gradFill rotWithShape="1">
+          <a:gsLst>
+            <a:gs pos="0">
+              <a:schemeClr val="phClr">
+                <a:lumMod val="110000"/>
+                <a:satMod val="105000"/>
+                <a:tint val="67000"/>
+              </a:schemeClr>
+            </a:gs>
+            <a:gs pos="50000">
+              <a:schemeClr val="phClr">
+                <a:lumMod val="105000"/>
+                <a:satMod val="103000"/>
+                <a:tint val="73000"/>
+              </a:schemeClr>
+            </a:gs>
+            <a:gs pos="100000">
+              <a:schemeClr val="phClr">
+                <a:lumMod val="105000"/>
+                <a:satMod val="109000"/>
+                <a:tint val="81000"/>
+              </a:schemeClr>
+            </a:gs>
+          </a:gsLst>
+          <a:lin ang="5400000" scaled="0"/>
+        </a:gradFill>
+        <a:gradFill rotWithShape="1">
+          <a:gsLst>
+            <a:gs pos="0">
+              <a:schemeClr val="phClr">
+                <a:satMod val="103000"/>
+                <a:lumMod val="102000"/>
+                <a:tint val="94000"/>
+              </a:schemeClr>
+            </a:gs>
+            <a:gs pos="50000">
+              <a:schemeClr val="phClr">
+                <a:satMod val="110000"/>
+                <a:lumMod val="100000"/>
+                <a:shade val="100000"/>
+              </a:schemeClr>
+            </a:gs>
+            <a:gs pos="100000">
+              <a:schemeClr val="phClr">
+                <a:lumMod val="99000"/>
+                <a:satMod val="120000"/>
+                <a:shade val="78000"/>
+              </a:schemeClr>
+            </a:gs>
+          </a:gsLst>
+          <a:lin ang="5400000" scaled="0"/>
+        </a:gradFill>
+      </a:fillStyleLst>
+      <a:lnStyleLst>
+        <a:ln w="12700" cap="flat" cmpd="sng" algn="ctr">
+          <a:solidFill>
+            <a:schemeClr val="phClr"/>
+          </a:solidFill>
+          <a:prstDash val="solid"/>
+          <a:miter lim="800000"/>
+        </a:ln>
+        <a:ln w="19050" cap="flat" cmpd="sng" algn="ctr">
+          <a:solidFill>
+            <a:schemeClr val="phClr"/>
+          </a:solidFill>
+          <a:prstDash val="solid"/>
+          <a:miter lim="800000"/>
+        </a:ln>
+        <a:ln w="25400" cap="flat" cmpd="sng" algn="ctr">
+          <a:solidFill>
+            <a:schemeClr val="phClr"/>
+          </a:solidFill>
+          <a:prstDash val="solid"/>
+          <a:miter lim="800000"/>
+        </a:ln>
+      </a:lnStyleLst>
+      <a:effectStyleLst>
+        <a:effectStyle>
+          <a:effectLst/>
+        </a:effectStyle>
+        <a:effectStyle>
+          <a:effectLst/>
+        </a:effectStyle>
+        <a:effectStyle>
+          <a:effectLst>
+            <a:outerShdw blurRad="57150" dist="19050" dir="5400000" algn="ctr" rotWithShape="0">
+              <a:srgbClr val="000000">
+                <a:alpha val="63000"/>
+              </a:srgbClr>
+            </a:outerShdw>
+          </a:effectLst>
+        </a:effectStyle>
+      </a:effectStyleLst>
+      <a:bgFillStyleLst>
+        <a:solidFill>
+          <a:schemeClr val="phClr"/>
+        </a:solidFill>
+        <a:solidFill>
+          <a:schemeClr val="phClr">
+            <a:tint val="95000"/>
+            <a:satMod val="170000"/>
+          </a:schemeClr>
+        </a:solidFill>
+        <a:gradFill rotWithShape="1">
+          <a:gsLst>
+            <a:gs pos="0">
+              <a:schemeClr val="phClr">
+                <a:tint val="93000"/>
+                <a:satMod val="150000"/>
+                <a:shade val="98000"/>
+                <a:lumMod val="102000"/>
+              </a:schemeClr>
+            </a:gs>
+            <a:gs pos="50000">
+              <a:schemeClr val="phClr">
+                <a:tint val="98000"/>
+                <a:satMod val="130000"/>
+                <a:shade val="90000"/>
+                <a:lumMod val="103000"/>
+              </a:schemeClr>
+            </a:gs>
+            <a:gs pos="100000">
+              <a:schemeClr val="phClr">
+                <a:shade val="63000"/>
+                <a:satMod val="120000"/>
+              </a:schemeClr>
+            </a:gs>
+          </a:gsLst>
+          <a:lin ang="5400000" scaled="0"/>
+        </a:gradFill>
+      </a:bgFillStyleLst>
+    </a:fmtScheme>
+  </a:themeElements>
+  <a:objectDefaults>
+    <a:lnDef>
+      <a:spPr/>
+      <a:bodyPr/>
+      <a:lstStyle/>
+      <a:style>
+        <a:lnRef idx="2">
+          <a:schemeClr val="accent1"/>
+        </a:lnRef>
+        <a:fillRef idx="0">
+          <a:schemeClr val="accent1"/>
+        </a:fillRef>
+        <a:effectRef idx="1">
+          <a:schemeClr val="accent1"/>
+        </a:effectRef>
+        <a:fontRef idx="minor">
+          <a:schemeClr val="tx1"/>
+        </a:fontRef>
+      </a:style>
+    </a:lnDef>
+  </a:objectDefaults>
+  <a:extraClrSchemeLst/>
+  <a:extLst>
+    <a:ext uri="{05A4C25C-085E-4340-85A3-A5531E510DB2}">
+      <thm15:themeFamily xmlns:thm15="http://schemas.microsoft.com/office/thememl/2012/main" name="Office Theme" id="{2E142A2C-CD16-42D6-873A-C26D2A0506FA}" vid="{1BDDFF52-6CD6-40A5-AB3C-68EB2F1E4D0A}"/>
+    </a:ext>
+  </a:extLst>
+</a:theme>
 </file>